--- a/복습정리자료/spring 4주차 정리(kyungmin) .pptx
+++ b/복습정리자료/spring 4주차 정리(kyungmin) .pptx
@@ -5,7 +5,7 @@
     <p:sldMasterId id="2147483648" r:id="rId1"/>
   </p:sldMasterIdLst>
   <p:notesMasterIdLst>
-    <p:notesMasterId r:id="rId9"/>
+    <p:notesMasterId r:id="rId10"/>
   </p:notesMasterIdLst>
   <p:sldIdLst>
     <p:sldId id="260" r:id="rId2"/>
@@ -15,6 +15,7 @@
     <p:sldId id="264" r:id="rId6"/>
     <p:sldId id="265" r:id="rId7"/>
     <p:sldId id="266" r:id="rId8"/>
+    <p:sldId id="267" r:id="rId9"/>
   </p:sldIdLst>
   <p:sldSz cx="12192000" cy="6858000"/>
   <p:notesSz cx="6858000" cy="9144000"/>
@@ -966,6 +967,90 @@
     <p:extLst>
       <p:ext uri="{BB962C8B-B14F-4D97-AF65-F5344CB8AC3E}">
         <p14:creationId xmlns:p14="http://schemas.microsoft.com/office/powerpoint/2010/main" val="3898325762"/>
+      </p:ext>
+    </p:extLst>
+  </p:cSld>
+  <p:clrMapOvr>
+    <a:masterClrMapping/>
+  </p:clrMapOvr>
+</p:notes>
+</file>
+
+<file path=ppt/notesSlides/notesSlide7.xml><?xml version="1.0" encoding="utf-8"?>
+<p:notes xmlns:a="http://schemas.openxmlformats.org/drawingml/2006/main" xmlns:r="http://schemas.openxmlformats.org/officeDocument/2006/relationships" xmlns:p="http://schemas.openxmlformats.org/presentationml/2006/main">
+  <p:cSld>
+    <p:spTree>
+      <p:nvGrpSpPr>
+        <p:cNvPr id="1" name=""/>
+        <p:cNvGrpSpPr/>
+        <p:nvPr/>
+      </p:nvGrpSpPr>
+      <p:grpSpPr>
+        <a:xfrm>
+          <a:off x="0" y="0"/>
+          <a:ext cx="0" cy="0"/>
+          <a:chOff x="0" y="0"/>
+          <a:chExt cx="0" cy="0"/>
+        </a:xfrm>
+      </p:grpSpPr>
+      <p:sp>
+        <p:nvSpPr>
+          <p:cNvPr id="2" name="슬라이드 이미지 개체 틀 1"/>
+          <p:cNvSpPr>
+            <a:spLocks noGrp="1" noRot="1" noChangeAspect="1"/>
+          </p:cNvSpPr>
+          <p:nvPr>
+            <p:ph type="sldImg"/>
+          </p:nvPr>
+        </p:nvSpPr>
+        <p:spPr/>
+      </p:sp>
+      <p:sp>
+        <p:nvSpPr>
+          <p:cNvPr id="3" name="슬라이드 노트 개체 틀 2"/>
+          <p:cNvSpPr>
+            <a:spLocks noGrp="1"/>
+          </p:cNvSpPr>
+          <p:nvPr>
+            <p:ph type="body" idx="1"/>
+          </p:nvPr>
+        </p:nvSpPr>
+        <p:spPr/>
+        <p:txBody>
+          <a:bodyPr/>
+          <a:lstStyle/>
+          <a:p>
+            <a:endParaRPr kumimoji="1" lang="ko-Kore-KR" altLang="en-US" dirty="0"/>
+          </a:p>
+        </p:txBody>
+      </p:sp>
+      <p:sp>
+        <p:nvSpPr>
+          <p:cNvPr id="4" name="슬라이드 번호 개체 틀 3"/>
+          <p:cNvSpPr>
+            <a:spLocks noGrp="1"/>
+          </p:cNvSpPr>
+          <p:nvPr>
+            <p:ph type="sldNum" sz="quarter" idx="5"/>
+          </p:nvPr>
+        </p:nvSpPr>
+        <p:spPr/>
+        <p:txBody>
+          <a:bodyPr/>
+          <a:lstStyle/>
+          <a:p>
+            <a:fld id="{CAC402C4-917E-A146-AE27-5FCC575E3565}" type="slidenum">
+              <a:rPr kumimoji="1" lang="ko-Kore-KR" altLang="en-US" smtClean="0"/>
+              <a:t>8</a:t>
+            </a:fld>
+            <a:endParaRPr kumimoji="1" lang="ko-Kore-KR" altLang="en-US"/>
+          </a:p>
+        </p:txBody>
+      </p:sp>
+    </p:spTree>
+    <p:extLst>
+      <p:ext uri="{BB962C8B-B14F-4D97-AF65-F5344CB8AC3E}">
+        <p14:creationId xmlns:p14="http://schemas.microsoft.com/office/powerpoint/2010/main" val="481452921"/>
       </p:ext>
     </p:extLst>
   </p:cSld>
@@ -4411,14 +4496,14 @@
               </a:spcAft>
             </a:pPr>
             <a:r>
-              <a:rPr kumimoji="1" lang="ko-KR" altLang="en-US" sz="4000" b="1">
+              <a:rPr kumimoji="1" lang="ko-KR" altLang="en-US" sz="4000" b="1" dirty="0">
                 <a:latin typeface="+mj-lt"/>
                 <a:ea typeface="+mj-ea"/>
                 <a:cs typeface="+mj-cs"/>
               </a:rPr>
               <a:t>목차</a:t>
             </a:r>
-            <a:endParaRPr kumimoji="1" lang="en-US" altLang="en-US" sz="4000" b="1">
+            <a:endParaRPr kumimoji="1" lang="en-US" altLang="en-US" sz="4000" b="1" dirty="0">
               <a:latin typeface="+mj-lt"/>
               <a:ea typeface="+mj-ea"/>
               <a:cs typeface="+mj-cs"/>
@@ -4487,7 +4572,10 @@
               <a:rPr kumimoji="1" lang="ko-KR" altLang="en-US" sz="2000" b="1" dirty="0"/>
               <a:t>와 연결하기</a:t>
             </a:r>
-            <a:endParaRPr kumimoji="1" lang="en-US" altLang="ko-KR" sz="2000" b="1" dirty="0"/>
+            <a:r>
+              <a:rPr kumimoji="1" lang="en-US" altLang="ko-KR" sz="2000" b="1" dirty="0"/>
+              <a:t>(maven)</a:t>
+            </a:r>
           </a:p>
           <a:p>
             <a:pPr marL="342900" indent="-342900">
@@ -4685,6 +4773,598 @@
           </a:p>
         </p:txBody>
       </p:sp>
+      <p:sp>
+        <p:nvSpPr>
+          <p:cNvPr id="4" name="TextBox 3">
+            <a:extLst>
+              <a:ext uri="{FF2B5EF4-FFF2-40B4-BE49-F238E27FC236}">
+                <a16:creationId xmlns:a16="http://schemas.microsoft.com/office/drawing/2014/main" id="{C733F9F0-33FD-42D1-C82A-DDDA4EDA896C}"/>
+              </a:ext>
+            </a:extLst>
+          </p:cNvPr>
+          <p:cNvSpPr txBox="1"/>
+          <p:nvPr/>
+        </p:nvSpPr>
+        <p:spPr>
+          <a:xfrm>
+            <a:off x="84504" y="21021"/>
+            <a:ext cx="3436461" cy="1684638"/>
+          </a:xfrm>
+          <a:prstGeom prst="rect">
+            <a:avLst/>
+          </a:prstGeom>
+        </p:spPr>
+        <p:txBody>
+          <a:bodyPr vert="horz" lIns="91440" tIns="45720" rIns="91440" bIns="45720" rtlCol="0" anchor="ctr">
+            <a:normAutofit/>
+          </a:bodyPr>
+          <a:lstStyle/>
+          <a:p>
+            <a:pPr>
+              <a:lnSpc>
+                <a:spcPct val="90000"/>
+              </a:lnSpc>
+              <a:spcBef>
+                <a:spcPct val="0"/>
+              </a:spcBef>
+              <a:spcAft>
+                <a:spcPts val="600"/>
+              </a:spcAft>
+            </a:pPr>
+            <a:r>
+              <a:rPr kumimoji="1" lang="en-US" altLang="en-US" sz="3500" b="1" dirty="0">
+                <a:latin typeface="+mn-ea"/>
+                <a:cs typeface="+mj-cs"/>
+              </a:rPr>
+              <a:t>H2</a:t>
+            </a:r>
+            <a:r>
+              <a:rPr kumimoji="1" lang="en-US" altLang="en-US" sz="3500" b="1" dirty="0">
+                <a:latin typeface="+mj-lt"/>
+                <a:ea typeface="+mj-ea"/>
+                <a:cs typeface="+mj-cs"/>
+              </a:rPr>
+              <a:t> </a:t>
+            </a:r>
+            <a:r>
+              <a:rPr kumimoji="1" lang="en-US" altLang="en-US" sz="3500" b="1" dirty="0" err="1">
+                <a:latin typeface="+mn-ea"/>
+                <a:cs typeface="+mj-cs"/>
+              </a:rPr>
+              <a:t>DataBase</a:t>
+            </a:r>
+            <a:r>
+              <a:rPr kumimoji="1" lang="en-US" altLang="en-US" sz="3500" b="1" dirty="0">
+                <a:latin typeface="+mj-lt"/>
+                <a:ea typeface="+mj-ea"/>
+                <a:cs typeface="+mj-cs"/>
+              </a:rPr>
+              <a:t> </a:t>
+            </a:r>
+          </a:p>
+        </p:txBody>
+      </p:sp>
+      <p:sp>
+        <p:nvSpPr>
+          <p:cNvPr id="6" name="TextBox 5">
+            <a:extLst>
+              <a:ext uri="{FF2B5EF4-FFF2-40B4-BE49-F238E27FC236}">
+                <a16:creationId xmlns:a16="http://schemas.microsoft.com/office/drawing/2014/main" id="{37907829-3E9E-3FF2-BCF6-2B78E8848EEE}"/>
+              </a:ext>
+            </a:extLst>
+          </p:cNvPr>
+          <p:cNvSpPr txBox="1"/>
+          <p:nvPr/>
+        </p:nvSpPr>
+        <p:spPr>
+          <a:xfrm>
+            <a:off x="84504" y="1484942"/>
+            <a:ext cx="6148131" cy="3690551"/>
+          </a:xfrm>
+          <a:prstGeom prst="rect">
+            <a:avLst/>
+          </a:prstGeom>
+        </p:spPr>
+        <p:txBody>
+          <a:bodyPr vert="horz" lIns="91440" tIns="45720" rIns="91440" bIns="45720" rtlCol="0">
+            <a:normAutofit fontScale="85000" lnSpcReduction="20000"/>
+          </a:bodyPr>
+          <a:lstStyle/>
+          <a:p>
+            <a:pPr indent="-228600">
+              <a:lnSpc>
+                <a:spcPct val="90000"/>
+              </a:lnSpc>
+              <a:spcAft>
+                <a:spcPts val="600"/>
+              </a:spcAft>
+              <a:buFont typeface="Arial" panose="020B0604020202020204" pitchFamily="34" charset="0"/>
+              <a:buChar char="•"/>
+            </a:pPr>
+            <a:r>
+              <a:rPr kumimoji="1" lang="en-US" altLang="ko-KR" sz="2000" b="1" dirty="0"/>
+              <a:t>H2 </a:t>
+            </a:r>
+            <a:r>
+              <a:rPr kumimoji="1" lang="ko-KR" altLang="en-US" sz="2000" b="1" dirty="0"/>
+              <a:t>는 자바로 작성된 관계형 데이터베이스 관리 시스템</a:t>
+            </a:r>
+            <a:endParaRPr kumimoji="1" lang="en-US" altLang="ko-KR" sz="2000" b="1" dirty="0"/>
+          </a:p>
+          <a:p>
+            <a:pPr indent="-228600">
+              <a:lnSpc>
+                <a:spcPct val="90000"/>
+              </a:lnSpc>
+              <a:spcAft>
+                <a:spcPts val="600"/>
+              </a:spcAft>
+              <a:buFont typeface="Arial" panose="020B0604020202020204" pitchFamily="34" charset="0"/>
+              <a:buChar char="•"/>
+            </a:pPr>
+            <a:endParaRPr kumimoji="1" lang="en-US" altLang="ko-KR" sz="2000" b="1" dirty="0"/>
+          </a:p>
+          <a:p>
+            <a:pPr indent="-228600">
+              <a:lnSpc>
+                <a:spcPct val="90000"/>
+              </a:lnSpc>
+              <a:spcAft>
+                <a:spcPts val="600"/>
+              </a:spcAft>
+              <a:buFont typeface="Arial" panose="020B0604020202020204" pitchFamily="34" charset="0"/>
+              <a:buChar char="•"/>
+            </a:pPr>
+            <a:r>
+              <a:rPr kumimoji="1" lang="ko-KR" altLang="en-US" sz="2000" b="1" dirty="0"/>
+              <a:t>장점</a:t>
+            </a:r>
+            <a:endParaRPr kumimoji="1" lang="en-US" altLang="ko-KR" sz="2000" b="1" dirty="0"/>
+          </a:p>
+          <a:p>
+            <a:pPr marL="457200" indent="-457200">
+              <a:lnSpc>
+                <a:spcPct val="90000"/>
+              </a:lnSpc>
+              <a:spcAft>
+                <a:spcPts val="600"/>
+              </a:spcAft>
+              <a:buAutoNum type="arabicPeriod"/>
+            </a:pPr>
+            <a:r>
+              <a:rPr kumimoji="1" lang="ko-KR" altLang="en-US" sz="2000" b="1" dirty="0"/>
+              <a:t>따로 설치가 </a:t>
+            </a:r>
+            <a:r>
+              <a:rPr kumimoji="1" lang="ko-KR" altLang="en-US" sz="2000" b="1" dirty="0" err="1"/>
+              <a:t>필요없다</a:t>
+            </a:r>
+            <a:endParaRPr kumimoji="1" lang="en-US" altLang="ko-KR" sz="2000" b="1" dirty="0"/>
+          </a:p>
+          <a:p>
+            <a:pPr marL="457200" indent="-457200">
+              <a:lnSpc>
+                <a:spcPct val="90000"/>
+              </a:lnSpc>
+              <a:spcAft>
+                <a:spcPts val="600"/>
+              </a:spcAft>
+              <a:buAutoNum type="arabicPeriod"/>
+            </a:pPr>
+            <a:r>
+              <a:rPr kumimoji="1" lang="ko-KR" altLang="en-US" sz="2000" b="1" dirty="0"/>
+              <a:t>용량이 매우 가볍다</a:t>
+            </a:r>
+            <a:endParaRPr kumimoji="1" lang="en-US" altLang="ko-KR" sz="2000" b="1" dirty="0"/>
+          </a:p>
+          <a:p>
+            <a:pPr marL="457200" indent="-457200">
+              <a:lnSpc>
+                <a:spcPct val="90000"/>
+              </a:lnSpc>
+              <a:spcAft>
+                <a:spcPts val="600"/>
+              </a:spcAft>
+              <a:buAutoNum type="arabicPeriod"/>
+            </a:pPr>
+            <a:r>
+              <a:rPr kumimoji="1" lang="ko-KR" altLang="en-US" sz="2000" b="1" dirty="0"/>
+              <a:t>웹용 콘솔을 제공하여 개발용 로컬 </a:t>
+            </a:r>
+            <a:r>
+              <a:rPr kumimoji="1" lang="en-US" altLang="ko-KR" sz="2000" b="1" dirty="0"/>
+              <a:t>DB</a:t>
+            </a:r>
+            <a:r>
+              <a:rPr kumimoji="1" lang="ko-KR" altLang="en-US" sz="2000" b="1" dirty="0"/>
+              <a:t>로 사용이 용이하다</a:t>
+            </a:r>
+            <a:endParaRPr kumimoji="1" lang="en-US" altLang="ko-KR" sz="2000" b="1" dirty="0"/>
+          </a:p>
+          <a:p>
+            <a:pPr indent="-228600">
+              <a:lnSpc>
+                <a:spcPct val="90000"/>
+              </a:lnSpc>
+              <a:spcAft>
+                <a:spcPts val="600"/>
+              </a:spcAft>
+              <a:buFont typeface="Arial" panose="020B0604020202020204" pitchFamily="34" charset="0"/>
+              <a:buChar char="•"/>
+            </a:pPr>
+            <a:endParaRPr kumimoji="1" lang="en-US" altLang="ko-KR" sz="2000" b="1" dirty="0"/>
+          </a:p>
+          <a:p>
+            <a:pPr indent="-228600">
+              <a:lnSpc>
+                <a:spcPct val="90000"/>
+              </a:lnSpc>
+              <a:spcAft>
+                <a:spcPts val="600"/>
+              </a:spcAft>
+              <a:buFont typeface="Arial" panose="020B0604020202020204" pitchFamily="34" charset="0"/>
+              <a:buChar char="•"/>
+            </a:pPr>
+            <a:r>
+              <a:rPr kumimoji="1" lang="ko-KR" altLang="en-US" sz="2000" b="1" dirty="0"/>
+              <a:t>특징</a:t>
+            </a:r>
+            <a:endParaRPr kumimoji="1" lang="en-US" altLang="ko-KR" sz="2000" b="1" dirty="0"/>
+          </a:p>
+          <a:p>
+            <a:pPr marL="457200" indent="-457200">
+              <a:lnSpc>
+                <a:spcPct val="90000"/>
+              </a:lnSpc>
+              <a:spcAft>
+                <a:spcPts val="600"/>
+              </a:spcAft>
+              <a:buAutoNum type="arabicPeriod"/>
+            </a:pPr>
+            <a:r>
+              <a:rPr kumimoji="1" lang="en-US" altLang="ko-KR" sz="2000" b="1" dirty="0"/>
+              <a:t>JAVA</a:t>
+            </a:r>
+            <a:r>
+              <a:rPr kumimoji="1" lang="ko-KR" altLang="en-US" sz="2000" b="1" dirty="0"/>
+              <a:t>로 작성된 오픈소스 </a:t>
+            </a:r>
+            <a:r>
+              <a:rPr kumimoji="1" lang="en-US" altLang="ko-KR" sz="2000" b="1" dirty="0"/>
+              <a:t>RDBMS</a:t>
+            </a:r>
+          </a:p>
+          <a:p>
+            <a:pPr marL="457200" indent="-457200">
+              <a:lnSpc>
+                <a:spcPct val="90000"/>
+              </a:lnSpc>
+              <a:spcAft>
+                <a:spcPts val="600"/>
+              </a:spcAft>
+              <a:buAutoNum type="arabicPeriod"/>
+            </a:pPr>
+            <a:r>
+              <a:rPr kumimoji="1" lang="ko-KR" altLang="en-US" sz="2000" b="1" dirty="0" err="1"/>
+              <a:t>스프링부트가</a:t>
+            </a:r>
+            <a:r>
+              <a:rPr kumimoji="1" lang="ko-KR" altLang="en-US" sz="2000" b="1" dirty="0"/>
+              <a:t> 지원하는 인메모리 관계형 데이터베이스</a:t>
+            </a:r>
+            <a:endParaRPr kumimoji="1" lang="en-US" altLang="ko-KR" sz="2000" b="1" dirty="0"/>
+          </a:p>
+          <a:p>
+            <a:pPr marL="457200" indent="-457200">
+              <a:lnSpc>
+                <a:spcPct val="90000"/>
+              </a:lnSpc>
+              <a:spcAft>
+                <a:spcPts val="600"/>
+              </a:spcAft>
+              <a:buAutoNum type="arabicPeriod"/>
+            </a:pPr>
+            <a:r>
+              <a:rPr kumimoji="1" lang="en-US" altLang="ko-KR" sz="2000" b="1" dirty="0"/>
+              <a:t>In-Memory </a:t>
+            </a:r>
+            <a:r>
+              <a:rPr kumimoji="1" lang="ko-KR" altLang="en-US" sz="2000" b="1" dirty="0"/>
+              <a:t>로 띄우면 애플리케이션 </a:t>
+            </a:r>
+            <a:r>
+              <a:rPr kumimoji="1" lang="ko-KR" altLang="en-US" sz="2000" b="1" dirty="0" err="1"/>
+              <a:t>재기동</a:t>
+            </a:r>
+            <a:r>
+              <a:rPr kumimoji="1" lang="ko-KR" altLang="en-US" sz="2000" b="1" dirty="0"/>
+              <a:t> 때마다 초기화</a:t>
+            </a:r>
+            <a:endParaRPr kumimoji="1" lang="en-US" altLang="ko-KR" sz="2000" b="1" dirty="0"/>
+          </a:p>
+          <a:p>
+            <a:pPr marL="457200" indent="-457200">
+              <a:lnSpc>
+                <a:spcPct val="90000"/>
+              </a:lnSpc>
+              <a:spcAft>
+                <a:spcPts val="600"/>
+              </a:spcAft>
+              <a:buAutoNum type="arabicPeriod"/>
+            </a:pPr>
+            <a:r>
+              <a:rPr kumimoji="1" lang="ko-KR" altLang="en-US" sz="2000" b="1" dirty="0"/>
+              <a:t>로컬 환경 </a:t>
+            </a:r>
+            <a:r>
+              <a:rPr kumimoji="1" lang="en-US" altLang="ko-KR" sz="2000" b="1" dirty="0"/>
+              <a:t>,</a:t>
+            </a:r>
+            <a:r>
+              <a:rPr kumimoji="1" lang="ko-KR" altLang="en-US" sz="2000" b="1" dirty="0"/>
+              <a:t> 테스트 환경에서 많이 쓰임</a:t>
+            </a:r>
+            <a:endParaRPr kumimoji="1" lang="en-US" altLang="ko-KR" sz="2000" b="1" dirty="0"/>
+          </a:p>
+          <a:p>
+            <a:pPr>
+              <a:lnSpc>
+                <a:spcPct val="90000"/>
+              </a:lnSpc>
+              <a:spcAft>
+                <a:spcPts val="600"/>
+              </a:spcAft>
+            </a:pPr>
+            <a:r>
+              <a:rPr kumimoji="1" lang="ko-KR" altLang="en-US" sz="2000" b="1" dirty="0"/>
+              <a:t> </a:t>
+            </a:r>
+            <a:endParaRPr kumimoji="1" lang="en-US" altLang="ko-KR" sz="2000" dirty="0"/>
+          </a:p>
+          <a:p>
+            <a:pPr marL="342900" indent="-342900">
+              <a:lnSpc>
+                <a:spcPct val="90000"/>
+              </a:lnSpc>
+              <a:spcAft>
+                <a:spcPts val="600"/>
+              </a:spcAft>
+              <a:buFontTx/>
+              <a:buChar char="-"/>
+            </a:pPr>
+            <a:endParaRPr kumimoji="1" lang="en-US" altLang="en-US" sz="2000" dirty="0"/>
+          </a:p>
+          <a:p>
+            <a:pPr>
+              <a:lnSpc>
+                <a:spcPct val="90000"/>
+              </a:lnSpc>
+              <a:spcAft>
+                <a:spcPts val="600"/>
+              </a:spcAft>
+            </a:pPr>
+            <a:endParaRPr kumimoji="1" lang="en-US" altLang="en-US" sz="2000" dirty="0"/>
+          </a:p>
+        </p:txBody>
+      </p:sp>
+      <p:sp>
+        <p:nvSpPr>
+          <p:cNvPr id="8" name="TextBox 7">
+            <a:extLst>
+              <a:ext uri="{FF2B5EF4-FFF2-40B4-BE49-F238E27FC236}">
+                <a16:creationId xmlns:a16="http://schemas.microsoft.com/office/drawing/2014/main" id="{E6AAB426-4BE3-CCC7-47D5-5C4E521D7C18}"/>
+              </a:ext>
+            </a:extLst>
+          </p:cNvPr>
+          <p:cNvSpPr txBox="1"/>
+          <p:nvPr/>
+        </p:nvSpPr>
+        <p:spPr>
+          <a:xfrm>
+            <a:off x="6986332" y="0"/>
+            <a:ext cx="3998764" cy="1684638"/>
+          </a:xfrm>
+          <a:prstGeom prst="rect">
+            <a:avLst/>
+          </a:prstGeom>
+        </p:spPr>
+        <p:txBody>
+          <a:bodyPr vert="horz" lIns="91440" tIns="45720" rIns="91440" bIns="45720" rtlCol="0" anchor="ctr">
+            <a:normAutofit/>
+          </a:bodyPr>
+          <a:lstStyle/>
+          <a:p>
+            <a:pPr>
+              <a:lnSpc>
+                <a:spcPct val="90000"/>
+              </a:lnSpc>
+              <a:spcBef>
+                <a:spcPct val="0"/>
+              </a:spcBef>
+              <a:spcAft>
+                <a:spcPts val="600"/>
+              </a:spcAft>
+            </a:pPr>
+            <a:r>
+              <a:rPr kumimoji="1" lang="en-US" altLang="en-US" sz="3500" b="1" dirty="0">
+                <a:latin typeface="+mn-ea"/>
+                <a:ea typeface="+mj-ea"/>
+                <a:cs typeface="+mj-cs"/>
+              </a:rPr>
+              <a:t>In-Memory mode</a:t>
+            </a:r>
+            <a:r>
+              <a:rPr kumimoji="1" lang="en-US" altLang="en-US" sz="3500" b="1" dirty="0">
+                <a:latin typeface="+mj-lt"/>
+                <a:ea typeface="+mj-ea"/>
+                <a:cs typeface="+mj-cs"/>
+              </a:rPr>
+              <a:t> </a:t>
+            </a:r>
+          </a:p>
+        </p:txBody>
+      </p:sp>
+      <p:sp>
+        <p:nvSpPr>
+          <p:cNvPr id="9" name="TextBox 8">
+            <a:extLst>
+              <a:ext uri="{FF2B5EF4-FFF2-40B4-BE49-F238E27FC236}">
+                <a16:creationId xmlns:a16="http://schemas.microsoft.com/office/drawing/2014/main" id="{742D7B97-915E-5E66-958B-6D28FD448FD5}"/>
+              </a:ext>
+            </a:extLst>
+          </p:cNvPr>
+          <p:cNvSpPr txBox="1"/>
+          <p:nvPr/>
+        </p:nvSpPr>
+        <p:spPr>
+          <a:xfrm>
+            <a:off x="6276463" y="1303283"/>
+            <a:ext cx="5831034" cy="3690551"/>
+          </a:xfrm>
+          <a:prstGeom prst="rect">
+            <a:avLst/>
+          </a:prstGeom>
+        </p:spPr>
+        <p:txBody>
+          <a:bodyPr vert="horz" lIns="91440" tIns="45720" rIns="91440" bIns="45720" rtlCol="0">
+            <a:normAutofit/>
+          </a:bodyPr>
+          <a:lstStyle/>
+          <a:p>
+            <a:pPr indent="-228600">
+              <a:lnSpc>
+                <a:spcPct val="90000"/>
+              </a:lnSpc>
+              <a:spcAft>
+                <a:spcPts val="600"/>
+              </a:spcAft>
+              <a:buFont typeface="Arial" panose="020B0604020202020204" pitchFamily="34" charset="0"/>
+              <a:buChar char="•"/>
+            </a:pPr>
+            <a:r>
+              <a:rPr kumimoji="1" lang="ko-KR" altLang="en-US" sz="1700" b="1" dirty="0"/>
+              <a:t>애플리케이션 구동 시 </a:t>
+            </a:r>
+            <a:r>
+              <a:rPr kumimoji="1" lang="en-US" altLang="ko-KR" sz="1700" b="1" dirty="0"/>
+              <a:t>H2 DB</a:t>
+            </a:r>
+            <a:r>
+              <a:rPr kumimoji="1" lang="ko-KR" altLang="en-US" sz="1700" b="1" dirty="0"/>
+              <a:t> 데이터를 메모리에 올려서 관리하는 방식</a:t>
+            </a:r>
+            <a:r>
+              <a:rPr kumimoji="1" lang="en-US" altLang="ko-KR" sz="1700" b="1" dirty="0"/>
+              <a:t>,</a:t>
+            </a:r>
+            <a:r>
+              <a:rPr kumimoji="1" lang="ko-KR" altLang="en-US" sz="1700" b="1" dirty="0"/>
+              <a:t> 애플리케이션이 종료되면 메모리에 올라가 있던 모든 데이터가 사라진다</a:t>
+            </a:r>
+            <a:r>
+              <a:rPr kumimoji="1" lang="en-US" altLang="ko-KR" sz="1700" b="1" dirty="0"/>
+              <a:t>.</a:t>
+            </a:r>
+            <a:r>
+              <a:rPr kumimoji="1" lang="ko-KR" altLang="en-US" sz="1700" b="1" dirty="0"/>
+              <a:t>  </a:t>
+            </a:r>
+            <a:endParaRPr kumimoji="1" lang="en-US" altLang="ko-KR" sz="1700" b="1" dirty="0"/>
+          </a:p>
+          <a:p>
+            <a:pPr>
+              <a:lnSpc>
+                <a:spcPct val="90000"/>
+              </a:lnSpc>
+              <a:spcAft>
+                <a:spcPts val="600"/>
+              </a:spcAft>
+            </a:pPr>
+            <a:r>
+              <a:rPr kumimoji="1" lang="ko-KR" altLang="en-US" sz="1700" b="1" dirty="0"/>
+              <a:t>즉 휘발성이다</a:t>
+            </a:r>
+            <a:r>
+              <a:rPr kumimoji="1" lang="en-US" altLang="ko-KR" sz="1700" b="1" dirty="0"/>
+              <a:t>.</a:t>
+            </a:r>
+          </a:p>
+          <a:p>
+            <a:pPr>
+              <a:lnSpc>
+                <a:spcPct val="90000"/>
+              </a:lnSpc>
+              <a:spcAft>
+                <a:spcPts val="600"/>
+              </a:spcAft>
+            </a:pPr>
+            <a:endParaRPr kumimoji="1" lang="en-US" altLang="ko-KR" sz="1700" b="1" dirty="0"/>
+          </a:p>
+          <a:p>
+            <a:pPr>
+              <a:lnSpc>
+                <a:spcPct val="90000"/>
+              </a:lnSpc>
+              <a:spcAft>
+                <a:spcPts val="600"/>
+              </a:spcAft>
+            </a:pPr>
+            <a:endParaRPr kumimoji="1" lang="en-US" altLang="ko-KR" sz="1700" b="1" dirty="0"/>
+          </a:p>
+          <a:p>
+            <a:pPr indent="-228600">
+              <a:lnSpc>
+                <a:spcPct val="90000"/>
+              </a:lnSpc>
+              <a:spcAft>
+                <a:spcPts val="600"/>
+              </a:spcAft>
+              <a:buFont typeface="Arial" panose="020B0604020202020204" pitchFamily="34" charset="0"/>
+              <a:buChar char="•"/>
+            </a:pPr>
+            <a:endParaRPr kumimoji="1" lang="en-US" altLang="ko-KR" sz="1700" b="1" dirty="0"/>
+          </a:p>
+          <a:p>
+            <a:pPr>
+              <a:lnSpc>
+                <a:spcPct val="90000"/>
+              </a:lnSpc>
+              <a:spcAft>
+                <a:spcPts val="600"/>
+              </a:spcAft>
+            </a:pPr>
+            <a:r>
+              <a:rPr kumimoji="1" lang="ko-KR" altLang="en-US" sz="1700" b="1" dirty="0"/>
+              <a:t> </a:t>
+            </a:r>
+            <a:endParaRPr kumimoji="1" lang="en-US" altLang="ko-KR" sz="1700" dirty="0"/>
+          </a:p>
+          <a:p>
+            <a:pPr marL="342900" indent="-342900">
+              <a:lnSpc>
+                <a:spcPct val="90000"/>
+              </a:lnSpc>
+              <a:spcAft>
+                <a:spcPts val="600"/>
+              </a:spcAft>
+              <a:buFontTx/>
+              <a:buChar char="-"/>
+            </a:pPr>
+            <a:endParaRPr kumimoji="1" lang="en-US" altLang="en-US" sz="1700" dirty="0"/>
+          </a:p>
+          <a:p>
+            <a:pPr>
+              <a:lnSpc>
+                <a:spcPct val="90000"/>
+              </a:lnSpc>
+              <a:spcAft>
+                <a:spcPts val="600"/>
+              </a:spcAft>
+            </a:pPr>
+            <a:endParaRPr kumimoji="1" lang="en-US" altLang="en-US" sz="1700" dirty="0"/>
+          </a:p>
+        </p:txBody>
+      </p:sp>
     </p:spTree>
     <p:extLst>
       <p:ext uri="{BB962C8B-B14F-4D97-AF65-F5344CB8AC3E}">
@@ -4767,6 +5447,724 @@
           </a:p>
         </p:txBody>
       </p:sp>
+      <p:sp>
+        <p:nvSpPr>
+          <p:cNvPr id="2" name="TextBox 1">
+            <a:extLst>
+              <a:ext uri="{FF2B5EF4-FFF2-40B4-BE49-F238E27FC236}">
+                <a16:creationId xmlns:a16="http://schemas.microsoft.com/office/drawing/2014/main" id="{372EDA63-48BC-2441-78B9-40B4EAD52CB6}"/>
+              </a:ext>
+            </a:extLst>
+          </p:cNvPr>
+          <p:cNvSpPr txBox="1"/>
+          <p:nvPr/>
+        </p:nvSpPr>
+        <p:spPr>
+          <a:xfrm>
+            <a:off x="631042" y="0"/>
+            <a:ext cx="5981278" cy="1684638"/>
+          </a:xfrm>
+          <a:prstGeom prst="rect">
+            <a:avLst/>
+          </a:prstGeom>
+        </p:spPr>
+        <p:txBody>
+          <a:bodyPr vert="horz" lIns="91440" tIns="45720" rIns="91440" bIns="45720" rtlCol="0" anchor="ctr">
+            <a:normAutofit/>
+          </a:bodyPr>
+          <a:lstStyle/>
+          <a:p>
+            <a:pPr>
+              <a:lnSpc>
+                <a:spcPct val="90000"/>
+              </a:lnSpc>
+              <a:spcBef>
+                <a:spcPct val="0"/>
+              </a:spcBef>
+              <a:spcAft>
+                <a:spcPts val="600"/>
+              </a:spcAft>
+            </a:pPr>
+            <a:endParaRPr kumimoji="1" lang="en-US" altLang="en-US" sz="4000" b="1" dirty="0">
+              <a:latin typeface="+mj-lt"/>
+              <a:ea typeface="+mj-ea"/>
+              <a:cs typeface="+mj-cs"/>
+            </a:endParaRPr>
+          </a:p>
+        </p:txBody>
+      </p:sp>
+      <p:sp>
+        <p:nvSpPr>
+          <p:cNvPr id="4" name="TextBox 3">
+            <a:extLst>
+              <a:ext uri="{FF2B5EF4-FFF2-40B4-BE49-F238E27FC236}">
+                <a16:creationId xmlns:a16="http://schemas.microsoft.com/office/drawing/2014/main" id="{53CF4AC9-2B44-11D9-BCF7-17DB0DDC553A}"/>
+              </a:ext>
+            </a:extLst>
+          </p:cNvPr>
+          <p:cNvSpPr txBox="1"/>
+          <p:nvPr/>
+        </p:nvSpPr>
+        <p:spPr>
+          <a:xfrm>
+            <a:off x="416689" y="405114"/>
+            <a:ext cx="2164465" cy="477054"/>
+          </a:xfrm>
+          <a:prstGeom prst="rect">
+            <a:avLst/>
+          </a:prstGeom>
+          <a:noFill/>
+        </p:spPr>
+        <p:txBody>
+          <a:bodyPr wrap="square" rtlCol="0">
+            <a:spAutoFit/>
+          </a:bodyPr>
+          <a:lstStyle/>
+          <a:p>
+            <a:r>
+              <a:rPr kumimoji="1" lang="en-US" altLang="ko-Kore-KR" sz="2500" b="1" dirty="0" err="1"/>
+              <a:t>pom.xml</a:t>
+            </a:r>
+            <a:endParaRPr kumimoji="1" lang="ko-Kore-KR" altLang="en-US" sz="2500" b="1" dirty="0"/>
+          </a:p>
+        </p:txBody>
+      </p:sp>
+      <p:sp>
+        <p:nvSpPr>
+          <p:cNvPr id="6" name="TextBox 5">
+            <a:extLst>
+              <a:ext uri="{FF2B5EF4-FFF2-40B4-BE49-F238E27FC236}">
+                <a16:creationId xmlns:a16="http://schemas.microsoft.com/office/drawing/2014/main" id="{1300C4D5-39C6-E771-B297-7A9E43DE766E}"/>
+              </a:ext>
+            </a:extLst>
+          </p:cNvPr>
+          <p:cNvSpPr txBox="1"/>
+          <p:nvPr/>
+        </p:nvSpPr>
+        <p:spPr>
+          <a:xfrm>
+            <a:off x="416689" y="997429"/>
+            <a:ext cx="6099858" cy="1200329"/>
+          </a:xfrm>
+          <a:prstGeom prst="rect">
+            <a:avLst/>
+          </a:prstGeom>
+          <a:noFill/>
+        </p:spPr>
+        <p:txBody>
+          <a:bodyPr wrap="square">
+            <a:spAutoFit/>
+          </a:bodyPr>
+          <a:lstStyle/>
+          <a:p>
+            <a:r>
+              <a:rPr lang="en" altLang="ko-Kore-KR" dirty="0">
+                <a:effectLst/>
+                <a:latin typeface="Helvetica Neue" panose="02000503000000020004" pitchFamily="2" charset="0"/>
+              </a:rPr>
+              <a:t>&lt;dependency&gt;</a:t>
+            </a:r>
+          </a:p>
+          <a:p>
+            <a:r>
+              <a:rPr lang="en" altLang="ko-Kore-KR" dirty="0">
+                <a:effectLst/>
+                <a:latin typeface="Helvetica Neue" panose="02000503000000020004" pitchFamily="2" charset="0"/>
+              </a:rPr>
+              <a:t>    &lt;</a:t>
+            </a:r>
+            <a:r>
+              <a:rPr lang="en" altLang="ko-Kore-KR" dirty="0" err="1">
+                <a:effectLst/>
+                <a:latin typeface="Helvetica Neue" panose="02000503000000020004" pitchFamily="2" charset="0"/>
+              </a:rPr>
+              <a:t>groupId</a:t>
+            </a:r>
+            <a:r>
+              <a:rPr lang="en" altLang="ko-Kore-KR" dirty="0">
+                <a:effectLst/>
+                <a:latin typeface="Helvetica Neue" panose="02000503000000020004" pitchFamily="2" charset="0"/>
+              </a:rPr>
+              <a:t>&gt;</a:t>
+            </a:r>
+            <a:r>
+              <a:rPr lang="en" altLang="ko-Kore-KR" dirty="0" err="1">
+                <a:effectLst/>
+                <a:latin typeface="Helvetica Neue" panose="02000503000000020004" pitchFamily="2" charset="0"/>
+              </a:rPr>
+              <a:t>org.springframework.boot</a:t>
+            </a:r>
+            <a:r>
+              <a:rPr lang="en" altLang="ko-Kore-KR" dirty="0">
+                <a:effectLst/>
+                <a:latin typeface="Helvetica Neue" panose="02000503000000020004" pitchFamily="2" charset="0"/>
+              </a:rPr>
+              <a:t>&lt;/</a:t>
+            </a:r>
+            <a:r>
+              <a:rPr lang="en" altLang="ko-Kore-KR" dirty="0" err="1">
+                <a:effectLst/>
+                <a:latin typeface="Helvetica Neue" panose="02000503000000020004" pitchFamily="2" charset="0"/>
+              </a:rPr>
+              <a:t>groupId</a:t>
+            </a:r>
+            <a:r>
+              <a:rPr lang="en" altLang="ko-Kore-KR" dirty="0">
+                <a:effectLst/>
+                <a:latin typeface="Helvetica Neue" panose="02000503000000020004" pitchFamily="2" charset="0"/>
+              </a:rPr>
+              <a:t>&gt;</a:t>
+            </a:r>
+          </a:p>
+          <a:p>
+            <a:r>
+              <a:rPr lang="en" altLang="ko-Kore-KR" dirty="0">
+                <a:effectLst/>
+                <a:latin typeface="Helvetica Neue" panose="02000503000000020004" pitchFamily="2" charset="0"/>
+              </a:rPr>
+              <a:t>    &lt;</a:t>
+            </a:r>
+            <a:r>
+              <a:rPr lang="en" altLang="ko-Kore-KR" dirty="0" err="1">
+                <a:effectLst/>
+                <a:latin typeface="Helvetica Neue" panose="02000503000000020004" pitchFamily="2" charset="0"/>
+              </a:rPr>
+              <a:t>artifactId</a:t>
+            </a:r>
+            <a:r>
+              <a:rPr lang="en" altLang="ko-Kore-KR" dirty="0">
+                <a:effectLst/>
+                <a:latin typeface="Helvetica Neue" panose="02000503000000020004" pitchFamily="2" charset="0"/>
+              </a:rPr>
+              <a:t>&gt;spring-boot-starter-data-</a:t>
+            </a:r>
+            <a:r>
+              <a:rPr lang="en" altLang="ko-Kore-KR" dirty="0" err="1">
+                <a:effectLst/>
+                <a:latin typeface="Helvetica Neue" panose="02000503000000020004" pitchFamily="2" charset="0"/>
+              </a:rPr>
+              <a:t>jpa</a:t>
+            </a:r>
+            <a:r>
+              <a:rPr lang="en" altLang="ko-Kore-KR" dirty="0">
+                <a:effectLst/>
+                <a:latin typeface="Helvetica Neue" panose="02000503000000020004" pitchFamily="2" charset="0"/>
+              </a:rPr>
+              <a:t>&lt;/</a:t>
+            </a:r>
+            <a:r>
+              <a:rPr lang="en" altLang="ko-Kore-KR" dirty="0" err="1">
+                <a:effectLst/>
+                <a:latin typeface="Helvetica Neue" panose="02000503000000020004" pitchFamily="2" charset="0"/>
+              </a:rPr>
+              <a:t>artifactId</a:t>
+            </a:r>
+            <a:r>
+              <a:rPr lang="en" altLang="ko-Kore-KR" dirty="0">
+                <a:effectLst/>
+                <a:latin typeface="Helvetica Neue" panose="02000503000000020004" pitchFamily="2" charset="0"/>
+              </a:rPr>
+              <a:t>&gt;</a:t>
+            </a:r>
+          </a:p>
+          <a:p>
+            <a:r>
+              <a:rPr lang="en" altLang="ko-Kore-KR" dirty="0">
+                <a:effectLst/>
+                <a:latin typeface="Helvetica Neue" panose="02000503000000020004" pitchFamily="2" charset="0"/>
+              </a:rPr>
+              <a:t>&lt;/dependency&gt;</a:t>
+            </a:r>
+          </a:p>
+        </p:txBody>
+      </p:sp>
+      <p:sp>
+        <p:nvSpPr>
+          <p:cNvPr id="9" name="TextBox 8">
+            <a:extLst>
+              <a:ext uri="{FF2B5EF4-FFF2-40B4-BE49-F238E27FC236}">
+                <a16:creationId xmlns:a16="http://schemas.microsoft.com/office/drawing/2014/main" id="{B02625F0-3991-1247-6CB9-748F2A350013}"/>
+              </a:ext>
+            </a:extLst>
+          </p:cNvPr>
+          <p:cNvSpPr txBox="1"/>
+          <p:nvPr/>
+        </p:nvSpPr>
+        <p:spPr>
+          <a:xfrm>
+            <a:off x="420547" y="2551837"/>
+            <a:ext cx="6096000" cy="1754326"/>
+          </a:xfrm>
+          <a:prstGeom prst="rect">
+            <a:avLst/>
+          </a:prstGeom>
+          <a:noFill/>
+        </p:spPr>
+        <p:txBody>
+          <a:bodyPr wrap="square">
+            <a:spAutoFit/>
+          </a:bodyPr>
+          <a:lstStyle/>
+          <a:p>
+            <a:r>
+              <a:rPr lang="en" altLang="ko-Kore-KR" dirty="0">
+                <a:effectLst/>
+                <a:latin typeface="Helvetica Neue" panose="02000503000000020004" pitchFamily="2" charset="0"/>
+              </a:rPr>
+              <a:t>&lt;dependency&gt;</a:t>
+            </a:r>
+          </a:p>
+          <a:p>
+            <a:r>
+              <a:rPr lang="en" altLang="ko-Kore-KR" dirty="0">
+                <a:effectLst/>
+                <a:latin typeface="Helvetica Neue" panose="02000503000000020004" pitchFamily="2" charset="0"/>
+              </a:rPr>
+              <a:t>    &lt;</a:t>
+            </a:r>
+            <a:r>
+              <a:rPr lang="en" altLang="ko-Kore-KR" dirty="0" err="1">
+                <a:effectLst/>
+                <a:latin typeface="Helvetica Neue" panose="02000503000000020004" pitchFamily="2" charset="0"/>
+              </a:rPr>
+              <a:t>groupId</a:t>
+            </a:r>
+            <a:r>
+              <a:rPr lang="en" altLang="ko-Kore-KR" dirty="0">
+                <a:effectLst/>
+                <a:latin typeface="Helvetica Neue" panose="02000503000000020004" pitchFamily="2" charset="0"/>
+              </a:rPr>
+              <a:t>&gt;com.h2database&lt;/</a:t>
+            </a:r>
+            <a:r>
+              <a:rPr lang="en" altLang="ko-Kore-KR" dirty="0" err="1">
+                <a:effectLst/>
+                <a:latin typeface="Helvetica Neue" panose="02000503000000020004" pitchFamily="2" charset="0"/>
+              </a:rPr>
+              <a:t>groupId</a:t>
+            </a:r>
+            <a:r>
+              <a:rPr lang="en" altLang="ko-Kore-KR" dirty="0">
+                <a:effectLst/>
+                <a:latin typeface="Helvetica Neue" panose="02000503000000020004" pitchFamily="2" charset="0"/>
+              </a:rPr>
+              <a:t>&gt;</a:t>
+            </a:r>
+          </a:p>
+          <a:p>
+            <a:r>
+              <a:rPr lang="en" altLang="ko-Kore-KR" dirty="0">
+                <a:effectLst/>
+                <a:latin typeface="Helvetica Neue" panose="02000503000000020004" pitchFamily="2" charset="0"/>
+              </a:rPr>
+              <a:t>    &lt;</a:t>
+            </a:r>
+            <a:r>
+              <a:rPr lang="en" altLang="ko-Kore-KR" dirty="0" err="1">
+                <a:effectLst/>
+                <a:latin typeface="Helvetica Neue" panose="02000503000000020004" pitchFamily="2" charset="0"/>
+              </a:rPr>
+              <a:t>artifactId</a:t>
+            </a:r>
+            <a:r>
+              <a:rPr lang="en" altLang="ko-Kore-KR" dirty="0">
+                <a:effectLst/>
+                <a:latin typeface="Helvetica Neue" panose="02000503000000020004" pitchFamily="2" charset="0"/>
+              </a:rPr>
+              <a:t>&gt;h2&lt;/</a:t>
+            </a:r>
+            <a:r>
+              <a:rPr lang="en" altLang="ko-Kore-KR" dirty="0" err="1">
+                <a:effectLst/>
+                <a:latin typeface="Helvetica Neue" panose="02000503000000020004" pitchFamily="2" charset="0"/>
+              </a:rPr>
+              <a:t>artifactId</a:t>
+            </a:r>
+            <a:r>
+              <a:rPr lang="en" altLang="ko-Kore-KR" dirty="0">
+                <a:effectLst/>
+                <a:latin typeface="Helvetica Neue" panose="02000503000000020004" pitchFamily="2" charset="0"/>
+              </a:rPr>
+              <a:t>&gt;</a:t>
+            </a:r>
+          </a:p>
+          <a:p>
+            <a:r>
+              <a:rPr lang="en" altLang="ko-Kore-KR" dirty="0">
+                <a:effectLst/>
+                <a:latin typeface="Helvetica Neue" panose="02000503000000020004" pitchFamily="2" charset="0"/>
+              </a:rPr>
+              <a:t>    &lt;version&gt;2.2.224&lt;/version&gt;</a:t>
+            </a:r>
+          </a:p>
+          <a:p>
+            <a:r>
+              <a:rPr lang="en" altLang="ko-Kore-KR" dirty="0">
+                <a:effectLst/>
+                <a:latin typeface="Helvetica Neue" panose="02000503000000020004" pitchFamily="2" charset="0"/>
+              </a:rPr>
+              <a:t>    &lt;scope&gt;runtime&lt;/scope&gt;</a:t>
+            </a:r>
+          </a:p>
+          <a:p>
+            <a:r>
+              <a:rPr lang="en" altLang="ko-Kore-KR" dirty="0">
+                <a:effectLst/>
+                <a:latin typeface="Helvetica Neue" panose="02000503000000020004" pitchFamily="2" charset="0"/>
+              </a:rPr>
+              <a:t>&lt;/dependency&gt;</a:t>
+            </a:r>
+          </a:p>
+        </p:txBody>
+      </p:sp>
+      <p:sp>
+        <p:nvSpPr>
+          <p:cNvPr id="11" name="TextBox 10">
+            <a:extLst>
+              <a:ext uri="{FF2B5EF4-FFF2-40B4-BE49-F238E27FC236}">
+                <a16:creationId xmlns:a16="http://schemas.microsoft.com/office/drawing/2014/main" id="{0C1D5DDD-6B23-09B7-AB09-B8B6224ECA14}"/>
+              </a:ext>
+            </a:extLst>
+          </p:cNvPr>
+          <p:cNvSpPr txBox="1"/>
+          <p:nvPr/>
+        </p:nvSpPr>
+        <p:spPr>
+          <a:xfrm>
+            <a:off x="420547" y="2228208"/>
+            <a:ext cx="6096000" cy="369332"/>
+          </a:xfrm>
+          <a:prstGeom prst="rect">
+            <a:avLst/>
+          </a:prstGeom>
+          <a:noFill/>
+        </p:spPr>
+        <p:txBody>
+          <a:bodyPr wrap="square">
+            <a:spAutoFit/>
+          </a:bodyPr>
+          <a:lstStyle/>
+          <a:p>
+            <a:r>
+              <a:rPr lang="en-US" altLang="ko-KR" b="1" dirty="0">
+                <a:effectLst/>
+                <a:latin typeface="Helvetica Neue" panose="02000503000000020004" pitchFamily="2" charset="0"/>
+                <a:ea typeface="Apple SD Gothic Neo" panose="02000300000000000000" pitchFamily="2" charset="-127"/>
+              </a:rPr>
+              <a:t>-&gt; </a:t>
+            </a:r>
+            <a:r>
+              <a:rPr lang="ko-KR" altLang="en-US" b="1" dirty="0">
+                <a:effectLst/>
+                <a:latin typeface="Apple SD Gothic Neo" panose="02000300000000000000" pitchFamily="2" charset="-127"/>
+                <a:ea typeface="Apple SD Gothic Neo" panose="02000300000000000000" pitchFamily="2" charset="-127"/>
+              </a:rPr>
+              <a:t>손쉽게</a:t>
+            </a:r>
+            <a:r>
+              <a:rPr lang="ko-KR" altLang="en-US" b="1" dirty="0">
+                <a:effectLst/>
+                <a:latin typeface="Helvetica Neue" panose="02000503000000020004" pitchFamily="2" charset="0"/>
+                <a:ea typeface="Apple SD Gothic Neo" panose="02000300000000000000" pitchFamily="2" charset="-127"/>
+              </a:rPr>
+              <a:t> </a:t>
+            </a:r>
+            <a:r>
+              <a:rPr lang="ko-KR" altLang="en-US" b="1" dirty="0">
+                <a:effectLst/>
+                <a:latin typeface="Apple SD Gothic Neo" panose="02000300000000000000" pitchFamily="2" charset="-127"/>
+                <a:ea typeface="Apple SD Gothic Neo" panose="02000300000000000000" pitchFamily="2" charset="-127"/>
+              </a:rPr>
+              <a:t>데이터베이스와</a:t>
+            </a:r>
+            <a:r>
+              <a:rPr lang="ko-KR" altLang="en-US" b="1" dirty="0">
+                <a:effectLst/>
+                <a:latin typeface="Helvetica Neue" panose="02000503000000020004" pitchFamily="2" charset="0"/>
+                <a:ea typeface="Apple SD Gothic Neo" panose="02000300000000000000" pitchFamily="2" charset="-127"/>
+              </a:rPr>
+              <a:t> </a:t>
+            </a:r>
+            <a:r>
+              <a:rPr lang="ko-KR" altLang="en-US" b="1" dirty="0">
+                <a:effectLst/>
+                <a:latin typeface="Apple SD Gothic Neo" panose="02000300000000000000" pitchFamily="2" charset="-127"/>
+                <a:ea typeface="Apple SD Gothic Neo" panose="02000300000000000000" pitchFamily="2" charset="-127"/>
+              </a:rPr>
+              <a:t>연결</a:t>
+            </a:r>
+            <a:r>
+              <a:rPr lang="ko-KR" altLang="en-US" b="1" dirty="0">
+                <a:effectLst/>
+                <a:latin typeface="Helvetica Neue" panose="02000503000000020004" pitchFamily="2" charset="0"/>
+                <a:ea typeface="Apple SD Gothic Neo" panose="02000300000000000000" pitchFamily="2" charset="-127"/>
+              </a:rPr>
+              <a:t> </a:t>
+            </a:r>
+            <a:r>
+              <a:rPr lang="ko-KR" altLang="en-US" b="1" dirty="0">
+                <a:effectLst/>
+                <a:latin typeface="Apple SD Gothic Neo" panose="02000300000000000000" pitchFamily="2" charset="-127"/>
+                <a:ea typeface="Apple SD Gothic Neo" panose="02000300000000000000" pitchFamily="2" charset="-127"/>
+              </a:rPr>
+              <a:t>가능</a:t>
+            </a:r>
+            <a:r>
+              <a:rPr lang="ko-KR" altLang="en-US" b="1" dirty="0">
+                <a:effectLst/>
+                <a:latin typeface="Helvetica Neue" panose="02000503000000020004" pitchFamily="2" charset="0"/>
+                <a:ea typeface="Apple SD Gothic Neo" panose="02000300000000000000" pitchFamily="2" charset="-127"/>
+              </a:rPr>
+              <a:t> </a:t>
+            </a:r>
+            <a:endParaRPr lang="ko-KR" altLang="en-US" b="1" dirty="0">
+              <a:effectLst/>
+              <a:latin typeface="Apple SD Gothic Neo" panose="02000300000000000000" pitchFamily="2" charset="-127"/>
+              <a:ea typeface="Apple SD Gothic Neo" panose="02000300000000000000" pitchFamily="2" charset="-127"/>
+            </a:endParaRPr>
+          </a:p>
+        </p:txBody>
+      </p:sp>
+      <p:sp>
+        <p:nvSpPr>
+          <p:cNvPr id="13" name="TextBox 12">
+            <a:extLst>
+              <a:ext uri="{FF2B5EF4-FFF2-40B4-BE49-F238E27FC236}">
+                <a16:creationId xmlns:a16="http://schemas.microsoft.com/office/drawing/2014/main" id="{4917F636-2655-E858-AD21-1BDBB454D8F9}"/>
+              </a:ext>
+            </a:extLst>
+          </p:cNvPr>
+          <p:cNvSpPr txBox="1"/>
+          <p:nvPr/>
+        </p:nvSpPr>
+        <p:spPr>
+          <a:xfrm>
+            <a:off x="268941" y="4445126"/>
+            <a:ext cx="6096000" cy="369332"/>
+          </a:xfrm>
+          <a:prstGeom prst="rect">
+            <a:avLst/>
+          </a:prstGeom>
+          <a:noFill/>
+        </p:spPr>
+        <p:txBody>
+          <a:bodyPr wrap="square">
+            <a:spAutoFit/>
+          </a:bodyPr>
+          <a:lstStyle/>
+          <a:p>
+            <a:r>
+              <a:rPr lang="en" altLang="ko-Kore-KR" b="1" dirty="0">
+                <a:effectLst/>
+                <a:latin typeface="Helvetica Neue" panose="02000503000000020004" pitchFamily="2" charset="0"/>
+              </a:rPr>
+              <a:t>-&gt; H2 </a:t>
+            </a:r>
+            <a:r>
+              <a:rPr lang="ko-KR" altLang="en-US" b="1" dirty="0">
+                <a:effectLst/>
+                <a:latin typeface="Apple SD Gothic Neo" panose="02000300000000000000" pitchFamily="2" charset="-127"/>
+                <a:ea typeface="Apple SD Gothic Neo" panose="02000300000000000000" pitchFamily="2" charset="-127"/>
+              </a:rPr>
+              <a:t>의존성</a:t>
+            </a:r>
+            <a:r>
+              <a:rPr lang="ko-KR" altLang="en-US" b="1" dirty="0">
+                <a:effectLst/>
+                <a:latin typeface="Helvetica Neue" panose="02000503000000020004" pitchFamily="2" charset="0"/>
+              </a:rPr>
+              <a:t> </a:t>
+            </a:r>
+            <a:r>
+              <a:rPr lang="ko-KR" altLang="en-US" b="1" dirty="0">
+                <a:effectLst/>
+                <a:latin typeface="Apple SD Gothic Neo" panose="02000300000000000000" pitchFamily="2" charset="-127"/>
+                <a:ea typeface="Apple SD Gothic Neo" panose="02000300000000000000" pitchFamily="2" charset="-127"/>
+              </a:rPr>
+              <a:t>추가</a:t>
+            </a:r>
+            <a:endParaRPr lang="ko-KR" altLang="en-US" b="1" dirty="0">
+              <a:effectLst/>
+              <a:latin typeface="Helvetica Neue" panose="02000503000000020004" pitchFamily="2" charset="0"/>
+            </a:endParaRPr>
+          </a:p>
+        </p:txBody>
+      </p:sp>
+      <p:sp>
+        <p:nvSpPr>
+          <p:cNvPr id="15" name="TextBox 14">
+            <a:extLst>
+              <a:ext uri="{FF2B5EF4-FFF2-40B4-BE49-F238E27FC236}">
+                <a16:creationId xmlns:a16="http://schemas.microsoft.com/office/drawing/2014/main" id="{A76B35D7-F154-61EC-8DD9-402FAC8BA172}"/>
+              </a:ext>
+            </a:extLst>
+          </p:cNvPr>
+          <p:cNvSpPr txBox="1"/>
+          <p:nvPr/>
+        </p:nvSpPr>
+        <p:spPr>
+          <a:xfrm>
+            <a:off x="5576047" y="2805520"/>
+            <a:ext cx="6397167" cy="646331"/>
+          </a:xfrm>
+          <a:prstGeom prst="rect">
+            <a:avLst/>
+          </a:prstGeom>
+          <a:noFill/>
+        </p:spPr>
+        <p:txBody>
+          <a:bodyPr wrap="square">
+            <a:spAutoFit/>
+          </a:bodyPr>
+          <a:lstStyle/>
+          <a:p>
+            <a:r>
+              <a:rPr lang="ko-KR" altLang="en-US" b="1" dirty="0">
+                <a:effectLst/>
+                <a:latin typeface="Helvetica Neue" panose="02000503000000020004" pitchFamily="2" charset="0"/>
+              </a:rPr>
+              <a:t>데이터베이스는 </a:t>
+            </a:r>
+            <a:r>
+              <a:rPr lang="en" altLang="ko-Kore-KR" b="1" dirty="0">
+                <a:effectLst/>
+                <a:latin typeface="Helvetica Neue" panose="02000503000000020004" pitchFamily="2" charset="0"/>
+              </a:rPr>
+              <a:t>jdbc:h2:mem: </a:t>
+            </a:r>
+            <a:r>
+              <a:rPr lang="ko-KR" altLang="en-US" b="1" dirty="0">
+                <a:effectLst/>
+                <a:latin typeface="Helvetica Neue" panose="02000503000000020004" pitchFamily="2" charset="0"/>
+              </a:rPr>
+              <a:t>그리고 특정한 </a:t>
+            </a:r>
+            <a:r>
+              <a:rPr lang="en" altLang="ko-Kore-KR" b="1" dirty="0">
+                <a:effectLst/>
+                <a:latin typeface="Helvetica Neue" panose="02000503000000020004" pitchFamily="2" charset="0"/>
+              </a:rPr>
+              <a:t>URL </a:t>
+            </a:r>
+            <a:r>
+              <a:rPr lang="ko-KR" altLang="en-US" b="1" dirty="0">
+                <a:effectLst/>
+                <a:latin typeface="Helvetica Neue" panose="02000503000000020004" pitchFamily="2" charset="0"/>
+              </a:rPr>
+              <a:t>에 연결 </a:t>
+            </a:r>
+          </a:p>
+          <a:p>
+            <a:r>
+              <a:rPr lang="en-US" altLang="ko-KR" b="1" dirty="0">
+                <a:effectLst/>
+                <a:latin typeface="Helvetica Neue" panose="02000503000000020004" pitchFamily="2" charset="0"/>
+                <a:ea typeface="Apple SD Gothic Neo" panose="02000300000000000000" pitchFamily="2" charset="-127"/>
+              </a:rPr>
+              <a:t>-&gt; </a:t>
+            </a:r>
+            <a:r>
+              <a:rPr lang="ko-KR" altLang="en-US" b="1" dirty="0">
+                <a:solidFill>
+                  <a:srgbClr val="FF0000"/>
+                </a:solidFill>
+                <a:effectLst/>
+                <a:latin typeface="Apple SD Gothic Neo" panose="02000300000000000000" pitchFamily="2" charset="-127"/>
+                <a:ea typeface="Apple SD Gothic Neo" panose="02000300000000000000" pitchFamily="2" charset="-127"/>
+              </a:rPr>
+              <a:t>이것은</a:t>
+            </a:r>
+            <a:r>
+              <a:rPr lang="ko-KR" altLang="en-US" b="1" dirty="0">
+                <a:solidFill>
+                  <a:srgbClr val="FF0000"/>
+                </a:solidFill>
+                <a:effectLst/>
+                <a:latin typeface="Helvetica Neue" panose="02000503000000020004" pitchFamily="2" charset="0"/>
+                <a:ea typeface="Apple SD Gothic Neo" panose="02000300000000000000" pitchFamily="2" charset="-127"/>
+              </a:rPr>
+              <a:t> </a:t>
+            </a:r>
+            <a:r>
+              <a:rPr lang="ko-KR" altLang="en-US" b="1" dirty="0">
+                <a:solidFill>
+                  <a:srgbClr val="FF0000"/>
+                </a:solidFill>
+                <a:effectLst/>
+                <a:latin typeface="Apple SD Gothic Neo" panose="02000300000000000000" pitchFamily="2" charset="-127"/>
+                <a:ea typeface="Apple SD Gothic Neo" panose="02000300000000000000" pitchFamily="2" charset="-127"/>
+              </a:rPr>
+              <a:t>서버를</a:t>
+            </a:r>
+            <a:r>
+              <a:rPr lang="ko-KR" altLang="en-US" b="1" dirty="0">
+                <a:solidFill>
+                  <a:srgbClr val="FF0000"/>
+                </a:solidFill>
+                <a:effectLst/>
+                <a:latin typeface="Helvetica Neue" panose="02000503000000020004" pitchFamily="2" charset="0"/>
+                <a:ea typeface="Apple SD Gothic Neo" panose="02000300000000000000" pitchFamily="2" charset="-127"/>
+              </a:rPr>
+              <a:t> </a:t>
+            </a:r>
+            <a:r>
+              <a:rPr lang="ko-KR" altLang="en-US" b="1" dirty="0">
+                <a:solidFill>
+                  <a:srgbClr val="FF0000"/>
+                </a:solidFill>
+                <a:effectLst/>
+                <a:latin typeface="Apple SD Gothic Neo" panose="02000300000000000000" pitchFamily="2" charset="-127"/>
+                <a:ea typeface="Apple SD Gothic Neo" panose="02000300000000000000" pitchFamily="2" charset="-127"/>
+              </a:rPr>
+              <a:t>재시동할</a:t>
+            </a:r>
+            <a:r>
+              <a:rPr lang="en-US" altLang="ko-KR" b="1" dirty="0">
+                <a:solidFill>
+                  <a:srgbClr val="FF0000"/>
+                </a:solidFill>
+                <a:effectLst/>
+                <a:latin typeface="Apple SD Gothic Neo" panose="02000300000000000000" pitchFamily="2" charset="-127"/>
+                <a:ea typeface="Apple SD Gothic Neo" panose="02000300000000000000" pitchFamily="2" charset="-127"/>
+              </a:rPr>
+              <a:t> </a:t>
+            </a:r>
+            <a:r>
+              <a:rPr lang="ko-KR" altLang="en-US" b="1" dirty="0">
+                <a:solidFill>
+                  <a:srgbClr val="FF0000"/>
+                </a:solidFill>
+                <a:effectLst/>
+                <a:latin typeface="Apple SD Gothic Neo" panose="02000300000000000000" pitchFamily="2" charset="-127"/>
+                <a:ea typeface="Apple SD Gothic Neo" panose="02000300000000000000" pitchFamily="2" charset="-127"/>
+              </a:rPr>
+              <a:t>때마다</a:t>
+            </a:r>
+            <a:r>
+              <a:rPr lang="ko-KR" altLang="en-US" b="1" dirty="0">
+                <a:solidFill>
+                  <a:srgbClr val="FF0000"/>
+                </a:solidFill>
+                <a:effectLst/>
+                <a:latin typeface="Helvetica Neue" panose="02000503000000020004" pitchFamily="2" charset="0"/>
+                <a:ea typeface="Apple SD Gothic Neo" panose="02000300000000000000" pitchFamily="2" charset="-127"/>
+              </a:rPr>
+              <a:t> </a:t>
+            </a:r>
+            <a:r>
+              <a:rPr lang="ko-KR" altLang="en-US" b="1" dirty="0">
+                <a:solidFill>
+                  <a:srgbClr val="FF0000"/>
+                </a:solidFill>
+                <a:effectLst/>
+                <a:latin typeface="Apple SD Gothic Neo" panose="02000300000000000000" pitchFamily="2" charset="-127"/>
+                <a:ea typeface="Apple SD Gothic Neo" panose="02000300000000000000" pitchFamily="2" charset="-127"/>
+              </a:rPr>
+              <a:t>바뀐다</a:t>
+            </a:r>
+          </a:p>
+        </p:txBody>
+      </p:sp>
     </p:spTree>
     <p:extLst>
       <p:ext uri="{BB962C8B-B14F-4D97-AF65-F5344CB8AC3E}">
@@ -4849,6 +6247,638 @@
           </a:p>
         </p:txBody>
       </p:sp>
+      <p:sp>
+        <p:nvSpPr>
+          <p:cNvPr id="4" name="TextBox 3">
+            <a:extLst>
+              <a:ext uri="{FF2B5EF4-FFF2-40B4-BE49-F238E27FC236}">
+                <a16:creationId xmlns:a16="http://schemas.microsoft.com/office/drawing/2014/main" id="{C30E1F11-30F0-5B52-8409-28C86B02AEFB}"/>
+              </a:ext>
+            </a:extLst>
+          </p:cNvPr>
+          <p:cNvSpPr txBox="1"/>
+          <p:nvPr/>
+        </p:nvSpPr>
+        <p:spPr>
+          <a:xfrm>
+            <a:off x="430306" y="661818"/>
+            <a:ext cx="6096000" cy="477054"/>
+          </a:xfrm>
+          <a:prstGeom prst="rect">
+            <a:avLst/>
+          </a:prstGeom>
+          <a:noFill/>
+        </p:spPr>
+        <p:txBody>
+          <a:bodyPr wrap="square">
+            <a:spAutoFit/>
+          </a:bodyPr>
+          <a:lstStyle/>
+          <a:p>
+            <a:r>
+              <a:rPr lang="en" altLang="ko-Kore-KR" sz="2500" b="1" dirty="0" err="1">
+                <a:effectLst/>
+                <a:latin typeface="Helvetica Neue" panose="02000503000000020004" pitchFamily="2" charset="0"/>
+              </a:rPr>
+              <a:t>application.properties</a:t>
+            </a:r>
+            <a:r>
+              <a:rPr lang="en" altLang="ko-Kore-KR" sz="2500" b="1" dirty="0">
+                <a:effectLst/>
+                <a:latin typeface="Helvetica Neue" panose="02000503000000020004" pitchFamily="2" charset="0"/>
+              </a:rPr>
+              <a:t> </a:t>
+            </a:r>
+          </a:p>
+        </p:txBody>
+      </p:sp>
+      <p:sp>
+        <p:nvSpPr>
+          <p:cNvPr id="6" name="TextBox 5">
+            <a:extLst>
+              <a:ext uri="{FF2B5EF4-FFF2-40B4-BE49-F238E27FC236}">
+                <a16:creationId xmlns:a16="http://schemas.microsoft.com/office/drawing/2014/main" id="{1A2540A1-F7E6-4015-E5F7-14E107C35C12}"/>
+              </a:ext>
+            </a:extLst>
+          </p:cNvPr>
+          <p:cNvSpPr txBox="1"/>
+          <p:nvPr/>
+        </p:nvSpPr>
+        <p:spPr>
+          <a:xfrm>
+            <a:off x="430306" y="1452919"/>
+            <a:ext cx="6096000" cy="369332"/>
+          </a:xfrm>
+          <a:prstGeom prst="rect">
+            <a:avLst/>
+          </a:prstGeom>
+          <a:noFill/>
+        </p:spPr>
+        <p:txBody>
+          <a:bodyPr wrap="square">
+            <a:spAutoFit/>
+          </a:bodyPr>
+          <a:lstStyle/>
+          <a:p>
+            <a:r>
+              <a:rPr lang="en" altLang="ko-Kore-KR" dirty="0" err="1">
+                <a:effectLst/>
+                <a:latin typeface="Helvetica Neue" panose="02000503000000020004" pitchFamily="2" charset="0"/>
+              </a:rPr>
+              <a:t>spring.datasource.url</a:t>
+            </a:r>
+            <a:r>
+              <a:rPr lang="en" altLang="ko-Kore-KR" dirty="0">
+                <a:effectLst/>
+                <a:latin typeface="Helvetica Neue" panose="02000503000000020004" pitchFamily="2" charset="0"/>
+              </a:rPr>
+              <a:t>=jdbc:h2:mem:testdb</a:t>
+            </a:r>
+          </a:p>
+        </p:txBody>
+      </p:sp>
+      <p:pic>
+        <p:nvPicPr>
+          <p:cNvPr id="8" name="그림 7" descr="텍스트, 스크린샷, 번호, 폰트이(가) 표시된 사진&#10;&#10;자동 생성된 설명">
+            <a:extLst>
+              <a:ext uri="{FF2B5EF4-FFF2-40B4-BE49-F238E27FC236}">
+                <a16:creationId xmlns:a16="http://schemas.microsoft.com/office/drawing/2014/main" id="{9F355A5D-9BA7-8301-02BB-DCB85771CDF4}"/>
+              </a:ext>
+            </a:extLst>
+          </p:cNvPr>
+          <p:cNvPicPr>
+            <a:picLocks noChangeAspect="1"/>
+          </p:cNvPicPr>
+          <p:nvPr/>
+        </p:nvPicPr>
+        <p:blipFill>
+          <a:blip r:embed="rId3"/>
+          <a:stretch>
+            <a:fillRect/>
+          </a:stretch>
+        </p:blipFill>
+        <p:spPr>
+          <a:xfrm>
+            <a:off x="430306" y="2217106"/>
+            <a:ext cx="4386356" cy="3979076"/>
+          </a:xfrm>
+          <a:prstGeom prst="rect">
+            <a:avLst/>
+          </a:prstGeom>
+        </p:spPr>
+      </p:pic>
+      <p:sp>
+        <p:nvSpPr>
+          <p:cNvPr id="10" name="TextBox 9">
+            <a:extLst>
+              <a:ext uri="{FF2B5EF4-FFF2-40B4-BE49-F238E27FC236}">
+                <a16:creationId xmlns:a16="http://schemas.microsoft.com/office/drawing/2014/main" id="{1308C95B-91E6-FB75-983E-83ACBAB8B42B}"/>
+              </a:ext>
+            </a:extLst>
+          </p:cNvPr>
+          <p:cNvSpPr txBox="1"/>
+          <p:nvPr/>
+        </p:nvSpPr>
+        <p:spPr>
+          <a:xfrm>
+            <a:off x="5665694" y="698866"/>
+            <a:ext cx="6096000" cy="754053"/>
+          </a:xfrm>
+          <a:prstGeom prst="rect">
+            <a:avLst/>
+          </a:prstGeom>
+          <a:noFill/>
+        </p:spPr>
+        <p:txBody>
+          <a:bodyPr wrap="square">
+            <a:spAutoFit/>
+          </a:bodyPr>
+          <a:lstStyle/>
+          <a:p>
+            <a:r>
+              <a:rPr lang="en-US" altLang="ko-KR" sz="2500" b="1" dirty="0">
+                <a:solidFill>
+                  <a:srgbClr val="FF0000"/>
+                </a:solidFill>
+                <a:effectLst/>
+                <a:latin typeface="Helvetica Neue" panose="02000503000000020004" pitchFamily="2" charset="0"/>
+              </a:rPr>
+              <a:t>-&gt; </a:t>
+            </a:r>
+            <a:r>
+              <a:rPr lang="en-US" altLang="ko-KR" sz="2500" b="1" dirty="0">
+                <a:solidFill>
+                  <a:srgbClr val="FF0000"/>
+                </a:solidFill>
+                <a:latin typeface="Helvetica Neue" panose="02000503000000020004" pitchFamily="2" charset="0"/>
+              </a:rPr>
+              <a:t>H2 </a:t>
+            </a:r>
+            <a:r>
+              <a:rPr lang="ko-KR" altLang="en-US" sz="2500" b="1" dirty="0">
+                <a:solidFill>
+                  <a:srgbClr val="FF0000"/>
+                </a:solidFill>
+                <a:latin typeface="Helvetica Neue" panose="02000503000000020004" pitchFamily="2" charset="0"/>
+              </a:rPr>
+              <a:t>콘솔 접속 </a:t>
+            </a:r>
+            <a:r>
+              <a:rPr lang="ko-KR" altLang="en-US" sz="2500" b="1" dirty="0">
+                <a:solidFill>
+                  <a:srgbClr val="FF0000"/>
+                </a:solidFill>
+                <a:effectLst/>
+                <a:latin typeface="Helvetica Neue" panose="02000503000000020004" pitchFamily="2" charset="0"/>
+              </a:rPr>
+              <a:t>오류 발생 </a:t>
+            </a:r>
+          </a:p>
+          <a:p>
+            <a:r>
+              <a:rPr lang="en-US" altLang="ko-KR" b="1" dirty="0">
+                <a:latin typeface="Helvetica Neue" panose="02000503000000020004" pitchFamily="2" charset="0"/>
+              </a:rPr>
+              <a:t>Why? : </a:t>
+            </a:r>
+            <a:r>
+              <a:rPr lang="en-US" altLang="ko-KR" b="1" dirty="0">
+                <a:effectLst/>
+                <a:latin typeface="Helvetica Neue" panose="02000503000000020004" pitchFamily="2" charset="0"/>
+              </a:rPr>
+              <a:t> </a:t>
+            </a:r>
+            <a:r>
+              <a:rPr lang="en" altLang="ko-Kore-KR" b="1" dirty="0">
+                <a:solidFill>
+                  <a:srgbClr val="FF0000"/>
+                </a:solidFill>
+                <a:effectLst/>
+                <a:latin typeface="Helvetica Neue" panose="02000503000000020004" pitchFamily="2" charset="0"/>
+              </a:rPr>
+              <a:t>spring security</a:t>
+            </a:r>
+            <a:r>
+              <a:rPr lang="en" altLang="ko-Kore-KR" b="1" dirty="0">
+                <a:effectLst/>
+                <a:latin typeface="Helvetica Neue" panose="02000503000000020004" pitchFamily="2" charset="0"/>
+              </a:rPr>
+              <a:t> </a:t>
+            </a:r>
+            <a:r>
+              <a:rPr lang="ko-KR" altLang="en-US" b="1" dirty="0">
+                <a:effectLst/>
+                <a:latin typeface="Apple SD Gothic Neo" panose="02000300000000000000" pitchFamily="2" charset="-127"/>
+                <a:ea typeface="Apple SD Gothic Neo" panose="02000300000000000000" pitchFamily="2" charset="-127"/>
+              </a:rPr>
+              <a:t>에</a:t>
+            </a:r>
+            <a:r>
+              <a:rPr lang="ko-KR" altLang="en-US" b="1" dirty="0">
+                <a:effectLst/>
+                <a:latin typeface="Helvetica Neue" panose="02000503000000020004" pitchFamily="2" charset="0"/>
+              </a:rPr>
+              <a:t> </a:t>
+            </a:r>
+            <a:r>
+              <a:rPr lang="ko-KR" altLang="en-US" b="1" dirty="0">
+                <a:effectLst/>
+                <a:latin typeface="Apple SD Gothic Neo" panose="02000300000000000000" pitchFamily="2" charset="-127"/>
+                <a:ea typeface="Apple SD Gothic Neo" panose="02000300000000000000" pitchFamily="2" charset="-127"/>
+              </a:rPr>
+              <a:t>의한</a:t>
+            </a:r>
+            <a:r>
+              <a:rPr lang="ko-KR" altLang="en-US" b="1" dirty="0">
+                <a:effectLst/>
+                <a:latin typeface="Helvetica Neue" panose="02000503000000020004" pitchFamily="2" charset="0"/>
+              </a:rPr>
+              <a:t> </a:t>
+            </a:r>
+            <a:r>
+              <a:rPr lang="ko-KR" altLang="en-US" b="1" dirty="0">
+                <a:effectLst/>
+                <a:latin typeface="Apple SD Gothic Neo" panose="02000300000000000000" pitchFamily="2" charset="-127"/>
+                <a:ea typeface="Apple SD Gothic Neo" panose="02000300000000000000" pitchFamily="2" charset="-127"/>
+              </a:rPr>
+              <a:t>금지</a:t>
+            </a:r>
+            <a:r>
+              <a:rPr lang="ko-KR" altLang="en-US" b="1" dirty="0">
+                <a:effectLst/>
+                <a:latin typeface="Helvetica Neue" panose="02000503000000020004" pitchFamily="2" charset="0"/>
+              </a:rPr>
+              <a:t> </a:t>
+            </a:r>
+            <a:r>
+              <a:rPr lang="ko-KR" altLang="en-US" b="1" dirty="0">
+                <a:effectLst/>
+                <a:latin typeface="Apple SD Gothic Neo" panose="02000300000000000000" pitchFamily="2" charset="-127"/>
+                <a:ea typeface="Apple SD Gothic Neo" panose="02000300000000000000" pitchFamily="2" charset="-127"/>
+              </a:rPr>
+              <a:t>때문</a:t>
+            </a:r>
+            <a:r>
+              <a:rPr lang="ko-KR" altLang="en-US" b="1" dirty="0">
+                <a:effectLst/>
+                <a:latin typeface="Helvetica Neue" panose="02000503000000020004" pitchFamily="2" charset="0"/>
+              </a:rPr>
+              <a:t> </a:t>
+            </a:r>
+          </a:p>
+        </p:txBody>
+      </p:sp>
+      <p:sp>
+        <p:nvSpPr>
+          <p:cNvPr id="12" name="TextBox 11">
+            <a:extLst>
+              <a:ext uri="{FF2B5EF4-FFF2-40B4-BE49-F238E27FC236}">
+                <a16:creationId xmlns:a16="http://schemas.microsoft.com/office/drawing/2014/main" id="{3F68E5B5-943F-27EE-178A-012B4A73F932}"/>
+              </a:ext>
+            </a:extLst>
+          </p:cNvPr>
+          <p:cNvSpPr txBox="1"/>
+          <p:nvPr/>
+        </p:nvSpPr>
+        <p:spPr>
+          <a:xfrm>
+            <a:off x="5662820" y="3467980"/>
+            <a:ext cx="6098874" cy="2308324"/>
+          </a:xfrm>
+          <a:prstGeom prst="rect">
+            <a:avLst/>
+          </a:prstGeom>
+          <a:noFill/>
+        </p:spPr>
+        <p:txBody>
+          <a:bodyPr wrap="square">
+            <a:spAutoFit/>
+          </a:bodyPr>
+          <a:lstStyle/>
+          <a:p>
+            <a:r>
+              <a:rPr lang="ko-KR" altLang="en-US" b="1" dirty="0">
+                <a:effectLst/>
+                <a:latin typeface="Helvetica Neue" panose="02000503000000020004" pitchFamily="2" charset="0"/>
+              </a:rPr>
+              <a:t>아무것도 설정하지 않으면 두가지가 설정된다</a:t>
+            </a:r>
+            <a:r>
+              <a:rPr lang="en-US" altLang="ko-KR" b="1" dirty="0">
+                <a:effectLst/>
+                <a:latin typeface="Helvetica Neue" panose="02000503000000020004" pitchFamily="2" charset="0"/>
+              </a:rPr>
+              <a:t>.</a:t>
+            </a:r>
+            <a:r>
+              <a:rPr lang="ko-KR" altLang="en-US" b="1" dirty="0">
+                <a:effectLst/>
+                <a:latin typeface="Helvetica Neue" panose="02000503000000020004" pitchFamily="2" charset="0"/>
+              </a:rPr>
+              <a:t> </a:t>
+            </a:r>
+            <a:r>
+              <a:rPr lang="en-US" altLang="ko-KR" b="1" dirty="0">
+                <a:effectLst/>
+                <a:latin typeface="Helvetica Neue" panose="02000503000000020004" pitchFamily="2" charset="0"/>
+              </a:rPr>
+              <a:t>(</a:t>
+            </a:r>
+            <a:r>
+              <a:rPr lang="ko-KR" altLang="en-US" b="1" dirty="0">
+                <a:effectLst/>
+                <a:latin typeface="Helvetica Neue" panose="02000503000000020004" pitchFamily="2" charset="0"/>
+              </a:rPr>
+              <a:t>기본기능</a:t>
+            </a:r>
+            <a:r>
+              <a:rPr lang="en-US" altLang="ko-KR" b="1" dirty="0">
+                <a:effectLst/>
+                <a:latin typeface="Helvetica Neue" panose="02000503000000020004" pitchFamily="2" charset="0"/>
+              </a:rPr>
+              <a:t>)</a:t>
+            </a:r>
+          </a:p>
+          <a:p>
+            <a:endParaRPr lang="en-US" altLang="ko-KR" b="1" dirty="0">
+              <a:effectLst/>
+              <a:latin typeface="Helvetica Neue" panose="02000503000000020004" pitchFamily="2" charset="0"/>
+            </a:endParaRPr>
+          </a:p>
+          <a:p>
+            <a:pPr>
+              <a:buFont typeface="+mj-lt"/>
+              <a:buAutoNum type="arabicPeriod"/>
+            </a:pPr>
+            <a:r>
+              <a:rPr lang="ko-KR" altLang="en-US" b="1" dirty="0">
+                <a:effectLst/>
+                <a:latin typeface="Helvetica Neue" panose="02000503000000020004" pitchFamily="2" charset="0"/>
+              </a:rPr>
+              <a:t>모든 </a:t>
+            </a:r>
+            <a:r>
+              <a:rPr lang="en" altLang="ko-Kore-KR" b="1" dirty="0">
+                <a:effectLst/>
+                <a:latin typeface="Helvetica Neue" panose="02000503000000020004" pitchFamily="2" charset="0"/>
+              </a:rPr>
+              <a:t>URL </a:t>
+            </a:r>
+            <a:r>
+              <a:rPr lang="ko-KR" altLang="en-US" b="1" dirty="0">
+                <a:effectLst/>
+                <a:latin typeface="Helvetica Neue" panose="02000503000000020004" pitchFamily="2" charset="0"/>
+              </a:rPr>
+              <a:t>보호</a:t>
+            </a:r>
+            <a:endParaRPr lang="en-US" altLang="ko-KR" b="1" dirty="0">
+              <a:effectLst/>
+              <a:latin typeface="Helvetica Neue" panose="02000503000000020004" pitchFamily="2" charset="0"/>
+            </a:endParaRPr>
+          </a:p>
+          <a:p>
+            <a:pPr>
+              <a:buFont typeface="+mj-lt"/>
+              <a:buAutoNum type="arabicPeriod"/>
+            </a:pPr>
+            <a:endParaRPr lang="ko-KR" altLang="en-US" b="1" dirty="0">
+              <a:effectLst/>
+              <a:latin typeface="Helvetica Neue" panose="02000503000000020004" pitchFamily="2" charset="0"/>
+            </a:endParaRPr>
+          </a:p>
+          <a:p>
+            <a:pPr>
+              <a:buFont typeface="+mj-lt"/>
+              <a:buAutoNum type="arabicPeriod"/>
+            </a:pPr>
+            <a:r>
+              <a:rPr lang="ko-KR" altLang="en-US" b="1" dirty="0">
+                <a:effectLst/>
+                <a:latin typeface="Helvetica Neue" panose="02000503000000020004" pitchFamily="2" charset="0"/>
+              </a:rPr>
+              <a:t>승인되지 않은 요청에 대해서는 로그인 양식이 표시</a:t>
+            </a:r>
+            <a:endParaRPr lang="en-US" altLang="ko-KR" b="1" dirty="0">
+              <a:effectLst/>
+              <a:latin typeface="Helvetica Neue" panose="02000503000000020004" pitchFamily="2" charset="0"/>
+            </a:endParaRPr>
+          </a:p>
+          <a:p>
+            <a:r>
+              <a:rPr lang="ko-KR" altLang="en-US" b="1" dirty="0">
+                <a:effectLst/>
+                <a:latin typeface="Helvetica Neue" panose="02000503000000020004" pitchFamily="2" charset="0"/>
+              </a:rPr>
+              <a:t> </a:t>
+            </a:r>
+          </a:p>
+          <a:p>
+            <a:r>
+              <a:rPr lang="en" altLang="ko-Kore-KR" b="1" dirty="0">
+                <a:effectLst/>
+                <a:latin typeface="Helvetica Neue" panose="02000503000000020004" pitchFamily="2" charset="0"/>
+                <a:ea typeface="Apple SD Gothic Neo" panose="02000300000000000000" pitchFamily="2" charset="-127"/>
+              </a:rPr>
+              <a:t>h2</a:t>
+            </a:r>
+            <a:r>
+              <a:rPr lang="ko-KR" altLang="en-US" b="1" dirty="0">
+                <a:effectLst/>
+                <a:latin typeface="Apple SD Gothic Neo" panose="02000300000000000000" pitchFamily="2" charset="-127"/>
+                <a:ea typeface="Apple SD Gothic Neo" panose="02000300000000000000" pitchFamily="2" charset="-127"/>
+              </a:rPr>
+              <a:t>에</a:t>
+            </a:r>
+            <a:r>
+              <a:rPr lang="ko-KR" altLang="en-US" b="1" dirty="0">
+                <a:effectLst/>
+                <a:latin typeface="Helvetica Neue" panose="02000503000000020004" pitchFamily="2" charset="0"/>
+                <a:ea typeface="Apple SD Gothic Neo" panose="02000300000000000000" pitchFamily="2" charset="-127"/>
+              </a:rPr>
+              <a:t> </a:t>
+            </a:r>
+            <a:r>
+              <a:rPr lang="ko-KR" altLang="en-US" b="1" dirty="0">
+                <a:effectLst/>
+                <a:latin typeface="Apple SD Gothic Neo" panose="02000300000000000000" pitchFamily="2" charset="-127"/>
+                <a:ea typeface="Apple SD Gothic Neo" panose="02000300000000000000" pitchFamily="2" charset="-127"/>
+              </a:rPr>
+              <a:t>접근하려면</a:t>
+            </a:r>
+            <a:r>
+              <a:rPr lang="ko-KR" altLang="en-US" b="1" dirty="0">
+                <a:effectLst/>
+                <a:latin typeface="Helvetica Neue" panose="02000503000000020004" pitchFamily="2" charset="0"/>
+                <a:ea typeface="Apple SD Gothic Neo" panose="02000300000000000000" pitchFamily="2" charset="-127"/>
+              </a:rPr>
+              <a:t> </a:t>
+            </a:r>
+            <a:r>
+              <a:rPr lang="ko-KR" altLang="en-US" b="1" dirty="0">
+                <a:effectLst/>
+                <a:latin typeface="Apple SD Gothic Neo" panose="02000300000000000000" pitchFamily="2" charset="-127"/>
+                <a:ea typeface="Apple SD Gothic Neo" panose="02000300000000000000" pitchFamily="2" charset="-127"/>
+              </a:rPr>
+              <a:t>사이트</a:t>
+            </a:r>
+            <a:r>
+              <a:rPr lang="ko-KR" altLang="en-US" b="1" dirty="0">
+                <a:effectLst/>
+                <a:latin typeface="Helvetica Neue" panose="02000503000000020004" pitchFamily="2" charset="0"/>
+                <a:ea typeface="Apple SD Gothic Neo" panose="02000300000000000000" pitchFamily="2" charset="-127"/>
+              </a:rPr>
+              <a:t> </a:t>
+            </a:r>
+            <a:r>
+              <a:rPr lang="ko-KR" altLang="en-US" b="1" dirty="0">
+                <a:effectLst/>
+                <a:latin typeface="Apple SD Gothic Neo" panose="02000300000000000000" pitchFamily="2" charset="-127"/>
+                <a:ea typeface="Apple SD Gothic Neo" panose="02000300000000000000" pitchFamily="2" charset="-127"/>
+              </a:rPr>
+              <a:t>간</a:t>
+            </a:r>
+            <a:r>
+              <a:rPr lang="ko-KR" altLang="en-US" b="1" dirty="0">
+                <a:effectLst/>
+                <a:latin typeface="Helvetica Neue" panose="02000503000000020004" pitchFamily="2" charset="0"/>
+                <a:ea typeface="Apple SD Gothic Neo" panose="02000300000000000000" pitchFamily="2" charset="-127"/>
+              </a:rPr>
+              <a:t> </a:t>
+            </a:r>
+            <a:r>
+              <a:rPr lang="ko-KR" altLang="en-US" b="1" dirty="0">
+                <a:effectLst/>
+                <a:latin typeface="Apple SD Gothic Neo" panose="02000300000000000000" pitchFamily="2" charset="-127"/>
+                <a:ea typeface="Apple SD Gothic Neo" panose="02000300000000000000" pitchFamily="2" charset="-127"/>
+              </a:rPr>
+              <a:t>요청</a:t>
+            </a:r>
+            <a:r>
+              <a:rPr lang="ko-KR" altLang="en-US" b="1" dirty="0">
+                <a:effectLst/>
+                <a:latin typeface="Helvetica Neue" panose="02000503000000020004" pitchFamily="2" charset="0"/>
+                <a:ea typeface="Apple SD Gothic Neo" panose="02000300000000000000" pitchFamily="2" charset="-127"/>
+              </a:rPr>
+              <a:t> </a:t>
+            </a:r>
+            <a:r>
+              <a:rPr lang="ko-KR" altLang="en-US" b="1" dirty="0">
+                <a:effectLst/>
+                <a:latin typeface="Apple SD Gothic Neo" panose="02000300000000000000" pitchFamily="2" charset="-127"/>
+                <a:ea typeface="Apple SD Gothic Neo" panose="02000300000000000000" pitchFamily="2" charset="-127"/>
+              </a:rPr>
+              <a:t>위조</a:t>
+            </a:r>
+            <a:r>
+              <a:rPr lang="en-US" altLang="ko-KR" b="1" dirty="0">
+                <a:effectLst/>
+                <a:latin typeface="Helvetica Neue" panose="02000503000000020004" pitchFamily="2" charset="0"/>
+                <a:ea typeface="Apple SD Gothic Neo" panose="02000300000000000000" pitchFamily="2" charset="-127"/>
+              </a:rPr>
+              <a:t>(</a:t>
+            </a:r>
+            <a:r>
+              <a:rPr lang="ko-KR" altLang="en-US" b="1" dirty="0">
+                <a:effectLst/>
+                <a:latin typeface="Apple SD Gothic Neo" panose="02000300000000000000" pitchFamily="2" charset="-127"/>
+                <a:ea typeface="Apple SD Gothic Neo" panose="02000300000000000000" pitchFamily="2" charset="-127"/>
+              </a:rPr>
+              <a:t>즉</a:t>
+            </a:r>
+            <a:r>
+              <a:rPr lang="ko-KR" altLang="en-US" b="1" dirty="0">
+                <a:effectLst/>
+                <a:latin typeface="Helvetica Neue" panose="02000503000000020004" pitchFamily="2" charset="0"/>
+                <a:ea typeface="Apple SD Gothic Neo" panose="02000300000000000000" pitchFamily="2" charset="-127"/>
+              </a:rPr>
+              <a:t> </a:t>
+            </a:r>
+            <a:r>
+              <a:rPr lang="en" altLang="ko-Kore-KR" b="1" dirty="0">
+                <a:effectLst/>
+                <a:latin typeface="Helvetica Neue" panose="02000503000000020004" pitchFamily="2" charset="0"/>
+                <a:ea typeface="Apple SD Gothic Neo" panose="02000300000000000000" pitchFamily="2" charset="-127"/>
+              </a:rPr>
+              <a:t>CSRF</a:t>
+            </a:r>
+            <a:r>
+              <a:rPr lang="ko-KR" altLang="en-US" b="1" dirty="0">
+                <a:effectLst/>
+                <a:latin typeface="Helvetica Neue" panose="02000503000000020004" pitchFamily="2" charset="0"/>
+                <a:ea typeface="Apple SD Gothic Neo" panose="02000300000000000000" pitchFamily="2" charset="-127"/>
+              </a:rPr>
+              <a:t> </a:t>
+            </a:r>
+            <a:r>
+              <a:rPr lang="ko-KR" altLang="en-US" b="1" dirty="0" err="1">
+                <a:effectLst/>
+                <a:latin typeface="Apple SD Gothic Neo" panose="02000300000000000000" pitchFamily="2" charset="-127"/>
+                <a:ea typeface="Apple SD Gothic Neo" panose="02000300000000000000" pitchFamily="2" charset="-127"/>
+              </a:rPr>
+              <a:t>라는것을</a:t>
+            </a:r>
+            <a:r>
+              <a:rPr lang="ko-KR" altLang="en-US" b="1" dirty="0">
+                <a:effectLst/>
+                <a:latin typeface="Helvetica Neue" panose="02000503000000020004" pitchFamily="2" charset="0"/>
+                <a:ea typeface="Apple SD Gothic Neo" panose="02000300000000000000" pitchFamily="2" charset="-127"/>
+              </a:rPr>
+              <a:t> </a:t>
+            </a:r>
+            <a:r>
+              <a:rPr lang="ko-KR" altLang="en-US" b="1" dirty="0">
+                <a:effectLst/>
+                <a:latin typeface="Apple SD Gothic Neo" panose="02000300000000000000" pitchFamily="2" charset="-127"/>
+                <a:ea typeface="Apple SD Gothic Neo" panose="02000300000000000000" pitchFamily="2" charset="-127"/>
+              </a:rPr>
+              <a:t>비활성화</a:t>
+            </a:r>
+            <a:r>
+              <a:rPr lang="ko-KR" altLang="en-US" b="1" dirty="0">
+                <a:effectLst/>
+                <a:latin typeface="Helvetica Neue" panose="02000503000000020004" pitchFamily="2" charset="0"/>
+                <a:ea typeface="Apple SD Gothic Neo" panose="02000300000000000000" pitchFamily="2" charset="-127"/>
+              </a:rPr>
+              <a:t> </a:t>
+            </a:r>
+            <a:r>
+              <a:rPr lang="ko-KR" altLang="en-US" b="1" dirty="0" err="1">
+                <a:effectLst/>
+                <a:latin typeface="Apple SD Gothic Neo" panose="02000300000000000000" pitchFamily="2" charset="-127"/>
+                <a:ea typeface="Apple SD Gothic Neo" panose="02000300000000000000" pitchFamily="2" charset="-127"/>
+              </a:rPr>
+              <a:t>해야</a:t>
+            </a:r>
+            <a:r>
+              <a:rPr lang="ko-KR" altLang="en-US" b="1" dirty="0" err="1">
+                <a:latin typeface="Apple SD Gothic Neo" panose="02000300000000000000" pitchFamily="2" charset="-127"/>
+                <a:ea typeface="Apple SD Gothic Neo" panose="02000300000000000000" pitchFamily="2" charset="-127"/>
+              </a:rPr>
+              <a:t>한다</a:t>
+            </a:r>
+            <a:r>
+              <a:rPr lang="en-US" altLang="ko-KR" b="1" dirty="0">
+                <a:latin typeface="Apple SD Gothic Neo" panose="02000300000000000000" pitchFamily="2" charset="-127"/>
+                <a:ea typeface="Apple SD Gothic Neo" panose="02000300000000000000" pitchFamily="2" charset="-127"/>
+              </a:rPr>
+              <a:t>.</a:t>
+            </a:r>
+            <a:r>
+              <a:rPr lang="en-US" altLang="ko-KR" b="1" dirty="0">
+                <a:effectLst/>
+                <a:latin typeface="Helvetica Neue" panose="02000503000000020004" pitchFamily="2" charset="0"/>
+                <a:ea typeface="Apple SD Gothic Neo" panose="02000300000000000000" pitchFamily="2" charset="-127"/>
+              </a:rPr>
+              <a:t>)</a:t>
+            </a:r>
+            <a:endParaRPr lang="ko-KR" altLang="en-US" b="1" dirty="0">
+              <a:effectLst/>
+              <a:latin typeface="Apple SD Gothic Neo" panose="02000300000000000000" pitchFamily="2" charset="-127"/>
+              <a:ea typeface="Apple SD Gothic Neo" panose="02000300000000000000" pitchFamily="2" charset="-127"/>
+            </a:endParaRPr>
+          </a:p>
+        </p:txBody>
+      </p:sp>
     </p:spTree>
     <p:extLst>
       <p:ext uri="{BB962C8B-B14F-4D97-AF65-F5344CB8AC3E}">
@@ -4931,6 +6961,875 @@
           </a:p>
         </p:txBody>
       </p:sp>
+      <p:sp>
+        <p:nvSpPr>
+          <p:cNvPr id="4" name="TextBox 3">
+            <a:extLst>
+              <a:ext uri="{FF2B5EF4-FFF2-40B4-BE49-F238E27FC236}">
+                <a16:creationId xmlns:a16="http://schemas.microsoft.com/office/drawing/2014/main" id="{EAFA319E-B1F4-4BCB-124F-D80417B72E25}"/>
+              </a:ext>
+            </a:extLst>
+          </p:cNvPr>
+          <p:cNvSpPr txBox="1"/>
+          <p:nvPr/>
+        </p:nvSpPr>
+        <p:spPr>
+          <a:xfrm>
+            <a:off x="409755" y="1154967"/>
+            <a:ext cx="6409724" cy="5078313"/>
+          </a:xfrm>
+          <a:prstGeom prst="rect">
+            <a:avLst/>
+          </a:prstGeom>
+          <a:noFill/>
+        </p:spPr>
+        <p:txBody>
+          <a:bodyPr wrap="square">
+            <a:spAutoFit/>
+          </a:bodyPr>
+          <a:lstStyle/>
+          <a:p>
+            <a:r>
+              <a:rPr lang="en" altLang="ko-Kore-KR" b="1" dirty="0">
+                <a:effectLst/>
+                <a:latin typeface="Helvetica Neue" panose="02000503000000020004" pitchFamily="2" charset="0"/>
+              </a:rPr>
+              <a:t>@Bean</a:t>
+            </a:r>
+          </a:p>
+          <a:p>
+            <a:r>
+              <a:rPr lang="en" altLang="ko-Kore-KR" b="1" dirty="0">
+                <a:effectLst/>
+                <a:latin typeface="Helvetica Neue" panose="02000503000000020004" pitchFamily="2" charset="0"/>
+              </a:rPr>
+              <a:t>public </a:t>
+            </a:r>
+            <a:r>
+              <a:rPr lang="en" altLang="ko-Kore-KR" b="1" dirty="0" err="1">
+                <a:solidFill>
+                  <a:srgbClr val="FF0000"/>
+                </a:solidFill>
+                <a:effectLst/>
+                <a:latin typeface="Helvetica Neue" panose="02000503000000020004" pitchFamily="2" charset="0"/>
+              </a:rPr>
+              <a:t>SecurityFilterChain</a:t>
+            </a:r>
+            <a:r>
+              <a:rPr lang="en" altLang="ko-Kore-KR" b="1" dirty="0">
+                <a:effectLst/>
+                <a:latin typeface="Helvetica Neue" panose="02000503000000020004" pitchFamily="2" charset="0"/>
+              </a:rPr>
+              <a:t> </a:t>
+            </a:r>
+            <a:r>
+              <a:rPr lang="en" altLang="ko-Kore-KR" b="1" dirty="0" err="1">
+                <a:effectLst/>
+                <a:latin typeface="Helvetica Neue" panose="02000503000000020004" pitchFamily="2" charset="0"/>
+              </a:rPr>
+              <a:t>filterChain</a:t>
+            </a:r>
+            <a:r>
+              <a:rPr lang="en" altLang="ko-Kore-KR" b="1" dirty="0">
+                <a:effectLst/>
+                <a:latin typeface="Helvetica Neue" panose="02000503000000020004" pitchFamily="2" charset="0"/>
+              </a:rPr>
+              <a:t>(</a:t>
+            </a:r>
+            <a:r>
+              <a:rPr lang="en" altLang="ko-Kore-KR" b="1" dirty="0" err="1">
+                <a:effectLst/>
+                <a:latin typeface="Helvetica Neue" panose="02000503000000020004" pitchFamily="2" charset="0"/>
+              </a:rPr>
+              <a:t>HttpSecurity</a:t>
+            </a:r>
+            <a:r>
+              <a:rPr lang="en" altLang="ko-Kore-KR" b="1" dirty="0">
+                <a:effectLst/>
+                <a:latin typeface="Helvetica Neue" panose="02000503000000020004" pitchFamily="2" charset="0"/>
+              </a:rPr>
+              <a:t> http) throws Exception {</a:t>
+            </a:r>
+          </a:p>
+          <a:p>
+            <a:br>
+              <a:rPr lang="en" altLang="ko-Kore-KR" b="1" dirty="0">
+                <a:effectLst/>
+                <a:latin typeface="Helvetica Neue" panose="02000503000000020004" pitchFamily="2" charset="0"/>
+              </a:rPr>
+            </a:br>
+            <a:endParaRPr lang="en" altLang="ko-Kore-KR" b="1" dirty="0">
+              <a:effectLst/>
+              <a:latin typeface="Helvetica Neue" panose="02000503000000020004" pitchFamily="2" charset="0"/>
+            </a:endParaRPr>
+          </a:p>
+          <a:p>
+            <a:r>
+              <a:rPr lang="en" altLang="ko-Kore-KR" b="1" dirty="0">
+                <a:effectLst/>
+                <a:latin typeface="Helvetica Neue" panose="02000503000000020004" pitchFamily="2" charset="0"/>
+              </a:rPr>
+              <a:t>    </a:t>
+            </a:r>
+            <a:r>
+              <a:rPr lang="en" altLang="ko-Kore-KR" b="1" dirty="0">
+                <a:effectLst/>
+                <a:highlight>
+                  <a:srgbClr val="FFFF00"/>
+                </a:highlight>
+                <a:latin typeface="Helvetica Neue" panose="02000503000000020004" pitchFamily="2" charset="0"/>
+              </a:rPr>
+              <a:t>// </a:t>
+            </a:r>
+            <a:r>
+              <a:rPr lang="ko-KR" altLang="en-US" b="1" dirty="0">
+                <a:effectLst/>
+                <a:highlight>
+                  <a:srgbClr val="FFFF00"/>
+                </a:highlight>
+                <a:latin typeface="Helvetica Neue" panose="02000503000000020004" pitchFamily="2" charset="0"/>
+              </a:rPr>
+              <a:t>승인을 어떻게 할 것인가를 구현</a:t>
+            </a:r>
+          </a:p>
+          <a:p>
+            <a:r>
+              <a:rPr lang="ko-KR" altLang="en-US" b="1" dirty="0">
+                <a:effectLst/>
+                <a:latin typeface="Helvetica Neue" panose="02000503000000020004" pitchFamily="2" charset="0"/>
+              </a:rPr>
+              <a:t>    </a:t>
+            </a:r>
+            <a:r>
+              <a:rPr lang="en" altLang="ko-Kore-KR" b="1" dirty="0" err="1">
+                <a:effectLst/>
+                <a:latin typeface="Helvetica Neue" panose="02000503000000020004" pitchFamily="2" charset="0"/>
+              </a:rPr>
+              <a:t>http.authorizeHttpRequests</a:t>
+            </a:r>
+            <a:r>
+              <a:rPr lang="en" altLang="ko-Kore-KR" b="1" dirty="0">
+                <a:effectLst/>
+                <a:latin typeface="Helvetica Neue" panose="02000503000000020004" pitchFamily="2" charset="0"/>
+              </a:rPr>
+              <a:t>(</a:t>
+            </a:r>
+          </a:p>
+          <a:p>
+            <a:r>
+              <a:rPr lang="en" altLang="ko-Kore-KR" b="1" dirty="0">
+                <a:effectLst/>
+                <a:latin typeface="Helvetica Neue" panose="02000503000000020004" pitchFamily="2" charset="0"/>
+              </a:rPr>
+              <a:t>            auth -&gt; </a:t>
+            </a:r>
+            <a:r>
+              <a:rPr lang="en" altLang="ko-Kore-KR" b="1" dirty="0" err="1">
+                <a:effectLst/>
+                <a:latin typeface="Helvetica Neue" panose="02000503000000020004" pitchFamily="2" charset="0"/>
+              </a:rPr>
+              <a:t>auth.anyRequest</a:t>
+            </a:r>
+            <a:r>
+              <a:rPr lang="en" altLang="ko-Kore-KR" b="1" dirty="0">
+                <a:effectLst/>
+                <a:latin typeface="Helvetica Neue" panose="02000503000000020004" pitchFamily="2" charset="0"/>
+              </a:rPr>
+              <a:t>().authenticated());</a:t>
+            </a:r>
+          </a:p>
+          <a:p>
+            <a:r>
+              <a:rPr lang="en" altLang="ko-Kore-KR" b="1" dirty="0">
+                <a:effectLst/>
+                <a:latin typeface="Helvetica Neue" panose="02000503000000020004" pitchFamily="2" charset="0"/>
+              </a:rPr>
+              <a:t>   </a:t>
+            </a:r>
+            <a:r>
+              <a:rPr lang="en" altLang="ko-Kore-KR" b="1" dirty="0">
+                <a:effectLst/>
+                <a:highlight>
+                  <a:srgbClr val="FFFF00"/>
+                </a:highlight>
+                <a:latin typeface="Helvetica Neue" panose="02000503000000020004" pitchFamily="2" charset="0"/>
+              </a:rPr>
+              <a:t> // </a:t>
+            </a:r>
+            <a:r>
+              <a:rPr lang="en" altLang="ko-Kore-KR" b="1" dirty="0" err="1">
+                <a:effectLst/>
+                <a:highlight>
+                  <a:srgbClr val="FFFF00"/>
+                </a:highlight>
+                <a:latin typeface="Helvetica Neue" panose="02000503000000020004" pitchFamily="2" charset="0"/>
+              </a:rPr>
+              <a:t>formLogin</a:t>
+            </a:r>
+            <a:r>
+              <a:rPr lang="en" altLang="ko-Kore-KR" b="1" dirty="0">
+                <a:effectLst/>
+                <a:highlight>
+                  <a:srgbClr val="FFFF00"/>
+                </a:highlight>
+                <a:latin typeface="Helvetica Neue" panose="02000503000000020004" pitchFamily="2" charset="0"/>
+              </a:rPr>
+              <a:t> </a:t>
+            </a:r>
+            <a:r>
+              <a:rPr lang="ko-KR" altLang="en-US" b="1" dirty="0">
+                <a:effectLst/>
+                <a:highlight>
+                  <a:srgbClr val="FFFF00"/>
+                </a:highlight>
+                <a:latin typeface="Helvetica Neue" panose="02000503000000020004" pitchFamily="2" charset="0"/>
+              </a:rPr>
+              <a:t>을 통해 사용자 이름과 패스워드를 수집할 수 있는 페이지를 표시할 수 있게 함</a:t>
+            </a:r>
+          </a:p>
+          <a:p>
+            <a:r>
+              <a:rPr lang="ko-KR" altLang="en-US" b="1" dirty="0">
+                <a:effectLst/>
+                <a:latin typeface="Helvetica Neue" panose="02000503000000020004" pitchFamily="2" charset="0"/>
+              </a:rPr>
+              <a:t>    </a:t>
+            </a:r>
+            <a:r>
+              <a:rPr lang="en" altLang="ko-Kore-KR" b="1" dirty="0" err="1">
+                <a:effectLst/>
+                <a:latin typeface="Helvetica Neue" panose="02000503000000020004" pitchFamily="2" charset="0"/>
+              </a:rPr>
+              <a:t>http.formLogin</a:t>
+            </a:r>
+            <a:r>
+              <a:rPr lang="en" altLang="ko-Kore-KR" b="1" dirty="0">
+                <a:effectLst/>
+                <a:latin typeface="Helvetica Neue" panose="02000503000000020004" pitchFamily="2" charset="0"/>
+              </a:rPr>
+              <a:t>(</a:t>
+            </a:r>
+            <a:r>
+              <a:rPr lang="en" altLang="ko-Kore-KR" b="1" i="1" dirty="0" err="1">
+                <a:effectLst/>
+                <a:latin typeface="Helvetica Neue" panose="02000503000000020004" pitchFamily="2" charset="0"/>
+              </a:rPr>
+              <a:t>withDefaults</a:t>
+            </a:r>
+            <a:r>
+              <a:rPr lang="en" altLang="ko-Kore-KR" b="1" dirty="0">
+                <a:effectLst/>
+                <a:latin typeface="Helvetica Neue" panose="02000503000000020004" pitchFamily="2" charset="0"/>
+              </a:rPr>
+              <a:t>());</a:t>
+            </a:r>
+          </a:p>
+          <a:p>
+            <a:br>
+              <a:rPr lang="en" altLang="ko-Kore-KR" b="1" dirty="0">
+                <a:effectLst/>
+                <a:latin typeface="Helvetica Neue" panose="02000503000000020004" pitchFamily="2" charset="0"/>
+              </a:rPr>
+            </a:br>
+            <a:endParaRPr lang="en" altLang="ko-Kore-KR" b="1" dirty="0">
+              <a:effectLst/>
+              <a:latin typeface="Helvetica Neue" panose="02000503000000020004" pitchFamily="2" charset="0"/>
+            </a:endParaRPr>
+          </a:p>
+          <a:p>
+            <a:r>
+              <a:rPr lang="en" altLang="ko-Kore-KR" b="1" dirty="0">
+                <a:effectLst/>
+                <a:latin typeface="Helvetica Neue" panose="02000503000000020004" pitchFamily="2" charset="0"/>
+              </a:rPr>
+              <a:t>    </a:t>
+            </a:r>
+            <a:r>
+              <a:rPr lang="en" altLang="ko-Kore-KR" b="1" dirty="0">
+                <a:effectLst/>
+                <a:highlight>
+                  <a:srgbClr val="FFFF00"/>
+                </a:highlight>
+                <a:latin typeface="Helvetica Neue" panose="02000503000000020004" pitchFamily="2" charset="0"/>
+              </a:rPr>
+              <a:t>// </a:t>
+            </a:r>
+            <a:r>
+              <a:rPr lang="en" altLang="ko-Kore-KR" b="1" dirty="0" err="1">
+                <a:effectLst/>
+                <a:highlight>
+                  <a:srgbClr val="FFFF00"/>
+                </a:highlight>
+                <a:latin typeface="Helvetica Neue" panose="02000503000000020004" pitchFamily="2" charset="0"/>
+              </a:rPr>
+              <a:t>csrf</a:t>
+            </a:r>
+            <a:r>
+              <a:rPr lang="en" altLang="ko-Kore-KR" b="1" dirty="0">
+                <a:effectLst/>
+                <a:highlight>
+                  <a:srgbClr val="FFFF00"/>
+                </a:highlight>
+                <a:latin typeface="Helvetica Neue" panose="02000503000000020004" pitchFamily="2" charset="0"/>
+              </a:rPr>
+              <a:t> </a:t>
+            </a:r>
+            <a:r>
+              <a:rPr lang="ko-KR" altLang="en-US" b="1" dirty="0" err="1">
+                <a:effectLst/>
+                <a:highlight>
+                  <a:srgbClr val="FFFF00"/>
+                </a:highlight>
+                <a:latin typeface="Helvetica Neue" panose="02000503000000020004" pitchFamily="2" charset="0"/>
+              </a:rPr>
+              <a:t>를</a:t>
+            </a:r>
+            <a:r>
+              <a:rPr lang="ko-KR" altLang="en-US" b="1" dirty="0">
+                <a:effectLst/>
+                <a:highlight>
+                  <a:srgbClr val="FFFF00"/>
+                </a:highlight>
+                <a:latin typeface="Helvetica Neue" panose="02000503000000020004" pitchFamily="2" charset="0"/>
+              </a:rPr>
+              <a:t> 비활성화</a:t>
+            </a:r>
+          </a:p>
+          <a:p>
+            <a:r>
+              <a:rPr lang="ko-KR" altLang="en-US" b="1" dirty="0">
+                <a:effectLst/>
+                <a:latin typeface="Helvetica Neue" panose="02000503000000020004" pitchFamily="2" charset="0"/>
+              </a:rPr>
+              <a:t>    </a:t>
+            </a:r>
+            <a:r>
+              <a:rPr lang="en" altLang="ko-Kore-KR" b="1" dirty="0" err="1">
+                <a:effectLst/>
+                <a:latin typeface="Helvetica Neue" panose="02000503000000020004" pitchFamily="2" charset="0"/>
+              </a:rPr>
+              <a:t>http.csrf</a:t>
+            </a:r>
+            <a:r>
+              <a:rPr lang="en" altLang="ko-Kore-KR" b="1" dirty="0">
+                <a:effectLst/>
+                <a:latin typeface="Helvetica Neue" panose="02000503000000020004" pitchFamily="2" charset="0"/>
+              </a:rPr>
+              <a:t>(</a:t>
+            </a:r>
+            <a:r>
+              <a:rPr lang="en" altLang="ko-Kore-KR" b="1" dirty="0" err="1">
+                <a:effectLst/>
+                <a:latin typeface="Helvetica Neue" panose="02000503000000020004" pitchFamily="2" charset="0"/>
+              </a:rPr>
+              <a:t>csrf</a:t>
+            </a:r>
+            <a:r>
+              <a:rPr lang="en" altLang="ko-Kore-KR" b="1" dirty="0">
+                <a:effectLst/>
+                <a:latin typeface="Helvetica Neue" panose="02000503000000020004" pitchFamily="2" charset="0"/>
+              </a:rPr>
+              <a:t> -&gt; </a:t>
+            </a:r>
+            <a:r>
+              <a:rPr lang="en" altLang="ko-Kore-KR" b="1" dirty="0" err="1">
+                <a:effectLst/>
+                <a:latin typeface="Helvetica Neue" panose="02000503000000020004" pitchFamily="2" charset="0"/>
+              </a:rPr>
+              <a:t>csrf.disable</a:t>
+            </a:r>
+            <a:r>
+              <a:rPr lang="en" altLang="ko-Kore-KR" b="1" dirty="0">
+                <a:effectLst/>
+                <a:latin typeface="Helvetica Neue" panose="02000503000000020004" pitchFamily="2" charset="0"/>
+              </a:rPr>
+              <a:t>());</a:t>
+            </a:r>
+          </a:p>
+          <a:p>
+            <a:r>
+              <a:rPr lang="en" altLang="ko-Kore-KR" b="1" dirty="0">
+                <a:effectLst/>
+                <a:latin typeface="Helvetica Neue" panose="02000503000000020004" pitchFamily="2" charset="0"/>
+              </a:rPr>
+              <a:t>    </a:t>
+            </a:r>
+          </a:p>
+          <a:p>
+            <a:r>
+              <a:rPr lang="en" altLang="ko-Kore-KR" b="1" dirty="0">
+                <a:effectLst/>
+                <a:latin typeface="Helvetica Neue" panose="02000503000000020004" pitchFamily="2" charset="0"/>
+              </a:rPr>
+              <a:t>    return </a:t>
+            </a:r>
+            <a:r>
+              <a:rPr lang="en" altLang="ko-Kore-KR" b="1" dirty="0" err="1">
+                <a:effectLst/>
+                <a:latin typeface="Helvetica Neue" panose="02000503000000020004" pitchFamily="2" charset="0"/>
+              </a:rPr>
+              <a:t>http.build</a:t>
+            </a:r>
+            <a:r>
+              <a:rPr lang="en" altLang="ko-Kore-KR" b="1" dirty="0">
+                <a:effectLst/>
+                <a:latin typeface="Helvetica Neue" panose="02000503000000020004" pitchFamily="2" charset="0"/>
+              </a:rPr>
+              <a:t>();</a:t>
+            </a:r>
+          </a:p>
+          <a:p>
+            <a:r>
+              <a:rPr lang="en" altLang="ko-Kore-KR" b="1" dirty="0">
+                <a:effectLst/>
+                <a:latin typeface="Helvetica Neue" panose="02000503000000020004" pitchFamily="2" charset="0"/>
+              </a:rPr>
+              <a:t>}</a:t>
+            </a:r>
+          </a:p>
+        </p:txBody>
+      </p:sp>
+      <p:sp>
+        <p:nvSpPr>
+          <p:cNvPr id="6" name="TextBox 5">
+            <a:extLst>
+              <a:ext uri="{FF2B5EF4-FFF2-40B4-BE49-F238E27FC236}">
+                <a16:creationId xmlns:a16="http://schemas.microsoft.com/office/drawing/2014/main" id="{0FEDC4FE-BF6A-7554-1E15-76F56FCE7075}"/>
+              </a:ext>
+            </a:extLst>
+          </p:cNvPr>
+          <p:cNvSpPr txBox="1"/>
+          <p:nvPr/>
+        </p:nvSpPr>
+        <p:spPr>
+          <a:xfrm>
+            <a:off x="7247925" y="2247424"/>
+            <a:ext cx="4731588" cy="3247043"/>
+          </a:xfrm>
+          <a:prstGeom prst="rect">
+            <a:avLst/>
+          </a:prstGeom>
+          <a:noFill/>
+        </p:spPr>
+        <p:txBody>
+          <a:bodyPr wrap="square">
+            <a:spAutoFit/>
+          </a:bodyPr>
+          <a:lstStyle/>
+          <a:p>
+            <a:r>
+              <a:rPr lang="en" altLang="ko-Kore-KR" sz="2500" b="1" dirty="0" err="1">
+                <a:solidFill>
+                  <a:srgbClr val="FF0000"/>
+                </a:solidFill>
+                <a:effectLst/>
+                <a:latin typeface="Helvetica Neue" panose="02000503000000020004" pitchFamily="2" charset="0"/>
+              </a:rPr>
+              <a:t>SecurityFilterChain</a:t>
+            </a:r>
+            <a:r>
+              <a:rPr lang="ko-KR" altLang="en-US" sz="2500" b="1" dirty="0">
+                <a:solidFill>
+                  <a:srgbClr val="FF0000"/>
+                </a:solidFill>
+                <a:latin typeface="Helvetica Neue" panose="02000503000000020004" pitchFamily="2" charset="0"/>
+              </a:rPr>
+              <a:t> </a:t>
+            </a:r>
+            <a:endParaRPr lang="en" altLang="ko-KR" sz="2500" b="1" dirty="0">
+              <a:solidFill>
+                <a:srgbClr val="FF0000"/>
+              </a:solidFill>
+              <a:latin typeface="Helvetica Neue" panose="02000503000000020004" pitchFamily="2" charset="0"/>
+            </a:endParaRPr>
+          </a:p>
+          <a:p>
+            <a:r>
+              <a:rPr lang="en" altLang="ko-Kore-KR" dirty="0">
+                <a:effectLst/>
+                <a:latin typeface="Helvetica Neue" panose="02000503000000020004" pitchFamily="2" charset="0"/>
+              </a:rPr>
+              <a:t> </a:t>
+            </a:r>
+          </a:p>
+          <a:p>
+            <a:r>
+              <a:rPr lang="ko-KR" altLang="en-US" b="1" dirty="0">
+                <a:effectLst/>
+                <a:latin typeface="Helvetica Neue" panose="02000503000000020004" pitchFamily="2" charset="0"/>
+              </a:rPr>
+              <a:t>웹요청이 들어오면 언제나 먼저 이 체인이 그것을 처리한다</a:t>
+            </a:r>
+            <a:r>
+              <a:rPr lang="en-US" altLang="ko-KR" b="1" dirty="0">
+                <a:effectLst/>
+                <a:latin typeface="Helvetica Neue" panose="02000503000000020004" pitchFamily="2" charset="0"/>
+              </a:rPr>
+              <a:t>.</a:t>
+            </a:r>
+            <a:r>
+              <a:rPr lang="ko-KR" altLang="en-US" b="1" dirty="0">
+                <a:effectLst/>
+                <a:latin typeface="Helvetica Neue" panose="02000503000000020004" pitchFamily="2" charset="0"/>
+              </a:rPr>
+              <a:t> </a:t>
+            </a:r>
+            <a:endParaRPr lang="en-US" altLang="ko-KR" b="1" dirty="0">
+              <a:effectLst/>
+              <a:latin typeface="Helvetica Neue" panose="02000503000000020004" pitchFamily="2" charset="0"/>
+            </a:endParaRPr>
+          </a:p>
+          <a:p>
+            <a:endParaRPr lang="ko-KR" altLang="en-US" b="1" dirty="0">
+              <a:effectLst/>
+              <a:latin typeface="Helvetica Neue" panose="02000503000000020004" pitchFamily="2" charset="0"/>
+            </a:endParaRPr>
+          </a:p>
+          <a:p>
+            <a:r>
+              <a:rPr lang="ko-KR" altLang="en-US" b="1" dirty="0">
+                <a:effectLst/>
+                <a:latin typeface="Helvetica Neue" panose="02000503000000020004" pitchFamily="2" charset="0"/>
+              </a:rPr>
+              <a:t> 원래 이 체인은 </a:t>
+            </a:r>
+            <a:r>
+              <a:rPr lang="ko-KR" altLang="en-US" b="1" dirty="0">
+                <a:solidFill>
+                  <a:srgbClr val="FF0000"/>
+                </a:solidFill>
+                <a:effectLst/>
+                <a:latin typeface="Helvetica Neue" panose="02000503000000020004" pitchFamily="2" charset="0"/>
+              </a:rPr>
+              <a:t>모든 </a:t>
+            </a:r>
+            <a:r>
+              <a:rPr lang="en-US" altLang="ko-KR" b="1" dirty="0">
+                <a:solidFill>
+                  <a:srgbClr val="FF0000"/>
+                </a:solidFill>
+                <a:effectLst/>
+                <a:latin typeface="Helvetica Neue" panose="02000503000000020004" pitchFamily="2" charset="0"/>
+              </a:rPr>
+              <a:t>URL</a:t>
+            </a:r>
+            <a:r>
+              <a:rPr lang="ko-KR" altLang="en-US" b="1" dirty="0">
+                <a:solidFill>
+                  <a:srgbClr val="FF0000"/>
+                </a:solidFill>
+                <a:effectLst/>
+                <a:latin typeface="Helvetica Neue" panose="02000503000000020004" pitchFamily="2" charset="0"/>
+              </a:rPr>
+              <a:t>을 보호하는 기능</a:t>
+            </a:r>
+            <a:r>
+              <a:rPr lang="ko-KR" altLang="en-US" b="1" dirty="0">
+                <a:effectLst/>
+                <a:latin typeface="Helvetica Neue" panose="02000503000000020004" pitchFamily="2" charset="0"/>
+              </a:rPr>
+              <a:t>과 승인되지 않은 요청에 대해서는 </a:t>
+            </a:r>
+            <a:r>
+              <a:rPr lang="ko-KR" altLang="en-US" b="1" dirty="0">
+                <a:solidFill>
+                  <a:srgbClr val="FF0000"/>
+                </a:solidFill>
+                <a:effectLst/>
+                <a:latin typeface="Helvetica Neue" panose="02000503000000020004" pitchFamily="2" charset="0"/>
+              </a:rPr>
+              <a:t>로그인 양식을 표시하는 것</a:t>
+            </a:r>
+            <a:r>
+              <a:rPr lang="ko-KR" altLang="en-US" b="1" dirty="0">
+                <a:effectLst/>
+                <a:latin typeface="Helvetica Neue" panose="02000503000000020004" pitchFamily="2" charset="0"/>
+              </a:rPr>
+              <a:t>을 기본으로 처리하는데 밑 코드에서 </a:t>
+            </a:r>
+            <a:r>
+              <a:rPr lang="en-US" altLang="ko-KR" b="1" dirty="0">
+                <a:effectLst/>
+                <a:latin typeface="Helvetica Neue" panose="02000503000000020004" pitchFamily="2" charset="0"/>
+              </a:rPr>
+              <a:t>3,4 </a:t>
+            </a:r>
+            <a:r>
+              <a:rPr lang="ko-KR" altLang="en-US" b="1" dirty="0">
+                <a:effectLst/>
+                <a:latin typeface="Helvetica Neue" panose="02000503000000020004" pitchFamily="2" charset="0"/>
+              </a:rPr>
+              <a:t>번 추가 처리</a:t>
+            </a:r>
+          </a:p>
+          <a:p>
+            <a:r>
+              <a:rPr lang="en" altLang="ko-Kore-KR" b="1" dirty="0" err="1">
+                <a:effectLst/>
+                <a:latin typeface="Helvetica Neue" panose="02000503000000020004" pitchFamily="2" charset="0"/>
+              </a:rPr>
+              <a:t>SecurityFilterChain</a:t>
+            </a:r>
+            <a:r>
+              <a:rPr lang="en" altLang="ko-Kore-KR" b="1" dirty="0">
+                <a:effectLst/>
+                <a:latin typeface="Helvetica Neue" panose="02000503000000020004" pitchFamily="2" charset="0"/>
+              </a:rPr>
+              <a:t> </a:t>
+            </a:r>
+            <a:r>
+              <a:rPr lang="ko-KR" altLang="en-US" b="1" dirty="0">
+                <a:effectLst/>
+                <a:latin typeface="Apple SD Gothic Neo" panose="02000300000000000000" pitchFamily="2" charset="-127"/>
+                <a:ea typeface="Apple SD Gothic Neo" panose="02000300000000000000" pitchFamily="2" charset="-127"/>
+              </a:rPr>
+              <a:t>는</a:t>
+            </a:r>
+            <a:r>
+              <a:rPr lang="ko-KR" altLang="en-US" b="1" dirty="0">
+                <a:effectLst/>
+                <a:latin typeface="Helvetica Neue" panose="02000503000000020004" pitchFamily="2" charset="0"/>
+              </a:rPr>
+              <a:t> </a:t>
+            </a:r>
+            <a:r>
+              <a:rPr lang="ko-KR" altLang="en-US" b="1" dirty="0" err="1">
+                <a:effectLst/>
+                <a:latin typeface="Apple SD Gothic Neo" panose="02000300000000000000" pitchFamily="2" charset="-127"/>
+                <a:ea typeface="Apple SD Gothic Neo" panose="02000300000000000000" pitchFamily="2" charset="-127"/>
+              </a:rPr>
+              <a:t>오버라이드</a:t>
+            </a:r>
+            <a:r>
+              <a:rPr lang="ko-KR" altLang="en-US" b="1" dirty="0">
+                <a:effectLst/>
+                <a:latin typeface="Apple SD Gothic Neo" panose="02000300000000000000" pitchFamily="2" charset="-127"/>
+                <a:ea typeface="Apple SD Gothic Neo" panose="02000300000000000000" pitchFamily="2" charset="-127"/>
+              </a:rPr>
+              <a:t> 한</a:t>
+            </a:r>
+            <a:r>
+              <a:rPr lang="en-US" altLang="ko-KR" b="1" dirty="0">
+                <a:effectLst/>
+                <a:latin typeface="Apple SD Gothic Neo" panose="02000300000000000000" pitchFamily="2" charset="-127"/>
+                <a:ea typeface="Apple SD Gothic Neo" panose="02000300000000000000" pitchFamily="2" charset="-127"/>
+              </a:rPr>
+              <a:t>. </a:t>
+            </a:r>
+            <a:r>
+              <a:rPr lang="ko-KR" altLang="en-US" b="1" dirty="0">
+                <a:effectLst/>
+                <a:latin typeface="Apple SD Gothic Neo" panose="02000300000000000000" pitchFamily="2" charset="-127"/>
+                <a:ea typeface="Apple SD Gothic Neo" panose="02000300000000000000" pitchFamily="2" charset="-127"/>
+              </a:rPr>
+              <a:t>것이므로</a:t>
+            </a:r>
+            <a:r>
+              <a:rPr lang="ko-KR" altLang="en-US" b="1" dirty="0">
+                <a:effectLst/>
+                <a:latin typeface="Helvetica Neue" panose="02000503000000020004" pitchFamily="2" charset="0"/>
+              </a:rPr>
+              <a:t> </a:t>
+            </a:r>
+            <a:r>
+              <a:rPr lang="ko-KR" altLang="en-US" b="1" dirty="0">
+                <a:effectLst/>
+                <a:latin typeface="Apple SD Gothic Neo" panose="02000300000000000000" pitchFamily="2" charset="-127"/>
+                <a:ea typeface="Apple SD Gothic Neo" panose="02000300000000000000" pitchFamily="2" charset="-127"/>
+              </a:rPr>
+              <a:t>재정의가</a:t>
+            </a:r>
+            <a:r>
+              <a:rPr lang="ko-KR" altLang="en-US" b="1" dirty="0">
+                <a:effectLst/>
+                <a:latin typeface="Helvetica Neue" panose="02000503000000020004" pitchFamily="2" charset="0"/>
+              </a:rPr>
+              <a:t> </a:t>
+            </a:r>
+            <a:r>
+              <a:rPr lang="ko-KR" altLang="en-US" b="1" dirty="0">
+                <a:effectLst/>
+                <a:latin typeface="Apple SD Gothic Neo" panose="02000300000000000000" pitchFamily="2" charset="-127"/>
+                <a:ea typeface="Apple SD Gothic Neo" panose="02000300000000000000" pitchFamily="2" charset="-127"/>
+              </a:rPr>
+              <a:t>필요하다</a:t>
+            </a:r>
+            <a:r>
+              <a:rPr lang="en-US" altLang="ko-KR" b="1" dirty="0">
+                <a:effectLst/>
+                <a:latin typeface="Apple SD Gothic Neo" panose="02000300000000000000" pitchFamily="2" charset="-127"/>
+                <a:ea typeface="Apple SD Gothic Neo" panose="02000300000000000000" pitchFamily="2" charset="-127"/>
+              </a:rPr>
+              <a:t>.</a:t>
+            </a:r>
+            <a:endParaRPr lang="ko-KR" altLang="en-US" b="1" dirty="0">
+              <a:effectLst/>
+              <a:latin typeface="Helvetica Neue" panose="02000503000000020004" pitchFamily="2" charset="0"/>
+            </a:endParaRPr>
+          </a:p>
+        </p:txBody>
+      </p:sp>
+      <p:sp>
+        <p:nvSpPr>
+          <p:cNvPr id="8" name="TextBox 7">
+            <a:extLst>
+              <a:ext uri="{FF2B5EF4-FFF2-40B4-BE49-F238E27FC236}">
+                <a16:creationId xmlns:a16="http://schemas.microsoft.com/office/drawing/2014/main" id="{14FB57D9-10B2-7C9C-56DC-7087089A9433}"/>
+              </a:ext>
+            </a:extLst>
+          </p:cNvPr>
+          <p:cNvSpPr txBox="1"/>
+          <p:nvPr/>
+        </p:nvSpPr>
+        <p:spPr>
+          <a:xfrm>
+            <a:off x="409755" y="507857"/>
+            <a:ext cx="10712335" cy="369332"/>
+          </a:xfrm>
+          <a:prstGeom prst="rect">
+            <a:avLst/>
+          </a:prstGeom>
+          <a:noFill/>
+        </p:spPr>
+        <p:txBody>
+          <a:bodyPr wrap="square">
+            <a:spAutoFit/>
+          </a:bodyPr>
+          <a:lstStyle/>
+          <a:p>
+            <a:r>
+              <a:rPr lang="en" altLang="ko-Kore-KR" i="1" dirty="0">
+                <a:ln w="0"/>
+                <a:effectLst>
+                  <a:outerShdw blurRad="38100" dist="19050" dir="2700000" algn="tl" rotWithShape="0">
+                    <a:schemeClr val="dk1">
+                      <a:alpha val="40000"/>
+                    </a:schemeClr>
+                  </a:outerShdw>
+                </a:effectLst>
+                <a:latin typeface="Helvetica Neue" panose="02000503000000020004" pitchFamily="2" charset="0"/>
+                <a:ea typeface="Helvetica Neue" panose="02000503000000020004" pitchFamily="2" charset="0"/>
+                <a:cs typeface="Helvetica Neue" panose="02000503000000020004" pitchFamily="2" charset="0"/>
+              </a:rPr>
+              <a:t>import static </a:t>
+            </a:r>
+            <a:r>
+              <a:rPr lang="en" altLang="ko-Kore-KR" i="1" dirty="0" err="1">
+                <a:ln w="0"/>
+                <a:effectLst>
+                  <a:outerShdw blurRad="38100" dist="19050" dir="2700000" algn="tl" rotWithShape="0">
+                    <a:schemeClr val="dk1">
+                      <a:alpha val="40000"/>
+                    </a:schemeClr>
+                  </a:outerShdw>
+                </a:effectLst>
+                <a:latin typeface="Helvetica Neue" panose="02000503000000020004" pitchFamily="2" charset="0"/>
+                <a:ea typeface="Helvetica Neue" panose="02000503000000020004" pitchFamily="2" charset="0"/>
+                <a:cs typeface="Helvetica Neue" panose="02000503000000020004" pitchFamily="2" charset="0"/>
+              </a:rPr>
+              <a:t>org.springframework.security.config.Customizer.withDefaults</a:t>
+            </a:r>
+            <a:r>
+              <a:rPr lang="en" altLang="ko-Kore-KR" i="1" dirty="0">
+                <a:ln w="0"/>
+                <a:effectLst>
+                  <a:outerShdw blurRad="38100" dist="19050" dir="2700000" algn="tl" rotWithShape="0">
+                    <a:schemeClr val="dk1">
+                      <a:alpha val="40000"/>
+                    </a:schemeClr>
+                  </a:outerShdw>
+                </a:effectLst>
+                <a:latin typeface="Helvetica Neue" panose="02000503000000020004" pitchFamily="2" charset="0"/>
+                <a:ea typeface="Helvetica Neue" panose="02000503000000020004" pitchFamily="2" charset="0"/>
+                <a:cs typeface="Helvetica Neue" panose="02000503000000020004" pitchFamily="2" charset="0"/>
+              </a:rPr>
+              <a:t>;</a:t>
+            </a:r>
+          </a:p>
+        </p:txBody>
+      </p:sp>
+      <p:sp>
+        <p:nvSpPr>
+          <p:cNvPr id="10" name="TextBox 9">
+            <a:extLst>
+              <a:ext uri="{FF2B5EF4-FFF2-40B4-BE49-F238E27FC236}">
+                <a16:creationId xmlns:a16="http://schemas.microsoft.com/office/drawing/2014/main" id="{8236ACC9-968F-518A-2629-818EC5A453A9}"/>
+              </a:ext>
+            </a:extLst>
+          </p:cNvPr>
+          <p:cNvSpPr txBox="1"/>
+          <p:nvPr/>
+        </p:nvSpPr>
+        <p:spPr>
+          <a:xfrm>
+            <a:off x="7402010" y="5980811"/>
+            <a:ext cx="6099858" cy="400110"/>
+          </a:xfrm>
+          <a:prstGeom prst="rect">
+            <a:avLst/>
+          </a:prstGeom>
+          <a:noFill/>
+        </p:spPr>
+        <p:txBody>
+          <a:bodyPr wrap="square">
+            <a:spAutoFit/>
+          </a:bodyPr>
+          <a:lstStyle/>
+          <a:p>
+            <a:r>
+              <a:rPr lang="en" altLang="ko-Kore-KR" sz="2000" b="1" dirty="0">
+                <a:effectLst/>
+                <a:latin typeface="Helvetica Neue" panose="02000503000000020004" pitchFamily="2" charset="0"/>
+              </a:rPr>
+              <a:t>-&gt;</a:t>
+            </a:r>
+            <a:r>
+              <a:rPr lang="ko-KR" altLang="en-US" sz="2000" b="1" dirty="0">
+                <a:effectLst/>
+                <a:latin typeface="Helvetica Neue" panose="02000503000000020004" pitchFamily="2" charset="0"/>
+              </a:rPr>
+              <a:t> </a:t>
+            </a:r>
+            <a:r>
+              <a:rPr lang="en" altLang="ko-Kore-KR" sz="2000" b="1" dirty="0">
+                <a:effectLst/>
+                <a:latin typeface="Helvetica Neue" panose="02000503000000020004" pitchFamily="2" charset="0"/>
+              </a:rPr>
+              <a:t> h2 </a:t>
+            </a:r>
+            <a:r>
+              <a:rPr lang="ko-KR" altLang="en-US" sz="2000" b="1" dirty="0">
+                <a:effectLst/>
+                <a:latin typeface="Apple SD Gothic Neo" panose="02000300000000000000" pitchFamily="2" charset="-127"/>
+                <a:ea typeface="Apple SD Gothic Neo" panose="02000300000000000000" pitchFamily="2" charset="-127"/>
+              </a:rPr>
+              <a:t>콘솔</a:t>
+            </a:r>
+            <a:r>
+              <a:rPr lang="ko-KR" altLang="en-US" sz="2000" b="1" dirty="0">
+                <a:effectLst/>
+                <a:latin typeface="Helvetica Neue" panose="02000503000000020004" pitchFamily="2" charset="0"/>
+              </a:rPr>
+              <a:t> 사용 </a:t>
+            </a:r>
+            <a:r>
+              <a:rPr lang="ko-KR" altLang="en-US" sz="2000" b="1" dirty="0">
+                <a:effectLst/>
+                <a:latin typeface="Apple SD Gothic Neo" panose="02000300000000000000" pitchFamily="2" charset="-127"/>
+                <a:ea typeface="Apple SD Gothic Neo" panose="02000300000000000000" pitchFamily="2" charset="-127"/>
+              </a:rPr>
+              <a:t>가능</a:t>
+            </a:r>
+            <a:r>
+              <a:rPr lang="ko-KR" altLang="en-US" sz="2000" b="1" dirty="0">
+                <a:effectLst/>
+                <a:latin typeface="Helvetica Neue" panose="02000503000000020004" pitchFamily="2" charset="0"/>
+              </a:rPr>
+              <a:t> </a:t>
+            </a:r>
+          </a:p>
+        </p:txBody>
+      </p:sp>
     </p:spTree>
     <p:extLst>
       <p:ext uri="{BB962C8B-B14F-4D97-AF65-F5344CB8AC3E}">
@@ -5013,10 +7912,2153 @@
           </a:p>
         </p:txBody>
       </p:sp>
+      <p:sp>
+        <p:nvSpPr>
+          <p:cNvPr id="2" name="TextBox 1">
+            <a:extLst>
+              <a:ext uri="{FF2B5EF4-FFF2-40B4-BE49-F238E27FC236}">
+                <a16:creationId xmlns:a16="http://schemas.microsoft.com/office/drawing/2014/main" id="{E6A9B4EA-AE72-A518-7412-2B0CE70F0512}"/>
+              </a:ext>
+            </a:extLst>
+          </p:cNvPr>
+          <p:cNvSpPr txBox="1"/>
+          <p:nvPr/>
+        </p:nvSpPr>
+        <p:spPr>
+          <a:xfrm>
+            <a:off x="524342" y="0"/>
+            <a:ext cx="3436461" cy="1684638"/>
+          </a:xfrm>
+          <a:prstGeom prst="rect">
+            <a:avLst/>
+          </a:prstGeom>
+        </p:spPr>
+        <p:txBody>
+          <a:bodyPr vert="horz" lIns="91440" tIns="45720" rIns="91440" bIns="45720" rtlCol="0" anchor="ctr">
+            <a:normAutofit/>
+          </a:bodyPr>
+          <a:lstStyle/>
+          <a:p>
+            <a:pPr>
+              <a:lnSpc>
+                <a:spcPct val="90000"/>
+              </a:lnSpc>
+              <a:spcBef>
+                <a:spcPct val="0"/>
+              </a:spcBef>
+              <a:spcAft>
+                <a:spcPts val="600"/>
+              </a:spcAft>
+            </a:pPr>
+            <a:r>
+              <a:rPr kumimoji="1" lang="en-US" altLang="en-US" sz="3500" b="1" dirty="0">
+                <a:latin typeface="+mn-ea"/>
+                <a:ea typeface="+mj-ea"/>
+                <a:cs typeface="+mj-cs"/>
+              </a:rPr>
+              <a:t>Entity</a:t>
+            </a:r>
+            <a:r>
+              <a:rPr kumimoji="1" lang="en-US" altLang="en-US" sz="3500" b="1" dirty="0">
+                <a:latin typeface="+mj-lt"/>
+                <a:ea typeface="+mj-ea"/>
+                <a:cs typeface="+mj-cs"/>
+              </a:rPr>
+              <a:t> </a:t>
+            </a:r>
+          </a:p>
+        </p:txBody>
+      </p:sp>
+      <p:sp>
+        <p:nvSpPr>
+          <p:cNvPr id="5" name="TextBox 4">
+            <a:extLst>
+              <a:ext uri="{FF2B5EF4-FFF2-40B4-BE49-F238E27FC236}">
+                <a16:creationId xmlns:a16="http://schemas.microsoft.com/office/drawing/2014/main" id="{68BA6C93-7545-AA1F-86B7-C2D4AF657EB8}"/>
+              </a:ext>
+            </a:extLst>
+          </p:cNvPr>
+          <p:cNvSpPr txBox="1"/>
+          <p:nvPr/>
+        </p:nvSpPr>
+        <p:spPr>
+          <a:xfrm>
+            <a:off x="2509325" y="335845"/>
+            <a:ext cx="9563070" cy="6186309"/>
+          </a:xfrm>
+          <a:prstGeom prst="rect">
+            <a:avLst/>
+          </a:prstGeom>
+          <a:noFill/>
+        </p:spPr>
+        <p:txBody>
+          <a:bodyPr wrap="square">
+            <a:spAutoFit/>
+          </a:bodyPr>
+          <a:lstStyle/>
+          <a:p>
+            <a:r>
+              <a:rPr lang="en" altLang="ko-Kore-KR" b="1" dirty="0">
+                <a:solidFill>
+                  <a:srgbClr val="FF0000"/>
+                </a:solidFill>
+                <a:effectLst/>
+                <a:latin typeface="Helvetica Neue" panose="02000503000000020004" pitchFamily="2" charset="0"/>
+                <a:ea typeface="Helvetica Neue" panose="02000503000000020004" pitchFamily="2" charset="0"/>
+                <a:cs typeface="Helvetica Neue" panose="02000503000000020004" pitchFamily="2" charset="0"/>
+              </a:rPr>
+              <a:t>@Entity</a:t>
+            </a:r>
+            <a:br>
+              <a:rPr lang="en" altLang="ko-Kore-KR" b="1" dirty="0">
+                <a:solidFill>
+                  <a:srgbClr val="FF0000"/>
+                </a:solidFill>
+                <a:effectLst/>
+                <a:latin typeface="Helvetica Neue" panose="02000503000000020004" pitchFamily="2" charset="0"/>
+                <a:ea typeface="Helvetica Neue" panose="02000503000000020004" pitchFamily="2" charset="0"/>
+                <a:cs typeface="Helvetica Neue" panose="02000503000000020004" pitchFamily="2" charset="0"/>
+              </a:rPr>
+            </a:br>
+            <a:r>
+              <a:rPr lang="en" altLang="ko-Kore-KR" b="1" dirty="0">
+                <a:solidFill>
+                  <a:srgbClr val="CF8E6D"/>
+                </a:solidFill>
+                <a:effectLst/>
+                <a:latin typeface="Helvetica Neue" panose="02000503000000020004" pitchFamily="2" charset="0"/>
+                <a:ea typeface="Helvetica Neue" panose="02000503000000020004" pitchFamily="2" charset="0"/>
+                <a:cs typeface="Helvetica Neue" panose="02000503000000020004" pitchFamily="2" charset="0"/>
+              </a:rPr>
+              <a:t>public class </a:t>
+            </a:r>
+            <a:r>
+              <a:rPr lang="en" altLang="ko-Kore-KR" b="1" dirty="0" err="1">
+                <a:solidFill>
+                  <a:srgbClr val="BCBEC4"/>
+                </a:solidFill>
+                <a:effectLst/>
+                <a:latin typeface="Helvetica Neue" panose="02000503000000020004" pitchFamily="2" charset="0"/>
+                <a:ea typeface="Helvetica Neue" panose="02000503000000020004" pitchFamily="2" charset="0"/>
+                <a:cs typeface="Helvetica Neue" panose="02000503000000020004" pitchFamily="2" charset="0"/>
+              </a:rPr>
+              <a:t>Todo</a:t>
+            </a:r>
+            <a:r>
+              <a:rPr lang="en" altLang="ko-Kore-KR" b="1" dirty="0">
+                <a:solidFill>
+                  <a:srgbClr val="BCBEC4"/>
+                </a:solidFill>
+                <a:effectLst/>
+                <a:latin typeface="Helvetica Neue" panose="02000503000000020004" pitchFamily="2" charset="0"/>
+                <a:ea typeface="Helvetica Neue" panose="02000503000000020004" pitchFamily="2" charset="0"/>
+                <a:cs typeface="Helvetica Neue" panose="02000503000000020004" pitchFamily="2" charset="0"/>
+              </a:rPr>
+              <a:t> {</a:t>
+            </a:r>
+            <a:br>
+              <a:rPr lang="en" altLang="ko-Kore-KR" b="1" dirty="0">
+                <a:solidFill>
+                  <a:srgbClr val="BCBEC4"/>
+                </a:solidFill>
+                <a:effectLst/>
+                <a:latin typeface="Helvetica Neue" panose="02000503000000020004" pitchFamily="2" charset="0"/>
+                <a:ea typeface="Helvetica Neue" panose="02000503000000020004" pitchFamily="2" charset="0"/>
+                <a:cs typeface="Helvetica Neue" panose="02000503000000020004" pitchFamily="2" charset="0"/>
+              </a:rPr>
+            </a:br>
+            <a:r>
+              <a:rPr lang="en" altLang="ko-Kore-KR" b="1" dirty="0">
+                <a:solidFill>
+                  <a:srgbClr val="BCBEC4"/>
+                </a:solidFill>
+                <a:effectLst/>
+                <a:latin typeface="Helvetica Neue" panose="02000503000000020004" pitchFamily="2" charset="0"/>
+                <a:ea typeface="Helvetica Neue" panose="02000503000000020004" pitchFamily="2" charset="0"/>
+                <a:cs typeface="Helvetica Neue" panose="02000503000000020004" pitchFamily="2" charset="0"/>
+              </a:rPr>
+              <a:t>    </a:t>
+            </a:r>
+            <a:r>
+              <a:rPr lang="en" altLang="ko-Kore-KR" b="1" dirty="0">
+                <a:solidFill>
+                  <a:srgbClr val="7A7E85"/>
+                </a:solidFill>
+                <a:effectLst/>
+                <a:latin typeface="Helvetica Neue" panose="02000503000000020004" pitchFamily="2" charset="0"/>
+                <a:ea typeface="Helvetica Neue" panose="02000503000000020004" pitchFamily="2" charset="0"/>
+                <a:cs typeface="Helvetica Neue" panose="02000503000000020004" pitchFamily="2" charset="0"/>
+              </a:rPr>
+              <a:t>// </a:t>
+            </a:r>
+            <a:r>
+              <a:rPr lang="en-US" altLang="ko-Kore-KR" b="1" dirty="0">
+                <a:solidFill>
+                  <a:srgbClr val="7A7E85"/>
+                </a:solidFill>
+                <a:effectLst/>
+                <a:latin typeface="Helvetica Neue" panose="02000503000000020004" pitchFamily="2" charset="0"/>
+                <a:ea typeface="Helvetica Neue" panose="02000503000000020004" pitchFamily="2" charset="0"/>
+                <a:cs typeface="Helvetica Neue" panose="02000503000000020004" pitchFamily="2" charset="0"/>
+              </a:rPr>
+              <a:t>E</a:t>
+            </a:r>
+            <a:r>
+              <a:rPr lang="en-US" altLang="ko-Kore-KR" b="1" dirty="0">
+                <a:solidFill>
+                  <a:srgbClr val="7A7E85"/>
+                </a:solidFill>
+                <a:latin typeface="Helvetica Neue" panose="02000503000000020004" pitchFamily="2" charset="0"/>
+                <a:ea typeface="Helvetica Neue" panose="02000503000000020004" pitchFamily="2" charset="0"/>
+                <a:cs typeface="Helvetica Neue" panose="02000503000000020004" pitchFamily="2" charset="0"/>
+              </a:rPr>
+              <a:t>ntity</a:t>
+            </a:r>
+            <a:r>
+              <a:rPr lang="ko-KR" altLang="en-US" b="1" dirty="0">
+                <a:solidFill>
+                  <a:srgbClr val="7A7E85"/>
+                </a:solidFill>
+                <a:effectLst/>
+                <a:latin typeface="Helvetica Neue" panose="02000503000000020004" pitchFamily="2" charset="0"/>
+                <a:cs typeface="Helvetica Neue" panose="02000503000000020004" pitchFamily="2" charset="0"/>
+              </a:rPr>
+              <a:t> </a:t>
+            </a:r>
+            <a:r>
+              <a:rPr lang="en-US" altLang="ko-KR" b="1" dirty="0">
+                <a:solidFill>
+                  <a:srgbClr val="7A7E85"/>
+                </a:solidFill>
+                <a:effectLst/>
+                <a:latin typeface="Helvetica Neue" panose="02000503000000020004" pitchFamily="2" charset="0"/>
+                <a:ea typeface="Helvetica Neue" panose="02000503000000020004" pitchFamily="2" charset="0"/>
+                <a:cs typeface="Helvetica Neue" panose="02000503000000020004" pitchFamily="2" charset="0"/>
+              </a:rPr>
+              <a:t>//</a:t>
+            </a:r>
+            <a:br>
+              <a:rPr lang="en-US" altLang="ko-KR" b="1" dirty="0">
+                <a:solidFill>
+                  <a:srgbClr val="7A7E85"/>
+                </a:solidFill>
+                <a:effectLst/>
+                <a:latin typeface="Helvetica Neue" panose="02000503000000020004" pitchFamily="2" charset="0"/>
+                <a:ea typeface="Helvetica Neue" panose="02000503000000020004" pitchFamily="2" charset="0"/>
+                <a:cs typeface="Helvetica Neue" panose="02000503000000020004" pitchFamily="2" charset="0"/>
+              </a:rPr>
+            </a:br>
+            <a:r>
+              <a:rPr lang="en-US" altLang="ko-KR" b="1" dirty="0">
+                <a:solidFill>
+                  <a:srgbClr val="7A7E85"/>
+                </a:solidFill>
+                <a:effectLst/>
+                <a:latin typeface="Helvetica Neue" panose="02000503000000020004" pitchFamily="2" charset="0"/>
+                <a:ea typeface="Helvetica Neue" panose="02000503000000020004" pitchFamily="2" charset="0"/>
+                <a:cs typeface="Helvetica Neue" panose="02000503000000020004" pitchFamily="2" charset="0"/>
+              </a:rPr>
+              <a:t>    // </a:t>
+            </a:r>
+            <a:r>
+              <a:rPr lang="ko-KR" altLang="en-US" b="1" dirty="0">
+                <a:solidFill>
+                  <a:srgbClr val="7A7E85"/>
+                </a:solidFill>
+                <a:effectLst/>
+                <a:latin typeface="Helvetica Neue" panose="02000503000000020004" pitchFamily="2" charset="0"/>
+                <a:cs typeface="Helvetica Neue" panose="02000503000000020004" pitchFamily="2" charset="0"/>
+              </a:rPr>
+              <a:t>실제 </a:t>
+            </a:r>
+            <a:r>
+              <a:rPr lang="en" altLang="ko-Kore-KR" b="1" dirty="0">
+                <a:solidFill>
+                  <a:srgbClr val="7A7E85"/>
+                </a:solidFill>
+                <a:effectLst/>
+                <a:latin typeface="Helvetica Neue" panose="02000503000000020004" pitchFamily="2" charset="0"/>
+                <a:ea typeface="Helvetica Neue" panose="02000503000000020004" pitchFamily="2" charset="0"/>
+                <a:cs typeface="Helvetica Neue" panose="02000503000000020004" pitchFamily="2" charset="0"/>
+              </a:rPr>
+              <a:t>DB</a:t>
+            </a:r>
+            <a:r>
+              <a:rPr lang="ko-KR" altLang="en-US" b="1" dirty="0">
+                <a:solidFill>
+                  <a:srgbClr val="7A7E85"/>
+                </a:solidFill>
+                <a:effectLst/>
+                <a:latin typeface="Helvetica Neue" panose="02000503000000020004" pitchFamily="2" charset="0"/>
+                <a:cs typeface="Helvetica Neue" panose="02000503000000020004" pitchFamily="2" charset="0"/>
+              </a:rPr>
+              <a:t>와 </a:t>
+            </a:r>
+            <a:r>
+              <a:rPr lang="en-US" altLang="ko-KR" b="1" dirty="0">
+                <a:solidFill>
+                  <a:srgbClr val="7A7E85"/>
+                </a:solidFill>
+                <a:effectLst/>
+                <a:latin typeface="Helvetica Neue" panose="02000503000000020004" pitchFamily="2" charset="0"/>
+                <a:ea typeface="Helvetica Neue" panose="02000503000000020004" pitchFamily="2" charset="0"/>
+                <a:cs typeface="Helvetica Neue" panose="02000503000000020004" pitchFamily="2" charset="0"/>
+              </a:rPr>
+              <a:t>1:1 </a:t>
+            </a:r>
+            <a:r>
+              <a:rPr lang="ko-KR" altLang="en-US" b="1" dirty="0">
+                <a:solidFill>
+                  <a:srgbClr val="7A7E85"/>
+                </a:solidFill>
+                <a:effectLst/>
+                <a:latin typeface="Helvetica Neue" panose="02000503000000020004" pitchFamily="2" charset="0"/>
+                <a:cs typeface="Helvetica Neue" panose="02000503000000020004" pitchFamily="2" charset="0"/>
+              </a:rPr>
+              <a:t>로 매칭되는 자바 클래스</a:t>
+            </a:r>
+            <a:br>
+              <a:rPr lang="ko-KR" altLang="en-US" b="1" dirty="0">
+                <a:solidFill>
+                  <a:srgbClr val="7A7E85"/>
+                </a:solidFill>
+                <a:effectLst/>
+                <a:latin typeface="Helvetica Neue" panose="02000503000000020004" pitchFamily="2" charset="0"/>
+                <a:cs typeface="Helvetica Neue" panose="02000503000000020004" pitchFamily="2" charset="0"/>
+              </a:rPr>
+            </a:br>
+            <a:r>
+              <a:rPr lang="ko-KR" altLang="en-US" b="1" dirty="0">
+                <a:solidFill>
+                  <a:srgbClr val="7A7E85"/>
+                </a:solidFill>
+                <a:effectLst/>
+                <a:latin typeface="Helvetica Neue" panose="02000503000000020004" pitchFamily="2" charset="0"/>
+                <a:cs typeface="Helvetica Neue" panose="02000503000000020004" pitchFamily="2" charset="0"/>
+              </a:rPr>
+              <a:t>    </a:t>
+            </a:r>
+            <a:r>
+              <a:rPr lang="en-US" altLang="ko-KR" b="1" dirty="0">
+                <a:solidFill>
+                  <a:srgbClr val="7A7E85"/>
+                </a:solidFill>
+                <a:effectLst/>
+                <a:latin typeface="Helvetica Neue" panose="02000503000000020004" pitchFamily="2" charset="0"/>
+                <a:ea typeface="Helvetica Neue" panose="02000503000000020004" pitchFamily="2" charset="0"/>
+                <a:cs typeface="Helvetica Neue" panose="02000503000000020004" pitchFamily="2" charset="0"/>
+              </a:rPr>
+              <a:t>// </a:t>
+            </a:r>
+            <a:r>
+              <a:rPr lang="ko-KR" altLang="en-US" b="1" dirty="0">
+                <a:solidFill>
+                  <a:srgbClr val="7A7E85"/>
+                </a:solidFill>
+                <a:effectLst/>
+                <a:latin typeface="Helvetica Neue" panose="02000503000000020004" pitchFamily="2" charset="0"/>
+                <a:cs typeface="Helvetica Neue" panose="02000503000000020004" pitchFamily="2" charset="0"/>
+              </a:rPr>
+              <a:t>데이터베이스의 기본키는 </a:t>
+            </a:r>
+            <a:r>
+              <a:rPr lang="en-US" altLang="ko-KR" b="1" dirty="0">
+                <a:solidFill>
+                  <a:srgbClr val="7A7E85"/>
+                </a:solidFill>
+                <a:effectLst/>
+                <a:latin typeface="Helvetica Neue" panose="02000503000000020004" pitchFamily="2" charset="0"/>
+                <a:ea typeface="Helvetica Neue" panose="02000503000000020004" pitchFamily="2" charset="0"/>
+                <a:cs typeface="Helvetica Neue" panose="02000503000000020004" pitchFamily="2" charset="0"/>
+              </a:rPr>
+              <a:t>@</a:t>
+            </a:r>
+            <a:r>
+              <a:rPr lang="en" altLang="ko-Kore-KR" b="1" dirty="0">
+                <a:solidFill>
+                  <a:srgbClr val="7A7E85"/>
+                </a:solidFill>
+                <a:effectLst/>
+                <a:latin typeface="Helvetica Neue" panose="02000503000000020004" pitchFamily="2" charset="0"/>
+                <a:ea typeface="Helvetica Neue" panose="02000503000000020004" pitchFamily="2" charset="0"/>
+                <a:cs typeface="Helvetica Neue" panose="02000503000000020004" pitchFamily="2" charset="0"/>
+              </a:rPr>
+              <a:t>ID</a:t>
+            </a:r>
+            <a:r>
+              <a:rPr lang="ko-KR" altLang="en-US" b="1" dirty="0">
+                <a:solidFill>
+                  <a:srgbClr val="7A7E85"/>
+                </a:solidFill>
+                <a:effectLst/>
+                <a:latin typeface="Helvetica Neue" panose="02000503000000020004" pitchFamily="2" charset="0"/>
+                <a:ea typeface="Helvetica Neue" panose="02000503000000020004" pitchFamily="2" charset="0"/>
+                <a:cs typeface="Helvetica Neue" panose="02000503000000020004" pitchFamily="2" charset="0"/>
+              </a:rPr>
+              <a:t> </a:t>
+            </a:r>
+            <a:r>
+              <a:rPr lang="en" altLang="ko-Kore-KR" b="1" dirty="0">
+                <a:solidFill>
+                  <a:srgbClr val="7A7E85"/>
+                </a:solidFill>
+                <a:effectLst/>
+                <a:latin typeface="Helvetica Neue" panose="02000503000000020004" pitchFamily="2" charset="0"/>
+                <a:ea typeface="Helvetica Neue" panose="02000503000000020004" pitchFamily="2" charset="0"/>
+                <a:cs typeface="Helvetica Neue" panose="02000503000000020004" pitchFamily="2" charset="0"/>
+              </a:rPr>
+              <a:t> </a:t>
+            </a:r>
+            <a:r>
+              <a:rPr lang="ko-KR" altLang="en-US" b="1" dirty="0">
+                <a:solidFill>
+                  <a:srgbClr val="7A7E85"/>
+                </a:solidFill>
+                <a:effectLst/>
+                <a:latin typeface="Helvetica Neue" panose="02000503000000020004" pitchFamily="2" charset="0"/>
+                <a:cs typeface="Helvetica Neue" panose="02000503000000020004" pitchFamily="2" charset="0"/>
+              </a:rPr>
+              <a:t>에 매핑</a:t>
+            </a:r>
+            <a:br>
+              <a:rPr lang="ko-KR" altLang="en-US" b="1" dirty="0">
+                <a:solidFill>
+                  <a:srgbClr val="7A7E85"/>
+                </a:solidFill>
+                <a:effectLst/>
+                <a:latin typeface="Helvetica Neue" panose="02000503000000020004" pitchFamily="2" charset="0"/>
+                <a:cs typeface="Helvetica Neue" panose="02000503000000020004" pitchFamily="2" charset="0"/>
+              </a:rPr>
+            </a:br>
+            <a:r>
+              <a:rPr lang="ko-KR" altLang="en-US" b="1" dirty="0">
+                <a:solidFill>
+                  <a:srgbClr val="7A7E85"/>
+                </a:solidFill>
+                <a:effectLst/>
+                <a:latin typeface="Helvetica Neue" panose="02000503000000020004" pitchFamily="2" charset="0"/>
+                <a:cs typeface="Helvetica Neue" panose="02000503000000020004" pitchFamily="2" charset="0"/>
+              </a:rPr>
+              <a:t>    </a:t>
+            </a:r>
+            <a:r>
+              <a:rPr lang="en" altLang="ko-Kore-KR" b="1" dirty="0">
+                <a:solidFill>
+                  <a:srgbClr val="CF8E6D"/>
+                </a:solidFill>
+                <a:effectLst/>
+                <a:latin typeface="Helvetica Neue" panose="02000503000000020004" pitchFamily="2" charset="0"/>
+                <a:ea typeface="Helvetica Neue" panose="02000503000000020004" pitchFamily="2" charset="0"/>
+                <a:cs typeface="Helvetica Neue" panose="02000503000000020004" pitchFamily="2" charset="0"/>
+              </a:rPr>
+              <a:t>public </a:t>
+            </a:r>
+            <a:r>
+              <a:rPr lang="en" altLang="ko-Kore-KR" b="1" dirty="0" err="1">
+                <a:solidFill>
+                  <a:srgbClr val="56A8F5"/>
+                </a:solidFill>
+                <a:effectLst/>
+                <a:latin typeface="Helvetica Neue" panose="02000503000000020004" pitchFamily="2" charset="0"/>
+                <a:ea typeface="Helvetica Neue" panose="02000503000000020004" pitchFamily="2" charset="0"/>
+                <a:cs typeface="Helvetica Neue" panose="02000503000000020004" pitchFamily="2" charset="0"/>
+              </a:rPr>
+              <a:t>Todo</a:t>
+            </a:r>
+            <a:r>
+              <a:rPr lang="en" altLang="ko-Kore-KR" b="1" dirty="0">
+                <a:solidFill>
+                  <a:srgbClr val="BCBEC4"/>
+                </a:solidFill>
+                <a:effectLst/>
+                <a:latin typeface="Helvetica Neue" panose="02000503000000020004" pitchFamily="2" charset="0"/>
+                <a:ea typeface="Helvetica Neue" panose="02000503000000020004" pitchFamily="2" charset="0"/>
+                <a:cs typeface="Helvetica Neue" panose="02000503000000020004" pitchFamily="2" charset="0"/>
+              </a:rPr>
+              <a:t>() {</a:t>
+            </a:r>
+            <a:br>
+              <a:rPr lang="en" altLang="ko-Kore-KR" b="1" dirty="0">
+                <a:solidFill>
+                  <a:srgbClr val="BCBEC4"/>
+                </a:solidFill>
+                <a:effectLst/>
+                <a:latin typeface="Helvetica Neue" panose="02000503000000020004" pitchFamily="2" charset="0"/>
+                <a:ea typeface="Helvetica Neue" panose="02000503000000020004" pitchFamily="2" charset="0"/>
+                <a:cs typeface="Helvetica Neue" panose="02000503000000020004" pitchFamily="2" charset="0"/>
+              </a:rPr>
+            </a:br>
+            <a:br>
+              <a:rPr lang="en" altLang="ko-Kore-KR" b="1" dirty="0">
+                <a:solidFill>
+                  <a:srgbClr val="BCBEC4"/>
+                </a:solidFill>
+                <a:effectLst/>
+                <a:latin typeface="Helvetica Neue" panose="02000503000000020004" pitchFamily="2" charset="0"/>
+                <a:ea typeface="Helvetica Neue" panose="02000503000000020004" pitchFamily="2" charset="0"/>
+                <a:cs typeface="Helvetica Neue" panose="02000503000000020004" pitchFamily="2" charset="0"/>
+              </a:rPr>
+            </a:br>
+            <a:r>
+              <a:rPr lang="en" altLang="ko-Kore-KR" b="1" dirty="0">
+                <a:solidFill>
+                  <a:srgbClr val="BCBEC4"/>
+                </a:solidFill>
+                <a:effectLst/>
+                <a:latin typeface="Helvetica Neue" panose="02000503000000020004" pitchFamily="2" charset="0"/>
+                <a:ea typeface="Helvetica Neue" panose="02000503000000020004" pitchFamily="2" charset="0"/>
+                <a:cs typeface="Helvetica Neue" panose="02000503000000020004" pitchFamily="2" charset="0"/>
+              </a:rPr>
+              <a:t>    }</a:t>
+            </a:r>
+            <a:br>
+              <a:rPr lang="en" altLang="ko-Kore-KR" b="1" dirty="0">
+                <a:solidFill>
+                  <a:srgbClr val="BCBEC4"/>
+                </a:solidFill>
+                <a:effectLst/>
+                <a:latin typeface="Helvetica Neue" panose="02000503000000020004" pitchFamily="2" charset="0"/>
+                <a:ea typeface="Helvetica Neue" panose="02000503000000020004" pitchFamily="2" charset="0"/>
+                <a:cs typeface="Helvetica Neue" panose="02000503000000020004" pitchFamily="2" charset="0"/>
+              </a:rPr>
+            </a:br>
+            <a:br>
+              <a:rPr lang="en" altLang="ko-Kore-KR" b="1" dirty="0">
+                <a:solidFill>
+                  <a:srgbClr val="BCBEC4"/>
+                </a:solidFill>
+                <a:effectLst/>
+                <a:latin typeface="Helvetica Neue" panose="02000503000000020004" pitchFamily="2" charset="0"/>
+                <a:ea typeface="Helvetica Neue" panose="02000503000000020004" pitchFamily="2" charset="0"/>
+                <a:cs typeface="Helvetica Neue" panose="02000503000000020004" pitchFamily="2" charset="0"/>
+              </a:rPr>
+            </a:br>
+            <a:r>
+              <a:rPr lang="en" altLang="ko-Kore-KR" b="1" dirty="0">
+                <a:solidFill>
+                  <a:srgbClr val="BCBEC4"/>
+                </a:solidFill>
+                <a:effectLst/>
+                <a:latin typeface="Helvetica Neue" panose="02000503000000020004" pitchFamily="2" charset="0"/>
+                <a:ea typeface="Helvetica Neue" panose="02000503000000020004" pitchFamily="2" charset="0"/>
+                <a:cs typeface="Helvetica Neue" panose="02000503000000020004" pitchFamily="2" charset="0"/>
+              </a:rPr>
+              <a:t>    </a:t>
+            </a:r>
+            <a:r>
+              <a:rPr lang="en" altLang="ko-Kore-KR" b="1" dirty="0">
+                <a:solidFill>
+                  <a:srgbClr val="CF8E6D"/>
+                </a:solidFill>
+                <a:effectLst/>
+                <a:latin typeface="Helvetica Neue" panose="02000503000000020004" pitchFamily="2" charset="0"/>
+                <a:ea typeface="Helvetica Neue" panose="02000503000000020004" pitchFamily="2" charset="0"/>
+                <a:cs typeface="Helvetica Neue" panose="02000503000000020004" pitchFamily="2" charset="0"/>
+              </a:rPr>
+              <a:t>public </a:t>
+            </a:r>
+            <a:r>
+              <a:rPr lang="en" altLang="ko-Kore-KR" b="1" dirty="0" err="1">
+                <a:solidFill>
+                  <a:srgbClr val="56A8F5"/>
+                </a:solidFill>
+                <a:effectLst/>
+                <a:latin typeface="Helvetica Neue" panose="02000503000000020004" pitchFamily="2" charset="0"/>
+                <a:ea typeface="Helvetica Neue" panose="02000503000000020004" pitchFamily="2" charset="0"/>
+                <a:cs typeface="Helvetica Neue" panose="02000503000000020004" pitchFamily="2" charset="0"/>
+              </a:rPr>
+              <a:t>Todo</a:t>
+            </a:r>
+            <a:r>
+              <a:rPr lang="en" altLang="ko-Kore-KR" b="1" dirty="0">
+                <a:solidFill>
+                  <a:srgbClr val="BCBEC4"/>
+                </a:solidFill>
+                <a:effectLst/>
+                <a:latin typeface="Helvetica Neue" panose="02000503000000020004" pitchFamily="2" charset="0"/>
+                <a:ea typeface="Helvetica Neue" panose="02000503000000020004" pitchFamily="2" charset="0"/>
+                <a:cs typeface="Helvetica Neue" panose="02000503000000020004" pitchFamily="2" charset="0"/>
+              </a:rPr>
+              <a:t>(</a:t>
+            </a:r>
+            <a:r>
+              <a:rPr lang="en" altLang="ko-Kore-KR" b="1" dirty="0">
+                <a:solidFill>
+                  <a:srgbClr val="CF8E6D"/>
+                </a:solidFill>
+                <a:effectLst/>
+                <a:latin typeface="Helvetica Neue" panose="02000503000000020004" pitchFamily="2" charset="0"/>
+                <a:ea typeface="Helvetica Neue" panose="02000503000000020004" pitchFamily="2" charset="0"/>
+                <a:cs typeface="Helvetica Neue" panose="02000503000000020004" pitchFamily="2" charset="0"/>
+              </a:rPr>
+              <a:t>int </a:t>
+            </a:r>
+            <a:r>
+              <a:rPr lang="en" altLang="ko-Kore-KR" b="1" dirty="0">
+                <a:solidFill>
+                  <a:srgbClr val="BCBEC4"/>
+                </a:solidFill>
+                <a:effectLst/>
+                <a:latin typeface="Helvetica Neue" panose="02000503000000020004" pitchFamily="2" charset="0"/>
+                <a:ea typeface="Helvetica Neue" panose="02000503000000020004" pitchFamily="2" charset="0"/>
+                <a:cs typeface="Helvetica Neue" panose="02000503000000020004" pitchFamily="2" charset="0"/>
+              </a:rPr>
+              <a:t>id, String username, String description, </a:t>
+            </a:r>
+            <a:r>
+              <a:rPr lang="en" altLang="ko-Kore-KR" b="1" dirty="0" err="1">
+                <a:solidFill>
+                  <a:srgbClr val="BCBEC4"/>
+                </a:solidFill>
+                <a:effectLst/>
+                <a:latin typeface="Helvetica Neue" panose="02000503000000020004" pitchFamily="2" charset="0"/>
+                <a:ea typeface="Helvetica Neue" panose="02000503000000020004" pitchFamily="2" charset="0"/>
+                <a:cs typeface="Helvetica Neue" panose="02000503000000020004" pitchFamily="2" charset="0"/>
+              </a:rPr>
+              <a:t>LocalDate</a:t>
+            </a:r>
+            <a:r>
+              <a:rPr lang="en" altLang="ko-Kore-KR" b="1" dirty="0">
+                <a:solidFill>
+                  <a:srgbClr val="BCBEC4"/>
+                </a:solidFill>
+                <a:effectLst/>
+                <a:latin typeface="Helvetica Neue" panose="02000503000000020004" pitchFamily="2" charset="0"/>
+                <a:ea typeface="Helvetica Neue" panose="02000503000000020004" pitchFamily="2" charset="0"/>
+                <a:cs typeface="Helvetica Neue" panose="02000503000000020004" pitchFamily="2" charset="0"/>
+              </a:rPr>
+              <a:t> </a:t>
+            </a:r>
+            <a:r>
+              <a:rPr lang="en" altLang="ko-Kore-KR" b="1" dirty="0" err="1">
+                <a:solidFill>
+                  <a:srgbClr val="BCBEC4"/>
+                </a:solidFill>
+                <a:effectLst/>
+                <a:latin typeface="Helvetica Neue" panose="02000503000000020004" pitchFamily="2" charset="0"/>
+                <a:ea typeface="Helvetica Neue" panose="02000503000000020004" pitchFamily="2" charset="0"/>
+                <a:cs typeface="Helvetica Neue" panose="02000503000000020004" pitchFamily="2" charset="0"/>
+              </a:rPr>
+              <a:t>targetDate</a:t>
+            </a:r>
+            <a:r>
+              <a:rPr lang="en" altLang="ko-Kore-KR" b="1" dirty="0">
+                <a:solidFill>
+                  <a:srgbClr val="BCBEC4"/>
+                </a:solidFill>
+                <a:effectLst/>
+                <a:latin typeface="Helvetica Neue" panose="02000503000000020004" pitchFamily="2" charset="0"/>
+                <a:ea typeface="Helvetica Neue" panose="02000503000000020004" pitchFamily="2" charset="0"/>
+                <a:cs typeface="Helvetica Neue" panose="02000503000000020004" pitchFamily="2" charset="0"/>
+              </a:rPr>
+              <a:t>, </a:t>
+            </a:r>
+            <a:r>
+              <a:rPr lang="en" altLang="ko-Kore-KR" b="1" dirty="0" err="1">
+                <a:solidFill>
+                  <a:srgbClr val="CF8E6D"/>
+                </a:solidFill>
+                <a:effectLst/>
+                <a:latin typeface="Helvetica Neue" panose="02000503000000020004" pitchFamily="2" charset="0"/>
+                <a:ea typeface="Helvetica Neue" panose="02000503000000020004" pitchFamily="2" charset="0"/>
+                <a:cs typeface="Helvetica Neue" panose="02000503000000020004" pitchFamily="2" charset="0"/>
+              </a:rPr>
+              <a:t>boolean</a:t>
+            </a:r>
+            <a:r>
+              <a:rPr lang="en" altLang="ko-Kore-KR" b="1" dirty="0">
+                <a:solidFill>
+                  <a:srgbClr val="CF8E6D"/>
+                </a:solidFill>
+                <a:effectLst/>
+                <a:latin typeface="Helvetica Neue" panose="02000503000000020004" pitchFamily="2" charset="0"/>
+                <a:ea typeface="Helvetica Neue" panose="02000503000000020004" pitchFamily="2" charset="0"/>
+                <a:cs typeface="Helvetica Neue" panose="02000503000000020004" pitchFamily="2" charset="0"/>
+              </a:rPr>
+              <a:t> </a:t>
+            </a:r>
+            <a:r>
+              <a:rPr lang="en" altLang="ko-Kore-KR" b="1" dirty="0">
+                <a:solidFill>
+                  <a:srgbClr val="BCBEC4"/>
+                </a:solidFill>
+                <a:effectLst/>
+                <a:latin typeface="Helvetica Neue" panose="02000503000000020004" pitchFamily="2" charset="0"/>
+                <a:ea typeface="Helvetica Neue" panose="02000503000000020004" pitchFamily="2" charset="0"/>
+                <a:cs typeface="Helvetica Neue" panose="02000503000000020004" pitchFamily="2" charset="0"/>
+              </a:rPr>
+              <a:t>done) {</a:t>
+            </a:r>
+            <a:br>
+              <a:rPr lang="en" altLang="ko-Kore-KR" b="1" dirty="0">
+                <a:solidFill>
+                  <a:srgbClr val="BCBEC4"/>
+                </a:solidFill>
+                <a:effectLst/>
+                <a:latin typeface="Helvetica Neue" panose="02000503000000020004" pitchFamily="2" charset="0"/>
+                <a:ea typeface="Helvetica Neue" panose="02000503000000020004" pitchFamily="2" charset="0"/>
+                <a:cs typeface="Helvetica Neue" panose="02000503000000020004" pitchFamily="2" charset="0"/>
+              </a:rPr>
+            </a:br>
+            <a:r>
+              <a:rPr lang="en" altLang="ko-Kore-KR" b="1" dirty="0">
+                <a:solidFill>
+                  <a:srgbClr val="BCBEC4"/>
+                </a:solidFill>
+                <a:effectLst/>
+                <a:latin typeface="Helvetica Neue" panose="02000503000000020004" pitchFamily="2" charset="0"/>
+                <a:ea typeface="Helvetica Neue" panose="02000503000000020004" pitchFamily="2" charset="0"/>
+                <a:cs typeface="Helvetica Neue" panose="02000503000000020004" pitchFamily="2" charset="0"/>
+              </a:rPr>
+              <a:t>        </a:t>
+            </a:r>
+            <a:r>
+              <a:rPr lang="en" altLang="ko-Kore-KR" b="1" dirty="0">
+                <a:solidFill>
+                  <a:srgbClr val="CF8E6D"/>
+                </a:solidFill>
+                <a:effectLst/>
+                <a:latin typeface="Helvetica Neue" panose="02000503000000020004" pitchFamily="2" charset="0"/>
+                <a:ea typeface="Helvetica Neue" panose="02000503000000020004" pitchFamily="2" charset="0"/>
+                <a:cs typeface="Helvetica Neue" panose="02000503000000020004" pitchFamily="2" charset="0"/>
+              </a:rPr>
+              <a:t>super</a:t>
+            </a:r>
+            <a:r>
+              <a:rPr lang="en" altLang="ko-Kore-KR" b="1" dirty="0">
+                <a:solidFill>
+                  <a:srgbClr val="BCBEC4"/>
+                </a:solidFill>
+                <a:effectLst/>
+                <a:latin typeface="Helvetica Neue" panose="02000503000000020004" pitchFamily="2" charset="0"/>
+                <a:ea typeface="Helvetica Neue" panose="02000503000000020004" pitchFamily="2" charset="0"/>
+                <a:cs typeface="Helvetica Neue" panose="02000503000000020004" pitchFamily="2" charset="0"/>
+              </a:rPr>
+              <a:t>();</a:t>
+            </a:r>
+            <a:br>
+              <a:rPr lang="en" altLang="ko-Kore-KR" b="1" dirty="0">
+                <a:solidFill>
+                  <a:srgbClr val="BCBEC4"/>
+                </a:solidFill>
+                <a:effectLst/>
+                <a:latin typeface="Helvetica Neue" panose="02000503000000020004" pitchFamily="2" charset="0"/>
+                <a:ea typeface="Helvetica Neue" panose="02000503000000020004" pitchFamily="2" charset="0"/>
+                <a:cs typeface="Helvetica Neue" panose="02000503000000020004" pitchFamily="2" charset="0"/>
+              </a:rPr>
+            </a:br>
+            <a:r>
+              <a:rPr lang="en" altLang="ko-Kore-KR" b="1" dirty="0">
+                <a:solidFill>
+                  <a:srgbClr val="BCBEC4"/>
+                </a:solidFill>
+                <a:effectLst/>
+                <a:latin typeface="Helvetica Neue" panose="02000503000000020004" pitchFamily="2" charset="0"/>
+                <a:ea typeface="Helvetica Neue" panose="02000503000000020004" pitchFamily="2" charset="0"/>
+                <a:cs typeface="Helvetica Neue" panose="02000503000000020004" pitchFamily="2" charset="0"/>
+              </a:rPr>
+              <a:t>        </a:t>
+            </a:r>
+            <a:r>
+              <a:rPr lang="en" altLang="ko-Kore-KR" b="1" dirty="0" err="1">
+                <a:solidFill>
+                  <a:srgbClr val="CF8E6D"/>
+                </a:solidFill>
+                <a:effectLst/>
+                <a:latin typeface="Helvetica Neue" panose="02000503000000020004" pitchFamily="2" charset="0"/>
+                <a:ea typeface="Helvetica Neue" panose="02000503000000020004" pitchFamily="2" charset="0"/>
+                <a:cs typeface="Helvetica Neue" panose="02000503000000020004" pitchFamily="2" charset="0"/>
+              </a:rPr>
+              <a:t>this</a:t>
+            </a:r>
+            <a:r>
+              <a:rPr lang="en" altLang="ko-Kore-KR" b="1" dirty="0" err="1">
+                <a:solidFill>
+                  <a:srgbClr val="BCBEC4"/>
+                </a:solidFill>
+                <a:effectLst/>
+                <a:latin typeface="Helvetica Neue" panose="02000503000000020004" pitchFamily="2" charset="0"/>
+                <a:ea typeface="Helvetica Neue" panose="02000503000000020004" pitchFamily="2" charset="0"/>
+                <a:cs typeface="Helvetica Neue" panose="02000503000000020004" pitchFamily="2" charset="0"/>
+              </a:rPr>
+              <a:t>.</a:t>
+            </a:r>
+            <a:r>
+              <a:rPr lang="en" altLang="ko-Kore-KR" b="1" dirty="0" err="1">
+                <a:solidFill>
+                  <a:srgbClr val="C77DBB"/>
+                </a:solidFill>
+                <a:effectLst/>
+                <a:latin typeface="Helvetica Neue" panose="02000503000000020004" pitchFamily="2" charset="0"/>
+                <a:ea typeface="Helvetica Neue" panose="02000503000000020004" pitchFamily="2" charset="0"/>
+                <a:cs typeface="Helvetica Neue" panose="02000503000000020004" pitchFamily="2" charset="0"/>
+              </a:rPr>
+              <a:t>id</a:t>
+            </a:r>
+            <a:r>
+              <a:rPr lang="en" altLang="ko-Kore-KR" b="1" dirty="0">
+                <a:solidFill>
+                  <a:srgbClr val="C77DBB"/>
+                </a:solidFill>
+                <a:effectLst/>
+                <a:latin typeface="Helvetica Neue" panose="02000503000000020004" pitchFamily="2" charset="0"/>
+                <a:ea typeface="Helvetica Neue" panose="02000503000000020004" pitchFamily="2" charset="0"/>
+                <a:cs typeface="Helvetica Neue" panose="02000503000000020004" pitchFamily="2" charset="0"/>
+              </a:rPr>
+              <a:t> </a:t>
+            </a:r>
+            <a:r>
+              <a:rPr lang="en" altLang="ko-Kore-KR" b="1" dirty="0">
+                <a:solidFill>
+                  <a:srgbClr val="BCBEC4"/>
+                </a:solidFill>
+                <a:effectLst/>
+                <a:latin typeface="Helvetica Neue" panose="02000503000000020004" pitchFamily="2" charset="0"/>
+                <a:ea typeface="Helvetica Neue" panose="02000503000000020004" pitchFamily="2" charset="0"/>
+                <a:cs typeface="Helvetica Neue" panose="02000503000000020004" pitchFamily="2" charset="0"/>
+              </a:rPr>
+              <a:t>= id;</a:t>
+            </a:r>
+            <a:br>
+              <a:rPr lang="en" altLang="ko-Kore-KR" b="1" dirty="0">
+                <a:solidFill>
+                  <a:srgbClr val="BCBEC4"/>
+                </a:solidFill>
+                <a:effectLst/>
+                <a:latin typeface="Helvetica Neue" panose="02000503000000020004" pitchFamily="2" charset="0"/>
+                <a:ea typeface="Helvetica Neue" panose="02000503000000020004" pitchFamily="2" charset="0"/>
+                <a:cs typeface="Helvetica Neue" panose="02000503000000020004" pitchFamily="2" charset="0"/>
+              </a:rPr>
+            </a:br>
+            <a:r>
+              <a:rPr lang="en" altLang="ko-Kore-KR" b="1" dirty="0">
+                <a:solidFill>
+                  <a:srgbClr val="BCBEC4"/>
+                </a:solidFill>
+                <a:effectLst/>
+                <a:latin typeface="Helvetica Neue" panose="02000503000000020004" pitchFamily="2" charset="0"/>
+                <a:ea typeface="Helvetica Neue" panose="02000503000000020004" pitchFamily="2" charset="0"/>
+                <a:cs typeface="Helvetica Neue" panose="02000503000000020004" pitchFamily="2" charset="0"/>
+              </a:rPr>
+              <a:t>        </a:t>
+            </a:r>
+            <a:r>
+              <a:rPr lang="en" altLang="ko-Kore-KR" b="1" dirty="0" err="1">
+                <a:solidFill>
+                  <a:srgbClr val="CF8E6D"/>
+                </a:solidFill>
+                <a:effectLst/>
+                <a:latin typeface="Helvetica Neue" panose="02000503000000020004" pitchFamily="2" charset="0"/>
+                <a:ea typeface="Helvetica Neue" panose="02000503000000020004" pitchFamily="2" charset="0"/>
+                <a:cs typeface="Helvetica Neue" panose="02000503000000020004" pitchFamily="2" charset="0"/>
+              </a:rPr>
+              <a:t>this</a:t>
+            </a:r>
+            <a:r>
+              <a:rPr lang="en" altLang="ko-Kore-KR" b="1" dirty="0" err="1">
+                <a:solidFill>
+                  <a:srgbClr val="BCBEC4"/>
+                </a:solidFill>
+                <a:effectLst/>
+                <a:latin typeface="Helvetica Neue" panose="02000503000000020004" pitchFamily="2" charset="0"/>
+                <a:ea typeface="Helvetica Neue" panose="02000503000000020004" pitchFamily="2" charset="0"/>
+                <a:cs typeface="Helvetica Neue" panose="02000503000000020004" pitchFamily="2" charset="0"/>
+              </a:rPr>
+              <a:t>.</a:t>
+            </a:r>
+            <a:r>
+              <a:rPr lang="en" altLang="ko-Kore-KR" b="1" dirty="0" err="1">
+                <a:solidFill>
+                  <a:srgbClr val="C77DBB"/>
+                </a:solidFill>
+                <a:effectLst/>
+                <a:latin typeface="Helvetica Neue" panose="02000503000000020004" pitchFamily="2" charset="0"/>
+                <a:ea typeface="Helvetica Neue" panose="02000503000000020004" pitchFamily="2" charset="0"/>
+                <a:cs typeface="Helvetica Neue" panose="02000503000000020004" pitchFamily="2" charset="0"/>
+              </a:rPr>
+              <a:t>username</a:t>
+            </a:r>
+            <a:r>
+              <a:rPr lang="en" altLang="ko-Kore-KR" b="1" dirty="0">
+                <a:solidFill>
+                  <a:srgbClr val="C77DBB"/>
+                </a:solidFill>
+                <a:effectLst/>
+                <a:latin typeface="Helvetica Neue" panose="02000503000000020004" pitchFamily="2" charset="0"/>
+                <a:ea typeface="Helvetica Neue" panose="02000503000000020004" pitchFamily="2" charset="0"/>
+                <a:cs typeface="Helvetica Neue" panose="02000503000000020004" pitchFamily="2" charset="0"/>
+              </a:rPr>
+              <a:t> </a:t>
+            </a:r>
+            <a:r>
+              <a:rPr lang="en" altLang="ko-Kore-KR" b="1" dirty="0">
+                <a:solidFill>
+                  <a:srgbClr val="BCBEC4"/>
+                </a:solidFill>
+                <a:effectLst/>
+                <a:latin typeface="Helvetica Neue" panose="02000503000000020004" pitchFamily="2" charset="0"/>
+                <a:ea typeface="Helvetica Neue" panose="02000503000000020004" pitchFamily="2" charset="0"/>
+                <a:cs typeface="Helvetica Neue" panose="02000503000000020004" pitchFamily="2" charset="0"/>
+              </a:rPr>
+              <a:t>= username;</a:t>
+            </a:r>
+            <a:br>
+              <a:rPr lang="en" altLang="ko-Kore-KR" b="1" dirty="0">
+                <a:solidFill>
+                  <a:srgbClr val="BCBEC4"/>
+                </a:solidFill>
+                <a:effectLst/>
+                <a:latin typeface="Helvetica Neue" panose="02000503000000020004" pitchFamily="2" charset="0"/>
+                <a:ea typeface="Helvetica Neue" panose="02000503000000020004" pitchFamily="2" charset="0"/>
+                <a:cs typeface="Helvetica Neue" panose="02000503000000020004" pitchFamily="2" charset="0"/>
+              </a:rPr>
+            </a:br>
+            <a:r>
+              <a:rPr lang="en" altLang="ko-Kore-KR" b="1" dirty="0">
+                <a:solidFill>
+                  <a:srgbClr val="BCBEC4"/>
+                </a:solidFill>
+                <a:effectLst/>
+                <a:latin typeface="Helvetica Neue" panose="02000503000000020004" pitchFamily="2" charset="0"/>
+                <a:ea typeface="Helvetica Neue" panose="02000503000000020004" pitchFamily="2" charset="0"/>
+                <a:cs typeface="Helvetica Neue" panose="02000503000000020004" pitchFamily="2" charset="0"/>
+              </a:rPr>
+              <a:t>        </a:t>
+            </a:r>
+            <a:r>
+              <a:rPr lang="en" altLang="ko-Kore-KR" b="1" dirty="0" err="1">
+                <a:solidFill>
+                  <a:srgbClr val="CF8E6D"/>
+                </a:solidFill>
+                <a:effectLst/>
+                <a:latin typeface="Helvetica Neue" panose="02000503000000020004" pitchFamily="2" charset="0"/>
+                <a:ea typeface="Helvetica Neue" panose="02000503000000020004" pitchFamily="2" charset="0"/>
+                <a:cs typeface="Helvetica Neue" panose="02000503000000020004" pitchFamily="2" charset="0"/>
+              </a:rPr>
+              <a:t>this</a:t>
+            </a:r>
+            <a:r>
+              <a:rPr lang="en" altLang="ko-Kore-KR" b="1" dirty="0" err="1">
+                <a:solidFill>
+                  <a:srgbClr val="BCBEC4"/>
+                </a:solidFill>
+                <a:effectLst/>
+                <a:latin typeface="Helvetica Neue" panose="02000503000000020004" pitchFamily="2" charset="0"/>
+                <a:ea typeface="Helvetica Neue" panose="02000503000000020004" pitchFamily="2" charset="0"/>
+                <a:cs typeface="Helvetica Neue" panose="02000503000000020004" pitchFamily="2" charset="0"/>
+              </a:rPr>
+              <a:t>.</a:t>
+            </a:r>
+            <a:r>
+              <a:rPr lang="en" altLang="ko-Kore-KR" b="1" dirty="0" err="1">
+                <a:solidFill>
+                  <a:srgbClr val="C77DBB"/>
+                </a:solidFill>
+                <a:effectLst/>
+                <a:latin typeface="Helvetica Neue" panose="02000503000000020004" pitchFamily="2" charset="0"/>
+                <a:ea typeface="Helvetica Neue" panose="02000503000000020004" pitchFamily="2" charset="0"/>
+                <a:cs typeface="Helvetica Neue" panose="02000503000000020004" pitchFamily="2" charset="0"/>
+              </a:rPr>
+              <a:t>description</a:t>
+            </a:r>
+            <a:r>
+              <a:rPr lang="en" altLang="ko-Kore-KR" b="1" dirty="0">
+                <a:solidFill>
+                  <a:srgbClr val="C77DBB"/>
+                </a:solidFill>
+                <a:effectLst/>
+                <a:latin typeface="Helvetica Neue" panose="02000503000000020004" pitchFamily="2" charset="0"/>
+                <a:ea typeface="Helvetica Neue" panose="02000503000000020004" pitchFamily="2" charset="0"/>
+                <a:cs typeface="Helvetica Neue" panose="02000503000000020004" pitchFamily="2" charset="0"/>
+              </a:rPr>
+              <a:t> </a:t>
+            </a:r>
+            <a:r>
+              <a:rPr lang="en" altLang="ko-Kore-KR" b="1" dirty="0">
+                <a:solidFill>
+                  <a:srgbClr val="BCBEC4"/>
+                </a:solidFill>
+                <a:effectLst/>
+                <a:latin typeface="Helvetica Neue" panose="02000503000000020004" pitchFamily="2" charset="0"/>
+                <a:ea typeface="Helvetica Neue" panose="02000503000000020004" pitchFamily="2" charset="0"/>
+                <a:cs typeface="Helvetica Neue" panose="02000503000000020004" pitchFamily="2" charset="0"/>
+              </a:rPr>
+              <a:t>= description;</a:t>
+            </a:r>
+            <a:br>
+              <a:rPr lang="en" altLang="ko-Kore-KR" b="1" dirty="0">
+                <a:solidFill>
+                  <a:srgbClr val="BCBEC4"/>
+                </a:solidFill>
+                <a:effectLst/>
+                <a:latin typeface="Helvetica Neue" panose="02000503000000020004" pitchFamily="2" charset="0"/>
+                <a:ea typeface="Helvetica Neue" panose="02000503000000020004" pitchFamily="2" charset="0"/>
+                <a:cs typeface="Helvetica Neue" panose="02000503000000020004" pitchFamily="2" charset="0"/>
+              </a:rPr>
+            </a:br>
+            <a:r>
+              <a:rPr lang="en" altLang="ko-Kore-KR" b="1" dirty="0">
+                <a:solidFill>
+                  <a:srgbClr val="BCBEC4"/>
+                </a:solidFill>
+                <a:effectLst/>
+                <a:latin typeface="Helvetica Neue" panose="02000503000000020004" pitchFamily="2" charset="0"/>
+                <a:ea typeface="Helvetica Neue" panose="02000503000000020004" pitchFamily="2" charset="0"/>
+                <a:cs typeface="Helvetica Neue" panose="02000503000000020004" pitchFamily="2" charset="0"/>
+              </a:rPr>
+              <a:t>        </a:t>
+            </a:r>
+            <a:r>
+              <a:rPr lang="en" altLang="ko-Kore-KR" b="1" dirty="0" err="1">
+                <a:solidFill>
+                  <a:srgbClr val="CF8E6D"/>
+                </a:solidFill>
+                <a:effectLst/>
+                <a:latin typeface="Helvetica Neue" panose="02000503000000020004" pitchFamily="2" charset="0"/>
+                <a:ea typeface="Helvetica Neue" panose="02000503000000020004" pitchFamily="2" charset="0"/>
+                <a:cs typeface="Helvetica Neue" panose="02000503000000020004" pitchFamily="2" charset="0"/>
+              </a:rPr>
+              <a:t>this</a:t>
+            </a:r>
+            <a:r>
+              <a:rPr lang="en" altLang="ko-Kore-KR" b="1" dirty="0" err="1">
+                <a:solidFill>
+                  <a:srgbClr val="BCBEC4"/>
+                </a:solidFill>
+                <a:effectLst/>
+                <a:latin typeface="Helvetica Neue" panose="02000503000000020004" pitchFamily="2" charset="0"/>
+                <a:ea typeface="Helvetica Neue" panose="02000503000000020004" pitchFamily="2" charset="0"/>
+                <a:cs typeface="Helvetica Neue" panose="02000503000000020004" pitchFamily="2" charset="0"/>
+              </a:rPr>
+              <a:t>.</a:t>
+            </a:r>
+            <a:r>
+              <a:rPr lang="en" altLang="ko-Kore-KR" b="1" dirty="0" err="1">
+                <a:solidFill>
+                  <a:srgbClr val="C77DBB"/>
+                </a:solidFill>
+                <a:effectLst/>
+                <a:latin typeface="Helvetica Neue" panose="02000503000000020004" pitchFamily="2" charset="0"/>
+                <a:ea typeface="Helvetica Neue" panose="02000503000000020004" pitchFamily="2" charset="0"/>
+                <a:cs typeface="Helvetica Neue" panose="02000503000000020004" pitchFamily="2" charset="0"/>
+              </a:rPr>
+              <a:t>targetDate</a:t>
+            </a:r>
+            <a:r>
+              <a:rPr lang="en" altLang="ko-Kore-KR" b="1" dirty="0">
+                <a:solidFill>
+                  <a:srgbClr val="C77DBB"/>
+                </a:solidFill>
+                <a:effectLst/>
+                <a:latin typeface="Helvetica Neue" panose="02000503000000020004" pitchFamily="2" charset="0"/>
+                <a:ea typeface="Helvetica Neue" panose="02000503000000020004" pitchFamily="2" charset="0"/>
+                <a:cs typeface="Helvetica Neue" panose="02000503000000020004" pitchFamily="2" charset="0"/>
+              </a:rPr>
+              <a:t> </a:t>
+            </a:r>
+            <a:r>
+              <a:rPr lang="en" altLang="ko-Kore-KR" b="1" dirty="0">
+                <a:solidFill>
+                  <a:srgbClr val="BCBEC4"/>
+                </a:solidFill>
+                <a:effectLst/>
+                <a:latin typeface="Helvetica Neue" panose="02000503000000020004" pitchFamily="2" charset="0"/>
+                <a:ea typeface="Helvetica Neue" panose="02000503000000020004" pitchFamily="2" charset="0"/>
+                <a:cs typeface="Helvetica Neue" panose="02000503000000020004" pitchFamily="2" charset="0"/>
+              </a:rPr>
+              <a:t>= </a:t>
+            </a:r>
+            <a:r>
+              <a:rPr lang="en" altLang="ko-Kore-KR" b="1" dirty="0" err="1">
+                <a:solidFill>
+                  <a:srgbClr val="BCBEC4"/>
+                </a:solidFill>
+                <a:effectLst/>
+                <a:latin typeface="Helvetica Neue" panose="02000503000000020004" pitchFamily="2" charset="0"/>
+                <a:ea typeface="Helvetica Neue" panose="02000503000000020004" pitchFamily="2" charset="0"/>
+                <a:cs typeface="Helvetica Neue" panose="02000503000000020004" pitchFamily="2" charset="0"/>
+              </a:rPr>
+              <a:t>targetDate</a:t>
+            </a:r>
+            <a:r>
+              <a:rPr lang="en" altLang="ko-Kore-KR" b="1" dirty="0">
+                <a:solidFill>
+                  <a:srgbClr val="BCBEC4"/>
+                </a:solidFill>
+                <a:effectLst/>
+                <a:latin typeface="Helvetica Neue" panose="02000503000000020004" pitchFamily="2" charset="0"/>
+                <a:ea typeface="Helvetica Neue" panose="02000503000000020004" pitchFamily="2" charset="0"/>
+                <a:cs typeface="Helvetica Neue" panose="02000503000000020004" pitchFamily="2" charset="0"/>
+              </a:rPr>
+              <a:t>;</a:t>
+            </a:r>
+            <a:br>
+              <a:rPr lang="en" altLang="ko-Kore-KR" b="1" dirty="0">
+                <a:solidFill>
+                  <a:srgbClr val="BCBEC4"/>
+                </a:solidFill>
+                <a:effectLst/>
+                <a:latin typeface="Helvetica Neue" panose="02000503000000020004" pitchFamily="2" charset="0"/>
+                <a:ea typeface="Helvetica Neue" panose="02000503000000020004" pitchFamily="2" charset="0"/>
+                <a:cs typeface="Helvetica Neue" panose="02000503000000020004" pitchFamily="2" charset="0"/>
+              </a:rPr>
+            </a:br>
+            <a:r>
+              <a:rPr lang="en" altLang="ko-Kore-KR" b="1" dirty="0">
+                <a:solidFill>
+                  <a:srgbClr val="BCBEC4"/>
+                </a:solidFill>
+                <a:effectLst/>
+                <a:latin typeface="Helvetica Neue" panose="02000503000000020004" pitchFamily="2" charset="0"/>
+                <a:ea typeface="Helvetica Neue" panose="02000503000000020004" pitchFamily="2" charset="0"/>
+                <a:cs typeface="Helvetica Neue" panose="02000503000000020004" pitchFamily="2" charset="0"/>
+              </a:rPr>
+              <a:t>        </a:t>
+            </a:r>
+            <a:r>
+              <a:rPr lang="en" altLang="ko-Kore-KR" b="1" dirty="0" err="1">
+                <a:solidFill>
+                  <a:srgbClr val="CF8E6D"/>
+                </a:solidFill>
+                <a:effectLst/>
+                <a:latin typeface="Helvetica Neue" panose="02000503000000020004" pitchFamily="2" charset="0"/>
+                <a:ea typeface="Helvetica Neue" panose="02000503000000020004" pitchFamily="2" charset="0"/>
+                <a:cs typeface="Helvetica Neue" panose="02000503000000020004" pitchFamily="2" charset="0"/>
+              </a:rPr>
+              <a:t>this</a:t>
+            </a:r>
+            <a:r>
+              <a:rPr lang="en" altLang="ko-Kore-KR" b="1" dirty="0" err="1">
+                <a:solidFill>
+                  <a:srgbClr val="BCBEC4"/>
+                </a:solidFill>
+                <a:effectLst/>
+                <a:latin typeface="Helvetica Neue" panose="02000503000000020004" pitchFamily="2" charset="0"/>
+                <a:ea typeface="Helvetica Neue" panose="02000503000000020004" pitchFamily="2" charset="0"/>
+                <a:cs typeface="Helvetica Neue" panose="02000503000000020004" pitchFamily="2" charset="0"/>
+              </a:rPr>
+              <a:t>.</a:t>
+            </a:r>
+            <a:r>
+              <a:rPr lang="en" altLang="ko-Kore-KR" b="1" dirty="0" err="1">
+                <a:solidFill>
+                  <a:srgbClr val="C77DBB"/>
+                </a:solidFill>
+                <a:effectLst/>
+                <a:latin typeface="Helvetica Neue" panose="02000503000000020004" pitchFamily="2" charset="0"/>
+                <a:ea typeface="Helvetica Neue" panose="02000503000000020004" pitchFamily="2" charset="0"/>
+                <a:cs typeface="Helvetica Neue" panose="02000503000000020004" pitchFamily="2" charset="0"/>
+              </a:rPr>
+              <a:t>done</a:t>
+            </a:r>
+            <a:r>
+              <a:rPr lang="en" altLang="ko-Kore-KR" b="1" dirty="0">
+                <a:solidFill>
+                  <a:srgbClr val="C77DBB"/>
+                </a:solidFill>
+                <a:effectLst/>
+                <a:latin typeface="Helvetica Neue" panose="02000503000000020004" pitchFamily="2" charset="0"/>
+                <a:ea typeface="Helvetica Neue" panose="02000503000000020004" pitchFamily="2" charset="0"/>
+                <a:cs typeface="Helvetica Neue" panose="02000503000000020004" pitchFamily="2" charset="0"/>
+              </a:rPr>
+              <a:t> </a:t>
+            </a:r>
+            <a:r>
+              <a:rPr lang="en" altLang="ko-Kore-KR" b="1" dirty="0">
+                <a:solidFill>
+                  <a:srgbClr val="BCBEC4"/>
+                </a:solidFill>
+                <a:effectLst/>
+                <a:latin typeface="Helvetica Neue" panose="02000503000000020004" pitchFamily="2" charset="0"/>
+                <a:ea typeface="Helvetica Neue" panose="02000503000000020004" pitchFamily="2" charset="0"/>
+                <a:cs typeface="Helvetica Neue" panose="02000503000000020004" pitchFamily="2" charset="0"/>
+              </a:rPr>
+              <a:t>= done;</a:t>
+            </a:r>
+            <a:br>
+              <a:rPr lang="en" altLang="ko-Kore-KR" b="1" dirty="0">
+                <a:solidFill>
+                  <a:srgbClr val="BCBEC4"/>
+                </a:solidFill>
+                <a:effectLst/>
+                <a:latin typeface="Helvetica Neue" panose="02000503000000020004" pitchFamily="2" charset="0"/>
+                <a:ea typeface="Helvetica Neue" panose="02000503000000020004" pitchFamily="2" charset="0"/>
+                <a:cs typeface="Helvetica Neue" panose="02000503000000020004" pitchFamily="2" charset="0"/>
+              </a:rPr>
+            </a:br>
+            <a:r>
+              <a:rPr lang="en" altLang="ko-Kore-KR" b="1" dirty="0">
+                <a:solidFill>
+                  <a:srgbClr val="BCBEC4"/>
+                </a:solidFill>
+                <a:effectLst/>
+                <a:latin typeface="Helvetica Neue" panose="02000503000000020004" pitchFamily="2" charset="0"/>
+                <a:ea typeface="Helvetica Neue" panose="02000503000000020004" pitchFamily="2" charset="0"/>
+                <a:cs typeface="Helvetica Neue" panose="02000503000000020004" pitchFamily="2" charset="0"/>
+              </a:rPr>
+              <a:t>    }</a:t>
+            </a:r>
+            <a:br>
+              <a:rPr lang="en" altLang="ko-Kore-KR" b="1" dirty="0">
+                <a:solidFill>
+                  <a:srgbClr val="BCBEC4"/>
+                </a:solidFill>
+                <a:effectLst/>
+                <a:latin typeface="Helvetica Neue" panose="02000503000000020004" pitchFamily="2" charset="0"/>
+                <a:ea typeface="Helvetica Neue" panose="02000503000000020004" pitchFamily="2" charset="0"/>
+                <a:cs typeface="Helvetica Neue" panose="02000503000000020004" pitchFamily="2" charset="0"/>
+              </a:rPr>
+            </a:br>
+            <a:br>
+              <a:rPr lang="en" altLang="ko-Kore-KR" b="1" dirty="0">
+                <a:solidFill>
+                  <a:srgbClr val="BCBEC4"/>
+                </a:solidFill>
+                <a:effectLst/>
+                <a:latin typeface="Helvetica Neue" panose="02000503000000020004" pitchFamily="2" charset="0"/>
+                <a:ea typeface="Helvetica Neue" panose="02000503000000020004" pitchFamily="2" charset="0"/>
+                <a:cs typeface="Helvetica Neue" panose="02000503000000020004" pitchFamily="2" charset="0"/>
+              </a:rPr>
+            </a:br>
+            <a:r>
+              <a:rPr lang="en" altLang="ko-Kore-KR" b="1" dirty="0">
+                <a:solidFill>
+                  <a:srgbClr val="FF0000"/>
+                </a:solidFill>
+                <a:effectLst/>
+                <a:latin typeface="Helvetica Neue" panose="02000503000000020004" pitchFamily="2" charset="0"/>
+                <a:ea typeface="Helvetica Neue" panose="02000503000000020004" pitchFamily="2" charset="0"/>
+                <a:cs typeface="Helvetica Neue" panose="02000503000000020004" pitchFamily="2" charset="0"/>
+              </a:rPr>
+              <a:t>    @Id</a:t>
+            </a:r>
+            <a:br>
+              <a:rPr lang="en" altLang="ko-Kore-KR" b="1" dirty="0">
+                <a:solidFill>
+                  <a:srgbClr val="B3AE60"/>
+                </a:solidFill>
+                <a:effectLst/>
+                <a:latin typeface="Helvetica Neue" panose="02000503000000020004" pitchFamily="2" charset="0"/>
+                <a:ea typeface="Helvetica Neue" panose="02000503000000020004" pitchFamily="2" charset="0"/>
+                <a:cs typeface="Helvetica Neue" panose="02000503000000020004" pitchFamily="2" charset="0"/>
+              </a:rPr>
+            </a:br>
+            <a:r>
+              <a:rPr lang="en" altLang="ko-Kore-KR" b="1" dirty="0">
+                <a:solidFill>
+                  <a:srgbClr val="B3AE60"/>
+                </a:solidFill>
+                <a:effectLst/>
+                <a:latin typeface="Helvetica Neue" panose="02000503000000020004" pitchFamily="2" charset="0"/>
+                <a:ea typeface="Helvetica Neue" panose="02000503000000020004" pitchFamily="2" charset="0"/>
+                <a:cs typeface="Helvetica Neue" panose="02000503000000020004" pitchFamily="2" charset="0"/>
+              </a:rPr>
+              <a:t>    @</a:t>
+            </a:r>
+            <a:r>
+              <a:rPr lang="en" altLang="ko-Kore-KR" b="1" dirty="0" err="1">
+                <a:solidFill>
+                  <a:srgbClr val="B3AE60"/>
+                </a:solidFill>
+                <a:effectLst/>
+                <a:latin typeface="Helvetica Neue" panose="02000503000000020004" pitchFamily="2" charset="0"/>
+                <a:ea typeface="Helvetica Neue" panose="02000503000000020004" pitchFamily="2" charset="0"/>
+                <a:cs typeface="Helvetica Neue" panose="02000503000000020004" pitchFamily="2" charset="0"/>
+              </a:rPr>
+              <a:t>GeneratedValue</a:t>
+            </a:r>
+            <a:br>
+              <a:rPr lang="en" altLang="ko-Kore-KR" b="1" dirty="0">
+                <a:solidFill>
+                  <a:srgbClr val="B3AE60"/>
+                </a:solidFill>
+                <a:effectLst/>
+                <a:latin typeface="Helvetica Neue" panose="02000503000000020004" pitchFamily="2" charset="0"/>
+                <a:ea typeface="Helvetica Neue" panose="02000503000000020004" pitchFamily="2" charset="0"/>
+                <a:cs typeface="Helvetica Neue" panose="02000503000000020004" pitchFamily="2" charset="0"/>
+              </a:rPr>
+            </a:br>
+            <a:r>
+              <a:rPr lang="en" altLang="ko-Kore-KR" b="1" dirty="0">
+                <a:solidFill>
+                  <a:srgbClr val="B3AE60"/>
+                </a:solidFill>
+                <a:effectLst/>
+                <a:latin typeface="Helvetica Neue" panose="02000503000000020004" pitchFamily="2" charset="0"/>
+                <a:ea typeface="Helvetica Neue" panose="02000503000000020004" pitchFamily="2" charset="0"/>
+                <a:cs typeface="Helvetica Neue" panose="02000503000000020004" pitchFamily="2" charset="0"/>
+              </a:rPr>
+              <a:t>    </a:t>
+            </a:r>
+            <a:r>
+              <a:rPr lang="en" altLang="ko-Kore-KR" b="1" dirty="0">
+                <a:solidFill>
+                  <a:srgbClr val="CF8E6D"/>
+                </a:solidFill>
+                <a:effectLst/>
+                <a:latin typeface="Helvetica Neue" panose="02000503000000020004" pitchFamily="2" charset="0"/>
+                <a:ea typeface="Helvetica Neue" panose="02000503000000020004" pitchFamily="2" charset="0"/>
+                <a:cs typeface="Helvetica Neue" panose="02000503000000020004" pitchFamily="2" charset="0"/>
+              </a:rPr>
+              <a:t>private int </a:t>
+            </a:r>
+            <a:r>
+              <a:rPr lang="en" altLang="ko-Kore-KR" b="1" dirty="0">
+                <a:solidFill>
+                  <a:srgbClr val="C77DBB"/>
+                </a:solidFill>
+                <a:effectLst/>
+                <a:latin typeface="Helvetica Neue" panose="02000503000000020004" pitchFamily="2" charset="0"/>
+                <a:ea typeface="Helvetica Neue" panose="02000503000000020004" pitchFamily="2" charset="0"/>
+                <a:cs typeface="Helvetica Neue" panose="02000503000000020004" pitchFamily="2" charset="0"/>
+              </a:rPr>
+              <a:t>id</a:t>
+            </a:r>
+            <a:r>
+              <a:rPr lang="en" altLang="ko-Kore-KR" b="1" dirty="0">
+                <a:solidFill>
+                  <a:srgbClr val="BCBEC4"/>
+                </a:solidFill>
+                <a:effectLst/>
+                <a:latin typeface="Helvetica Neue" panose="02000503000000020004" pitchFamily="2" charset="0"/>
+                <a:ea typeface="Helvetica Neue" panose="02000503000000020004" pitchFamily="2" charset="0"/>
+                <a:cs typeface="Helvetica Neue" panose="02000503000000020004" pitchFamily="2" charset="0"/>
+              </a:rPr>
+              <a:t>;</a:t>
+            </a:r>
+          </a:p>
+        </p:txBody>
+      </p:sp>
     </p:spTree>
     <p:extLst>
       <p:ext uri="{BB962C8B-B14F-4D97-AF65-F5344CB8AC3E}">
         <p14:creationId xmlns:p14="http://schemas.microsoft.com/office/powerpoint/2010/main" val="3152080280"/>
+      </p:ext>
+    </p:extLst>
+  </p:cSld>
+  <p:clrMapOvr>
+    <a:masterClrMapping/>
+  </p:clrMapOvr>
+</p:sld>
+</file>
+
+<file path=ppt/slides/slide8.xml><?xml version="1.0" encoding="utf-8"?>
+<p:sld xmlns:a="http://schemas.openxmlformats.org/drawingml/2006/main" xmlns:r="http://schemas.openxmlformats.org/officeDocument/2006/relationships" xmlns:p="http://schemas.openxmlformats.org/presentationml/2006/main">
+  <p:cSld>
+    <p:spTree>
+      <p:nvGrpSpPr>
+        <p:cNvPr id="1" name=""/>
+        <p:cNvGrpSpPr/>
+        <p:nvPr/>
+      </p:nvGrpSpPr>
+      <p:grpSpPr>
+        <a:xfrm>
+          <a:off x="0" y="0"/>
+          <a:ext cx="0" cy="0"/>
+          <a:chOff x="0" y="0"/>
+          <a:chExt cx="0" cy="0"/>
+        </a:xfrm>
+      </p:grpSpPr>
+      <p:sp>
+        <p:nvSpPr>
+          <p:cNvPr id="3" name="TextBox 2">
+            <a:extLst>
+              <a:ext uri="{FF2B5EF4-FFF2-40B4-BE49-F238E27FC236}">
+                <a16:creationId xmlns:a16="http://schemas.microsoft.com/office/drawing/2014/main" id="{7728754F-E2CC-A974-B8BB-E659813036CC}"/>
+              </a:ext>
+            </a:extLst>
+          </p:cNvPr>
+          <p:cNvSpPr txBox="1"/>
+          <p:nvPr/>
+        </p:nvSpPr>
+        <p:spPr>
+          <a:xfrm>
+            <a:off x="838201" y="2136299"/>
+            <a:ext cx="5981278" cy="3690551"/>
+          </a:xfrm>
+          <a:prstGeom prst="rect">
+            <a:avLst/>
+          </a:prstGeom>
+        </p:spPr>
+        <p:txBody>
+          <a:bodyPr vert="horz" lIns="91440" tIns="45720" rIns="91440" bIns="45720" rtlCol="0">
+            <a:normAutofit/>
+          </a:bodyPr>
+          <a:lstStyle/>
+          <a:p>
+            <a:pPr>
+              <a:lnSpc>
+                <a:spcPct val="90000"/>
+              </a:lnSpc>
+              <a:spcAft>
+                <a:spcPts val="600"/>
+              </a:spcAft>
+            </a:pPr>
+            <a:endParaRPr kumimoji="1" lang="en-US" altLang="ko-KR" sz="2000" dirty="0"/>
+          </a:p>
+          <a:p>
+            <a:pPr marL="342900" indent="-342900">
+              <a:lnSpc>
+                <a:spcPct val="90000"/>
+              </a:lnSpc>
+              <a:spcAft>
+                <a:spcPts val="600"/>
+              </a:spcAft>
+              <a:buFontTx/>
+              <a:buChar char="-"/>
+            </a:pPr>
+            <a:endParaRPr kumimoji="1" lang="en-US" altLang="en-US" sz="2000" dirty="0"/>
+          </a:p>
+        </p:txBody>
+      </p:sp>
+      <p:sp>
+        <p:nvSpPr>
+          <p:cNvPr id="4" name="TextBox 3">
+            <a:extLst>
+              <a:ext uri="{FF2B5EF4-FFF2-40B4-BE49-F238E27FC236}">
+                <a16:creationId xmlns:a16="http://schemas.microsoft.com/office/drawing/2014/main" id="{7D5260D3-F417-B496-416E-269DD601D1D5}"/>
+              </a:ext>
+            </a:extLst>
+          </p:cNvPr>
+          <p:cNvSpPr txBox="1"/>
+          <p:nvPr/>
+        </p:nvSpPr>
+        <p:spPr>
+          <a:xfrm>
+            <a:off x="480349" y="1720840"/>
+            <a:ext cx="10052613" cy="3693319"/>
+          </a:xfrm>
+          <a:prstGeom prst="rect">
+            <a:avLst/>
+          </a:prstGeom>
+          <a:noFill/>
+        </p:spPr>
+        <p:txBody>
+          <a:bodyPr wrap="square">
+            <a:spAutoFit/>
+          </a:bodyPr>
+          <a:lstStyle/>
+          <a:p>
+            <a:r>
+              <a:rPr lang="en" altLang="ko-Kore-KR" b="1" dirty="0">
+                <a:solidFill>
+                  <a:srgbClr val="7A7E85"/>
+                </a:solidFill>
+                <a:effectLst/>
+                <a:latin typeface="Helvetica Neue" panose="02000503000000020004" pitchFamily="2" charset="0"/>
+                <a:ea typeface="Helvetica Neue" panose="02000503000000020004" pitchFamily="2" charset="0"/>
+                <a:cs typeface="Helvetica Neue" panose="02000503000000020004" pitchFamily="2" charset="0"/>
+              </a:rPr>
+              <a:t>// Repository </a:t>
+            </a:r>
+            <a:r>
+              <a:rPr lang="ko-KR" altLang="en-US" b="1" dirty="0">
+                <a:solidFill>
+                  <a:srgbClr val="7A7E85"/>
+                </a:solidFill>
+                <a:effectLst/>
+                <a:latin typeface="Helvetica Neue" panose="02000503000000020004" pitchFamily="2" charset="0"/>
+                <a:cs typeface="Helvetica Neue" panose="02000503000000020004" pitchFamily="2" charset="0"/>
+              </a:rPr>
+              <a:t>는 인터페이스이다</a:t>
+            </a:r>
+            <a:br>
+              <a:rPr lang="ko-KR" altLang="en-US" b="1" dirty="0">
+                <a:solidFill>
+                  <a:srgbClr val="7A7E85"/>
+                </a:solidFill>
+                <a:effectLst/>
+                <a:latin typeface="Helvetica Neue" panose="02000503000000020004" pitchFamily="2" charset="0"/>
+                <a:cs typeface="Helvetica Neue" panose="02000503000000020004" pitchFamily="2" charset="0"/>
+              </a:rPr>
+            </a:br>
+            <a:r>
+              <a:rPr lang="en-US" altLang="ko-KR" b="1" dirty="0">
+                <a:solidFill>
+                  <a:srgbClr val="7A7E85"/>
+                </a:solidFill>
+                <a:effectLst/>
+                <a:latin typeface="Helvetica Neue" panose="02000503000000020004" pitchFamily="2" charset="0"/>
+                <a:ea typeface="Helvetica Neue" panose="02000503000000020004" pitchFamily="2" charset="0"/>
+                <a:cs typeface="Helvetica Neue" panose="02000503000000020004" pitchFamily="2" charset="0"/>
+              </a:rPr>
+              <a:t>// </a:t>
+            </a:r>
+            <a:r>
+              <a:rPr lang="en" altLang="ko-Kore-KR" b="1" dirty="0">
+                <a:solidFill>
+                  <a:srgbClr val="7A7E85"/>
+                </a:solidFill>
+                <a:effectLst/>
+                <a:latin typeface="Helvetica Neue" panose="02000503000000020004" pitchFamily="2" charset="0"/>
+                <a:ea typeface="Helvetica Neue" panose="02000503000000020004" pitchFamily="2" charset="0"/>
+                <a:cs typeface="Helvetica Neue" panose="02000503000000020004" pitchFamily="2" charset="0"/>
+              </a:rPr>
+              <a:t>Repository</a:t>
+            </a:r>
+            <a:r>
+              <a:rPr lang="ko-KR" altLang="en-US" b="1" dirty="0" err="1">
+                <a:solidFill>
+                  <a:srgbClr val="7A7E85"/>
+                </a:solidFill>
+                <a:effectLst/>
+                <a:latin typeface="Helvetica Neue" panose="02000503000000020004" pitchFamily="2" charset="0"/>
+                <a:cs typeface="Helvetica Neue" panose="02000503000000020004" pitchFamily="2" charset="0"/>
+              </a:rPr>
+              <a:t>를</a:t>
+            </a:r>
+            <a:r>
+              <a:rPr lang="ko-KR" altLang="en-US" b="1" dirty="0">
+                <a:solidFill>
+                  <a:srgbClr val="7A7E85"/>
+                </a:solidFill>
+                <a:effectLst/>
+                <a:latin typeface="Helvetica Neue" panose="02000503000000020004" pitchFamily="2" charset="0"/>
+                <a:cs typeface="Helvetica Neue" panose="02000503000000020004" pitchFamily="2" charset="0"/>
+              </a:rPr>
+              <a:t> 사용하면 엔티티에 액션을 수행할 수 있다</a:t>
+            </a:r>
+            <a:r>
+              <a:rPr lang="en-US" altLang="ko-KR" b="1" dirty="0">
+                <a:solidFill>
+                  <a:srgbClr val="7A7E85"/>
+                </a:solidFill>
+                <a:effectLst/>
+                <a:latin typeface="Helvetica Neue" panose="02000503000000020004" pitchFamily="2" charset="0"/>
+                <a:ea typeface="Helvetica Neue" panose="02000503000000020004" pitchFamily="2" charset="0"/>
+                <a:cs typeface="Helvetica Neue" panose="02000503000000020004" pitchFamily="2" charset="0"/>
+              </a:rPr>
+              <a:t>.</a:t>
+            </a:r>
+            <a:br>
+              <a:rPr lang="en-US" altLang="ko-KR" b="1" dirty="0">
+                <a:solidFill>
+                  <a:srgbClr val="7A7E85"/>
+                </a:solidFill>
+                <a:effectLst/>
+                <a:latin typeface="Helvetica Neue" panose="02000503000000020004" pitchFamily="2" charset="0"/>
+                <a:ea typeface="Helvetica Neue" panose="02000503000000020004" pitchFamily="2" charset="0"/>
+                <a:cs typeface="Helvetica Neue" panose="02000503000000020004" pitchFamily="2" charset="0"/>
+              </a:rPr>
+            </a:br>
+            <a:br>
+              <a:rPr lang="en-US" altLang="ko-KR" b="1" dirty="0">
+                <a:solidFill>
+                  <a:srgbClr val="7A7E85"/>
+                </a:solidFill>
+                <a:effectLst/>
+                <a:latin typeface="Helvetica Neue" panose="02000503000000020004" pitchFamily="2" charset="0"/>
+                <a:ea typeface="Helvetica Neue" panose="02000503000000020004" pitchFamily="2" charset="0"/>
+                <a:cs typeface="Helvetica Neue" panose="02000503000000020004" pitchFamily="2" charset="0"/>
+              </a:rPr>
+            </a:br>
+            <a:br>
+              <a:rPr lang="en-US" altLang="ko-KR" b="1" dirty="0">
+                <a:solidFill>
+                  <a:srgbClr val="7A7E85"/>
+                </a:solidFill>
+                <a:effectLst/>
+                <a:latin typeface="Helvetica Neue" panose="02000503000000020004" pitchFamily="2" charset="0"/>
+                <a:ea typeface="Helvetica Neue" panose="02000503000000020004" pitchFamily="2" charset="0"/>
+                <a:cs typeface="Helvetica Neue" panose="02000503000000020004" pitchFamily="2" charset="0"/>
+              </a:rPr>
+            </a:br>
+            <a:r>
+              <a:rPr lang="en" altLang="ko-Kore-KR" b="1" dirty="0">
+                <a:solidFill>
+                  <a:srgbClr val="CF8E6D"/>
+                </a:solidFill>
+                <a:effectLst/>
+                <a:latin typeface="Helvetica Neue" panose="02000503000000020004" pitchFamily="2" charset="0"/>
+                <a:ea typeface="Helvetica Neue" panose="02000503000000020004" pitchFamily="2" charset="0"/>
+                <a:cs typeface="Helvetica Neue" panose="02000503000000020004" pitchFamily="2" charset="0"/>
+              </a:rPr>
+              <a:t>public interface </a:t>
+            </a:r>
+            <a:r>
+              <a:rPr lang="en" altLang="ko-Kore-KR" b="1" dirty="0" err="1">
+                <a:solidFill>
+                  <a:srgbClr val="BCBEC4"/>
+                </a:solidFill>
+                <a:effectLst/>
+                <a:latin typeface="Helvetica Neue" panose="02000503000000020004" pitchFamily="2" charset="0"/>
+                <a:ea typeface="Helvetica Neue" panose="02000503000000020004" pitchFamily="2" charset="0"/>
+                <a:cs typeface="Helvetica Neue" panose="02000503000000020004" pitchFamily="2" charset="0"/>
+              </a:rPr>
+              <a:t>TodoRepository</a:t>
+            </a:r>
+            <a:r>
+              <a:rPr lang="en" altLang="ko-Kore-KR" b="1" dirty="0">
+                <a:solidFill>
+                  <a:srgbClr val="BCBEC4"/>
+                </a:solidFill>
+                <a:effectLst/>
+                <a:latin typeface="Helvetica Neue" panose="02000503000000020004" pitchFamily="2" charset="0"/>
+                <a:ea typeface="Helvetica Neue" panose="02000503000000020004" pitchFamily="2" charset="0"/>
+                <a:cs typeface="Helvetica Neue" panose="02000503000000020004" pitchFamily="2" charset="0"/>
+              </a:rPr>
+              <a:t> </a:t>
+            </a:r>
+            <a:r>
+              <a:rPr lang="en" altLang="ko-Kore-KR" b="1" dirty="0">
+                <a:solidFill>
+                  <a:srgbClr val="CF8E6D"/>
+                </a:solidFill>
+                <a:effectLst/>
+                <a:latin typeface="Helvetica Neue" panose="02000503000000020004" pitchFamily="2" charset="0"/>
+                <a:ea typeface="Helvetica Neue" panose="02000503000000020004" pitchFamily="2" charset="0"/>
+                <a:cs typeface="Helvetica Neue" panose="02000503000000020004" pitchFamily="2" charset="0"/>
+              </a:rPr>
+              <a:t>extends </a:t>
+            </a:r>
+            <a:r>
+              <a:rPr lang="en" altLang="ko-Kore-KR" b="1" dirty="0" err="1">
+                <a:solidFill>
+                  <a:srgbClr val="FF0000"/>
+                </a:solidFill>
+                <a:effectLst/>
+                <a:latin typeface="Helvetica Neue" panose="02000503000000020004" pitchFamily="2" charset="0"/>
+                <a:ea typeface="Helvetica Neue" panose="02000503000000020004" pitchFamily="2" charset="0"/>
+                <a:cs typeface="Helvetica Neue" panose="02000503000000020004" pitchFamily="2" charset="0"/>
+              </a:rPr>
+              <a:t>JpaRepository</a:t>
+            </a:r>
+            <a:r>
+              <a:rPr lang="en" altLang="ko-Kore-KR" b="1" dirty="0">
+                <a:solidFill>
+                  <a:srgbClr val="BCBEC4"/>
+                </a:solidFill>
+                <a:effectLst/>
+                <a:latin typeface="Helvetica Neue" panose="02000503000000020004" pitchFamily="2" charset="0"/>
+                <a:ea typeface="Helvetica Neue" panose="02000503000000020004" pitchFamily="2" charset="0"/>
+                <a:cs typeface="Helvetica Neue" panose="02000503000000020004" pitchFamily="2" charset="0"/>
+              </a:rPr>
+              <a:t>&lt;</a:t>
+            </a:r>
+            <a:r>
+              <a:rPr lang="en" altLang="ko-Kore-KR" b="1" dirty="0" err="1">
+                <a:solidFill>
+                  <a:srgbClr val="BCBEC4"/>
+                </a:solidFill>
+                <a:effectLst/>
+                <a:latin typeface="Helvetica Neue" panose="02000503000000020004" pitchFamily="2" charset="0"/>
+                <a:ea typeface="Helvetica Neue" panose="02000503000000020004" pitchFamily="2" charset="0"/>
+                <a:cs typeface="Helvetica Neue" panose="02000503000000020004" pitchFamily="2" charset="0"/>
+              </a:rPr>
+              <a:t>Todo</a:t>
+            </a:r>
+            <a:r>
+              <a:rPr lang="en" altLang="ko-Kore-KR" b="1" dirty="0">
+                <a:solidFill>
+                  <a:srgbClr val="BCBEC4"/>
+                </a:solidFill>
+                <a:effectLst/>
+                <a:latin typeface="Helvetica Neue" panose="02000503000000020004" pitchFamily="2" charset="0"/>
+                <a:ea typeface="Helvetica Neue" panose="02000503000000020004" pitchFamily="2" charset="0"/>
+                <a:cs typeface="Helvetica Neue" panose="02000503000000020004" pitchFamily="2" charset="0"/>
+              </a:rPr>
+              <a:t>, Integer&gt;{</a:t>
+            </a:r>
+            <a:br>
+              <a:rPr lang="en" altLang="ko-Kore-KR" b="1" dirty="0">
+                <a:solidFill>
+                  <a:srgbClr val="BCBEC4"/>
+                </a:solidFill>
+                <a:effectLst/>
+                <a:latin typeface="Helvetica Neue" panose="02000503000000020004" pitchFamily="2" charset="0"/>
+                <a:ea typeface="Helvetica Neue" panose="02000503000000020004" pitchFamily="2" charset="0"/>
+                <a:cs typeface="Helvetica Neue" panose="02000503000000020004" pitchFamily="2" charset="0"/>
+              </a:rPr>
+            </a:br>
+            <a:r>
+              <a:rPr lang="en" altLang="ko-Kore-KR" b="1" dirty="0">
+                <a:solidFill>
+                  <a:srgbClr val="BCBEC4"/>
+                </a:solidFill>
+                <a:effectLst/>
+                <a:latin typeface="Helvetica Neue" panose="02000503000000020004" pitchFamily="2" charset="0"/>
+                <a:ea typeface="Helvetica Neue" panose="02000503000000020004" pitchFamily="2" charset="0"/>
+                <a:cs typeface="Helvetica Neue" panose="02000503000000020004" pitchFamily="2" charset="0"/>
+              </a:rPr>
+              <a:t>    </a:t>
+            </a:r>
+            <a:r>
+              <a:rPr lang="en" altLang="ko-Kore-KR" b="1" dirty="0">
+                <a:solidFill>
+                  <a:srgbClr val="7A7E85"/>
+                </a:solidFill>
+                <a:effectLst/>
+                <a:latin typeface="Helvetica Neue" panose="02000503000000020004" pitchFamily="2" charset="0"/>
+                <a:ea typeface="Helvetica Neue" panose="02000503000000020004" pitchFamily="2" charset="0"/>
+                <a:cs typeface="Helvetica Neue" panose="02000503000000020004" pitchFamily="2" charset="0"/>
+              </a:rPr>
+              <a:t>//</a:t>
+            </a:r>
+            <a:r>
+              <a:rPr lang="en" altLang="ko-Kore-KR" b="1" dirty="0" err="1">
+                <a:solidFill>
+                  <a:srgbClr val="7A7E85"/>
+                </a:solidFill>
+                <a:effectLst/>
+                <a:latin typeface="Helvetica Neue" panose="02000503000000020004" pitchFamily="2" charset="0"/>
+                <a:ea typeface="Helvetica Neue" panose="02000503000000020004" pitchFamily="2" charset="0"/>
+                <a:cs typeface="Helvetica Neue" panose="02000503000000020004" pitchFamily="2" charset="0"/>
+              </a:rPr>
+              <a:t>JpaRepository</a:t>
+            </a:r>
+            <a:r>
+              <a:rPr lang="en" altLang="ko-Kore-KR" b="1" dirty="0">
+                <a:solidFill>
+                  <a:srgbClr val="7A7E85"/>
+                </a:solidFill>
+                <a:effectLst/>
+                <a:latin typeface="Helvetica Neue" panose="02000503000000020004" pitchFamily="2" charset="0"/>
+                <a:ea typeface="Helvetica Neue" panose="02000503000000020004" pitchFamily="2" charset="0"/>
+                <a:cs typeface="Helvetica Neue" panose="02000503000000020004" pitchFamily="2" charset="0"/>
+              </a:rPr>
+              <a:t>&lt;1,2&gt; : 1</a:t>
+            </a:r>
+            <a:r>
+              <a:rPr lang="ko-KR" altLang="en-US" b="1" dirty="0">
+                <a:solidFill>
+                  <a:srgbClr val="7A7E85"/>
+                </a:solidFill>
+                <a:effectLst/>
+                <a:latin typeface="Helvetica Neue" panose="02000503000000020004" pitchFamily="2" charset="0"/>
+                <a:cs typeface="Helvetica Neue" panose="02000503000000020004" pitchFamily="2" charset="0"/>
+              </a:rPr>
+              <a:t>은 관리하는 </a:t>
+            </a:r>
+            <a:r>
+              <a:rPr lang="en" altLang="ko-Kore-KR" b="1" dirty="0">
+                <a:solidFill>
+                  <a:srgbClr val="7A7E85"/>
+                </a:solidFill>
+                <a:effectLst/>
+                <a:latin typeface="Helvetica Neue" panose="02000503000000020004" pitchFamily="2" charset="0"/>
+                <a:ea typeface="Helvetica Neue" panose="02000503000000020004" pitchFamily="2" charset="0"/>
+                <a:cs typeface="Helvetica Neue" panose="02000503000000020004" pitchFamily="2" charset="0"/>
+              </a:rPr>
+              <a:t>Bean , 2</a:t>
+            </a:r>
+            <a:r>
+              <a:rPr lang="ko-KR" altLang="en-US" b="1" dirty="0">
+                <a:solidFill>
+                  <a:srgbClr val="7A7E85"/>
+                </a:solidFill>
+                <a:effectLst/>
+                <a:latin typeface="Helvetica Neue" panose="02000503000000020004" pitchFamily="2" charset="0"/>
+                <a:cs typeface="Helvetica Neue" panose="02000503000000020004" pitchFamily="2" charset="0"/>
+              </a:rPr>
+              <a:t>는 형식</a:t>
+            </a:r>
+            <a:br>
+              <a:rPr lang="ko-KR" altLang="en-US" b="1" dirty="0">
+                <a:solidFill>
+                  <a:srgbClr val="7A7E85"/>
+                </a:solidFill>
+                <a:effectLst/>
+                <a:latin typeface="Helvetica Neue" panose="02000503000000020004" pitchFamily="2" charset="0"/>
+                <a:cs typeface="Helvetica Neue" panose="02000503000000020004" pitchFamily="2" charset="0"/>
+              </a:rPr>
+            </a:br>
+            <a:br>
+              <a:rPr lang="ko-KR" altLang="en-US" b="1" dirty="0">
+                <a:solidFill>
+                  <a:srgbClr val="7A7E85"/>
+                </a:solidFill>
+                <a:effectLst/>
+                <a:latin typeface="Helvetica Neue" panose="02000503000000020004" pitchFamily="2" charset="0"/>
+                <a:cs typeface="Helvetica Neue" panose="02000503000000020004" pitchFamily="2" charset="0"/>
+              </a:rPr>
+            </a:br>
+            <a:r>
+              <a:rPr lang="ko-KR" altLang="en-US" b="1" dirty="0">
+                <a:solidFill>
+                  <a:srgbClr val="7A7E85"/>
+                </a:solidFill>
+                <a:effectLst/>
+                <a:latin typeface="Helvetica Neue" panose="02000503000000020004" pitchFamily="2" charset="0"/>
+                <a:cs typeface="Helvetica Neue" panose="02000503000000020004" pitchFamily="2" charset="0"/>
+              </a:rPr>
+              <a:t>    </a:t>
+            </a:r>
+            <a:r>
+              <a:rPr lang="en-US" altLang="ko-KR" b="1" dirty="0">
+                <a:solidFill>
+                  <a:srgbClr val="7A7E85"/>
+                </a:solidFill>
+                <a:effectLst/>
+                <a:latin typeface="Helvetica Neue" panose="02000503000000020004" pitchFamily="2" charset="0"/>
+                <a:ea typeface="Helvetica Neue" panose="02000503000000020004" pitchFamily="2" charset="0"/>
+                <a:cs typeface="Helvetica Neue" panose="02000503000000020004" pitchFamily="2" charset="0"/>
+              </a:rPr>
+              <a:t>//  </a:t>
+            </a:r>
+            <a:r>
+              <a:rPr lang="en" altLang="ko-Kore-KR" b="1" dirty="0">
+                <a:solidFill>
+                  <a:srgbClr val="7A7E85"/>
+                </a:solidFill>
+                <a:effectLst/>
+                <a:latin typeface="Helvetica Neue" panose="02000503000000020004" pitchFamily="2" charset="0"/>
+                <a:ea typeface="Helvetica Neue" panose="02000503000000020004" pitchFamily="2" charset="0"/>
+                <a:cs typeface="Helvetica Neue" panose="02000503000000020004" pitchFamily="2" charset="0"/>
+              </a:rPr>
+              <a:t>Repository //</a:t>
+            </a:r>
+            <a:br>
+              <a:rPr lang="en" altLang="ko-Kore-KR" b="1" dirty="0">
+                <a:solidFill>
+                  <a:srgbClr val="7A7E85"/>
+                </a:solidFill>
+                <a:effectLst/>
+                <a:latin typeface="Helvetica Neue" panose="02000503000000020004" pitchFamily="2" charset="0"/>
+                <a:ea typeface="Helvetica Neue" panose="02000503000000020004" pitchFamily="2" charset="0"/>
+                <a:cs typeface="Helvetica Neue" panose="02000503000000020004" pitchFamily="2" charset="0"/>
+              </a:rPr>
+            </a:br>
+            <a:r>
+              <a:rPr lang="en" altLang="ko-Kore-KR" b="1" dirty="0">
+                <a:solidFill>
+                  <a:srgbClr val="7A7E85"/>
+                </a:solidFill>
+                <a:effectLst/>
+                <a:latin typeface="Helvetica Neue" panose="02000503000000020004" pitchFamily="2" charset="0"/>
+                <a:ea typeface="Helvetica Neue" panose="02000503000000020004" pitchFamily="2" charset="0"/>
+                <a:cs typeface="Helvetica Neue" panose="02000503000000020004" pitchFamily="2" charset="0"/>
+              </a:rPr>
+              <a:t>    </a:t>
+            </a:r>
+            <a:r>
+              <a:rPr lang="ko-KR" altLang="en-US" b="1" dirty="0">
+                <a:solidFill>
+                  <a:srgbClr val="7A7E85"/>
+                </a:solidFill>
+                <a:effectLst/>
+                <a:latin typeface="Helvetica Neue" panose="02000503000000020004" pitchFamily="2" charset="0"/>
+                <a:cs typeface="Helvetica Neue" panose="02000503000000020004" pitchFamily="2" charset="0"/>
+              </a:rPr>
+              <a:t>      </a:t>
+            </a:r>
+            <a:r>
+              <a:rPr lang="en" altLang="ko-Kore-KR" b="1" dirty="0">
+                <a:solidFill>
+                  <a:srgbClr val="7A7E85"/>
+                </a:solidFill>
+                <a:effectLst/>
+                <a:latin typeface="Helvetica Neue" panose="02000503000000020004" pitchFamily="2" charset="0"/>
+                <a:ea typeface="Helvetica Neue" panose="02000503000000020004" pitchFamily="2" charset="0"/>
+                <a:cs typeface="Helvetica Neue" panose="02000503000000020004" pitchFamily="2" charset="0"/>
+              </a:rPr>
+              <a:t>// </a:t>
+            </a:r>
+            <a:r>
+              <a:rPr lang="ko-KR" altLang="en-US" b="1" dirty="0" err="1">
+                <a:solidFill>
+                  <a:srgbClr val="7A7E85"/>
+                </a:solidFill>
+                <a:effectLst/>
+                <a:latin typeface="Helvetica Neue" panose="02000503000000020004" pitchFamily="2" charset="0"/>
+                <a:cs typeface="Helvetica Neue" panose="02000503000000020004" pitchFamily="2" charset="0"/>
+              </a:rPr>
+              <a:t>레파지토리는</a:t>
+            </a:r>
+            <a:r>
+              <a:rPr lang="ko-KR" altLang="en-US" b="1" dirty="0">
+                <a:solidFill>
+                  <a:srgbClr val="7A7E85"/>
+                </a:solidFill>
+                <a:effectLst/>
+                <a:latin typeface="Helvetica Neue" panose="02000503000000020004" pitchFamily="2" charset="0"/>
+                <a:cs typeface="Helvetica Neue" panose="02000503000000020004" pitchFamily="2" charset="0"/>
+              </a:rPr>
+              <a:t> 특정 타입의 엔티티 객체를 저장하고 조회하는데 사용되는 메커니즘</a:t>
+            </a:r>
+            <a:br>
+              <a:rPr lang="ko-KR" altLang="en-US" b="1" dirty="0">
+                <a:solidFill>
+                  <a:srgbClr val="7A7E85"/>
+                </a:solidFill>
+                <a:effectLst/>
+                <a:latin typeface="Helvetica Neue" panose="02000503000000020004" pitchFamily="2" charset="0"/>
+                <a:cs typeface="Helvetica Neue" panose="02000503000000020004" pitchFamily="2" charset="0"/>
+              </a:rPr>
+            </a:br>
+            <a:r>
+              <a:rPr lang="ko-KR" altLang="en-US" b="1" dirty="0">
+                <a:solidFill>
+                  <a:srgbClr val="7A7E85"/>
+                </a:solidFill>
+                <a:effectLst/>
+                <a:latin typeface="Helvetica Neue" panose="02000503000000020004" pitchFamily="2" charset="0"/>
+                <a:cs typeface="Helvetica Neue" panose="02000503000000020004" pitchFamily="2" charset="0"/>
+              </a:rPr>
+              <a:t>    </a:t>
+            </a:r>
+            <a:r>
+              <a:rPr lang="en-US" altLang="ko-KR" b="1" dirty="0">
+                <a:solidFill>
+                  <a:srgbClr val="7A7E85"/>
+                </a:solidFill>
+                <a:effectLst/>
+                <a:latin typeface="Helvetica Neue" panose="02000503000000020004" pitchFamily="2" charset="0"/>
+                <a:ea typeface="Helvetica Neue" panose="02000503000000020004" pitchFamily="2" charset="0"/>
+                <a:cs typeface="Helvetica Neue" panose="02000503000000020004" pitchFamily="2" charset="0"/>
+              </a:rPr>
+              <a:t>// </a:t>
+            </a:r>
+            <a:r>
+              <a:rPr lang="en" altLang="ko-Kore-KR" b="1" dirty="0">
+                <a:solidFill>
+                  <a:srgbClr val="7A7E85"/>
+                </a:solidFill>
+                <a:effectLst/>
+                <a:latin typeface="Helvetica Neue" panose="02000503000000020004" pitchFamily="2" charset="0"/>
+                <a:ea typeface="Helvetica Neue" panose="02000503000000020004" pitchFamily="2" charset="0"/>
+                <a:cs typeface="Helvetica Neue" panose="02000503000000020004" pitchFamily="2" charset="0"/>
+              </a:rPr>
+              <a:t>CRUD </a:t>
+            </a:r>
+            <a:r>
+              <a:rPr lang="ko-KR" altLang="en-US" b="1" dirty="0">
+                <a:solidFill>
+                  <a:srgbClr val="7A7E85"/>
+                </a:solidFill>
+                <a:effectLst/>
+                <a:latin typeface="Helvetica Neue" panose="02000503000000020004" pitchFamily="2" charset="0"/>
+                <a:cs typeface="Helvetica Neue" panose="02000503000000020004" pitchFamily="2" charset="0"/>
+              </a:rPr>
+              <a:t>작업을 수행하는 메서드를 포함하는 </a:t>
+            </a:r>
+            <a:r>
+              <a:rPr lang="en-US" altLang="ko-KR" b="1" dirty="0">
+                <a:solidFill>
+                  <a:srgbClr val="7A7E85"/>
+                </a:solidFill>
+                <a:effectLst/>
+                <a:latin typeface="Helvetica Neue" panose="02000503000000020004" pitchFamily="2" charset="0"/>
+                <a:ea typeface="Helvetica Neue" panose="02000503000000020004" pitchFamily="2" charset="0"/>
+                <a:cs typeface="Helvetica Neue" panose="02000503000000020004" pitchFamily="2" charset="0"/>
+              </a:rPr>
+              <a:t>'</a:t>
+            </a:r>
+            <a:r>
+              <a:rPr lang="ko-KR" altLang="en-US" b="1" dirty="0">
+                <a:solidFill>
+                  <a:srgbClr val="7A7E85"/>
+                </a:solidFill>
+                <a:effectLst/>
+                <a:latin typeface="Helvetica Neue" panose="02000503000000020004" pitchFamily="2" charset="0"/>
+                <a:cs typeface="Helvetica Neue" panose="02000503000000020004" pitchFamily="2" charset="0"/>
+              </a:rPr>
+              <a:t>인터페이스</a:t>
+            </a:r>
+            <a:r>
+              <a:rPr lang="en-US" altLang="ko-KR" b="1" dirty="0">
+                <a:solidFill>
+                  <a:srgbClr val="7A7E85"/>
+                </a:solidFill>
+                <a:effectLst/>
+                <a:latin typeface="Helvetica Neue" panose="02000503000000020004" pitchFamily="2" charset="0"/>
+                <a:ea typeface="Helvetica Neue" panose="02000503000000020004" pitchFamily="2" charset="0"/>
+                <a:cs typeface="Helvetica Neue" panose="02000503000000020004" pitchFamily="2" charset="0"/>
+              </a:rPr>
+              <a:t>'</a:t>
+            </a:r>
+            <a:r>
+              <a:rPr lang="ko-KR" altLang="en-US" b="1" dirty="0">
+                <a:solidFill>
+                  <a:srgbClr val="7A7E85"/>
+                </a:solidFill>
+                <a:effectLst/>
+                <a:latin typeface="Helvetica Neue" panose="02000503000000020004" pitchFamily="2" charset="0"/>
+                <a:cs typeface="Helvetica Neue" panose="02000503000000020004" pitchFamily="2" charset="0"/>
+              </a:rPr>
+              <a:t>로 정의</a:t>
+            </a:r>
+            <a:br>
+              <a:rPr lang="ko-KR" altLang="en-US" b="1" dirty="0">
+                <a:solidFill>
+                  <a:srgbClr val="7A7E85"/>
+                </a:solidFill>
+                <a:effectLst/>
+                <a:latin typeface="Helvetica Neue" panose="02000503000000020004" pitchFamily="2" charset="0"/>
+                <a:cs typeface="Helvetica Neue" panose="02000503000000020004" pitchFamily="2" charset="0"/>
+              </a:rPr>
+            </a:br>
+            <a:r>
+              <a:rPr lang="ko-KR" altLang="en-US" b="1" dirty="0">
+                <a:solidFill>
+                  <a:srgbClr val="7A7E85"/>
+                </a:solidFill>
+                <a:effectLst/>
+                <a:latin typeface="Helvetica Neue" panose="02000503000000020004" pitchFamily="2" charset="0"/>
+                <a:cs typeface="Helvetica Neue" panose="02000503000000020004" pitchFamily="2" charset="0"/>
+              </a:rPr>
+              <a:t>    </a:t>
+            </a:r>
+            <a:r>
+              <a:rPr lang="en" altLang="ko-Kore-KR" b="1" dirty="0">
+                <a:solidFill>
+                  <a:srgbClr val="CF8E6D"/>
+                </a:solidFill>
+                <a:effectLst/>
+                <a:latin typeface="Helvetica Neue" panose="02000503000000020004" pitchFamily="2" charset="0"/>
+                <a:ea typeface="Helvetica Neue" panose="02000503000000020004" pitchFamily="2" charset="0"/>
+                <a:cs typeface="Helvetica Neue" panose="02000503000000020004" pitchFamily="2" charset="0"/>
+              </a:rPr>
+              <a:t>public </a:t>
+            </a:r>
+            <a:r>
+              <a:rPr lang="en" altLang="ko-Kore-KR" b="1" dirty="0">
+                <a:solidFill>
+                  <a:srgbClr val="BCBEC4"/>
+                </a:solidFill>
+                <a:effectLst/>
+                <a:latin typeface="Helvetica Neue" panose="02000503000000020004" pitchFamily="2" charset="0"/>
+                <a:ea typeface="Helvetica Neue" panose="02000503000000020004" pitchFamily="2" charset="0"/>
+                <a:cs typeface="Helvetica Neue" panose="02000503000000020004" pitchFamily="2" charset="0"/>
+              </a:rPr>
+              <a:t>List&lt;</a:t>
+            </a:r>
+            <a:r>
+              <a:rPr lang="en" altLang="ko-Kore-KR" b="1" dirty="0" err="1">
+                <a:solidFill>
+                  <a:srgbClr val="BCBEC4"/>
+                </a:solidFill>
+                <a:effectLst/>
+                <a:latin typeface="Helvetica Neue" panose="02000503000000020004" pitchFamily="2" charset="0"/>
+                <a:ea typeface="Helvetica Neue" panose="02000503000000020004" pitchFamily="2" charset="0"/>
+                <a:cs typeface="Helvetica Neue" panose="02000503000000020004" pitchFamily="2" charset="0"/>
+              </a:rPr>
+              <a:t>Todo</a:t>
+            </a:r>
+            <a:r>
+              <a:rPr lang="en" altLang="ko-Kore-KR" b="1" dirty="0">
+                <a:solidFill>
+                  <a:srgbClr val="BCBEC4"/>
+                </a:solidFill>
+                <a:effectLst/>
+                <a:latin typeface="Helvetica Neue" panose="02000503000000020004" pitchFamily="2" charset="0"/>
+                <a:ea typeface="Helvetica Neue" panose="02000503000000020004" pitchFamily="2" charset="0"/>
+                <a:cs typeface="Helvetica Neue" panose="02000503000000020004" pitchFamily="2" charset="0"/>
+              </a:rPr>
+              <a:t>&gt; </a:t>
+            </a:r>
+            <a:r>
+              <a:rPr lang="en" altLang="ko-Kore-KR" b="1" dirty="0" err="1">
+                <a:solidFill>
+                  <a:srgbClr val="56A8F5"/>
+                </a:solidFill>
+                <a:effectLst/>
+                <a:latin typeface="Helvetica Neue" panose="02000503000000020004" pitchFamily="2" charset="0"/>
+                <a:ea typeface="Helvetica Neue" panose="02000503000000020004" pitchFamily="2" charset="0"/>
+                <a:cs typeface="Helvetica Neue" panose="02000503000000020004" pitchFamily="2" charset="0"/>
+              </a:rPr>
+              <a:t>findByUsername</a:t>
+            </a:r>
+            <a:r>
+              <a:rPr lang="en" altLang="ko-Kore-KR" b="1" dirty="0">
+                <a:solidFill>
+                  <a:srgbClr val="BCBEC4"/>
+                </a:solidFill>
+                <a:effectLst/>
+                <a:latin typeface="Helvetica Neue" panose="02000503000000020004" pitchFamily="2" charset="0"/>
+                <a:ea typeface="Helvetica Neue" panose="02000503000000020004" pitchFamily="2" charset="0"/>
+                <a:cs typeface="Helvetica Neue" panose="02000503000000020004" pitchFamily="2" charset="0"/>
+              </a:rPr>
+              <a:t>(String username);</a:t>
+            </a:r>
+          </a:p>
+          <a:p>
+            <a:br>
+              <a:rPr lang="en" altLang="ko-Kore-KR" b="1" dirty="0">
+                <a:solidFill>
+                  <a:srgbClr val="BCBEC4"/>
+                </a:solidFill>
+                <a:effectLst/>
+                <a:latin typeface="Helvetica Neue" panose="02000503000000020004" pitchFamily="2" charset="0"/>
+                <a:ea typeface="Helvetica Neue" panose="02000503000000020004" pitchFamily="2" charset="0"/>
+                <a:cs typeface="Helvetica Neue" panose="02000503000000020004" pitchFamily="2" charset="0"/>
+              </a:rPr>
+            </a:br>
+            <a:r>
+              <a:rPr lang="en" altLang="ko-Kore-KR" b="1" dirty="0">
+                <a:solidFill>
+                  <a:srgbClr val="BCBEC4"/>
+                </a:solidFill>
+                <a:effectLst/>
+                <a:latin typeface="Helvetica Neue" panose="02000503000000020004" pitchFamily="2" charset="0"/>
+                <a:ea typeface="Helvetica Neue" panose="02000503000000020004" pitchFamily="2" charset="0"/>
+                <a:cs typeface="Helvetica Neue" panose="02000503000000020004" pitchFamily="2" charset="0"/>
+              </a:rPr>
+              <a:t>}</a:t>
+            </a:r>
+          </a:p>
+        </p:txBody>
+      </p:sp>
+      <p:sp>
+        <p:nvSpPr>
+          <p:cNvPr id="5" name="TextBox 4">
+            <a:extLst>
+              <a:ext uri="{FF2B5EF4-FFF2-40B4-BE49-F238E27FC236}">
+                <a16:creationId xmlns:a16="http://schemas.microsoft.com/office/drawing/2014/main" id="{EC0F05FB-3248-12A5-300A-3603930781FF}"/>
+              </a:ext>
+            </a:extLst>
+          </p:cNvPr>
+          <p:cNvSpPr txBox="1"/>
+          <p:nvPr/>
+        </p:nvSpPr>
+        <p:spPr>
+          <a:xfrm>
+            <a:off x="616939" y="47777"/>
+            <a:ext cx="3436461" cy="1684638"/>
+          </a:xfrm>
+          <a:prstGeom prst="rect">
+            <a:avLst/>
+          </a:prstGeom>
+        </p:spPr>
+        <p:txBody>
+          <a:bodyPr vert="horz" lIns="91440" tIns="45720" rIns="91440" bIns="45720" rtlCol="0" anchor="ctr">
+            <a:normAutofit/>
+          </a:bodyPr>
+          <a:lstStyle/>
+          <a:p>
+            <a:pPr>
+              <a:lnSpc>
+                <a:spcPct val="90000"/>
+              </a:lnSpc>
+              <a:spcBef>
+                <a:spcPct val="0"/>
+              </a:spcBef>
+              <a:spcAft>
+                <a:spcPts val="600"/>
+              </a:spcAft>
+            </a:pPr>
+            <a:r>
+              <a:rPr kumimoji="1" lang="en-US" altLang="en-US" sz="3500" b="1" dirty="0">
+                <a:latin typeface="+mn-ea"/>
+                <a:ea typeface="+mj-ea"/>
+                <a:cs typeface="+mj-cs"/>
+              </a:rPr>
+              <a:t>Repository</a:t>
+            </a:r>
+            <a:r>
+              <a:rPr kumimoji="1" lang="en-US" altLang="en-US" sz="3500" b="1" dirty="0">
+                <a:latin typeface="+mj-lt"/>
+                <a:ea typeface="+mj-ea"/>
+                <a:cs typeface="+mj-cs"/>
+              </a:rPr>
+              <a:t> </a:t>
+            </a:r>
+          </a:p>
+        </p:txBody>
+      </p:sp>
+    </p:spTree>
+    <p:extLst>
+      <p:ext uri="{BB962C8B-B14F-4D97-AF65-F5344CB8AC3E}">
+        <p14:creationId xmlns:p14="http://schemas.microsoft.com/office/powerpoint/2010/main" val="153274725"/>
       </p:ext>
     </p:extLst>
   </p:cSld>

--- a/복습정리자료/spring 4주차 정리(kyungmin) .pptx
+++ b/복습정리자료/spring 4주차 정리(kyungmin) .pptx
@@ -4574,39 +4574,7 @@
             </a:r>
             <a:r>
               <a:rPr kumimoji="1" lang="en-US" altLang="ko-KR" sz="2000" b="1" dirty="0"/>
-              <a:t>(maven)</a:t>
-            </a:r>
-          </a:p>
-          <a:p>
-            <a:pPr marL="342900" indent="-342900">
-              <a:lnSpc>
-                <a:spcPct val="90000"/>
-              </a:lnSpc>
-              <a:spcAft>
-                <a:spcPts val="600"/>
-              </a:spcAft>
-              <a:buFontTx/>
-              <a:buChar char="-"/>
-            </a:pPr>
-            <a:r>
-              <a:rPr kumimoji="1" lang="en-US" altLang="ko-KR" sz="2000" b="1" dirty="0"/>
-              <a:t>H2</a:t>
-            </a:r>
-          </a:p>
-          <a:p>
-            <a:pPr marL="342900" indent="-342900">
-              <a:lnSpc>
-                <a:spcPct val="90000"/>
-              </a:lnSpc>
-              <a:spcAft>
-                <a:spcPts val="600"/>
-              </a:spcAft>
-              <a:buFontTx/>
-              <a:buChar char="-"/>
-            </a:pPr>
-            <a:r>
-              <a:rPr kumimoji="1" lang="en-US" altLang="ko-KR" sz="2000" b="1" dirty="0"/>
-              <a:t>MySQL</a:t>
+              <a:t>(maven) – H2</a:t>
             </a:r>
             <a:endParaRPr kumimoji="1" lang="en-US" altLang="ko-KR" sz="2000" dirty="0"/>
           </a:p>
